--- a/03 - Data Exploration, Analytical Formulation, and Baselines/formulation-discussion.pptx
+++ b/03 - Data Exploration, Analytical Formulation, and Baselines/formulation-discussion.pptx
@@ -5,15 +5,16 @@
     <p:sldMasterId id="2147483648" r:id="rId1"/>
   </p:sldMasterIdLst>
   <p:notesMasterIdLst>
-    <p:notesMasterId r:id="rId8"/>
+    <p:notesMasterId r:id="rId9"/>
   </p:notesMasterIdLst>
   <p:sldIdLst>
     <p:sldId id="256" r:id="rId2"/>
     <p:sldId id="417" r:id="rId3"/>
-    <p:sldId id="424" r:id="rId4"/>
-    <p:sldId id="425" r:id="rId5"/>
-    <p:sldId id="428" r:id="rId6"/>
-    <p:sldId id="427" r:id="rId7"/>
+    <p:sldId id="429" r:id="rId4"/>
+    <p:sldId id="424" r:id="rId5"/>
+    <p:sldId id="431" r:id="rId6"/>
+    <p:sldId id="432" r:id="rId7"/>
+    <p:sldId id="430" r:id="rId8"/>
   </p:sldIdLst>
   <p:sldSz cx="12192000" cy="6858000"/>
   <p:notesSz cx="6858000" cy="9144000"/>
@@ -251,7 +252,7 @@
       <p15:sldGuideLst xmlns:p15="http://schemas.microsoft.com/office/powerpoint/2012/main"/>
     </p:ext>
     <p:ext uri="http://customooxmlschemas.google.com/">
-      <go:slidesCustomData xmlns:go="http://customooxmlschemas.google.com/" xmlns:p15="http://schemas.microsoft.com/office/powerpoint/2012/main" xmlns:p14="http://schemas.microsoft.com/office/powerpoint/2010/main" xmlns:com="http://schemas.openxmlformats.org/drawingml/2006/compatibility" xmlns:pvml="urn:schemas-microsoft-com:office:powerpoint" xmlns:v="urn:schemas-microsoft-com:vml" xmlns:o="urn:schemas-microsoft-com:office:office" xmlns:dgm="http://schemas.openxmlformats.org/drawingml/2006/diagram" xmlns:c="http://schemas.openxmlformats.org/drawingml/2006/chart" xmlns:mv="urn:schemas-microsoft-com:mac:vml" xmlns:mc="http://schemas.openxmlformats.org/markup-compatibility/2006" xmlns="" r:id="rId30" roundtripDataSignature="AMtx7mjFyVUGRZWio+dc9dxzYsimUxNJbg=="/>
+      <go:slidesCustomData xmlns="" xmlns:mc="http://schemas.openxmlformats.org/markup-compatibility/2006" xmlns:mv="urn:schemas-microsoft-com:mac:vml" xmlns:c="http://schemas.openxmlformats.org/drawingml/2006/chart" xmlns:dgm="http://schemas.openxmlformats.org/drawingml/2006/diagram" xmlns:o="urn:schemas-microsoft-com:office:office" xmlns:v="urn:schemas-microsoft-com:vml" xmlns:pvml="urn:schemas-microsoft-com:office:powerpoint" xmlns:com="http://schemas.openxmlformats.org/drawingml/2006/compatibility" xmlns:p14="http://schemas.microsoft.com/office/powerpoint/2010/main" xmlns:p15="http://schemas.microsoft.com/office/powerpoint/2012/main" xmlns:go="http://customooxmlschemas.google.com/" r:id="rId30" roundtripDataSignature="AMtx7mjFyVUGRZWio+dc9dxzYsimUxNJbg=="/>
     </p:ext>
   </p:extLst>
 </p:presentation>
@@ -3791,6 +3792,75 @@
             <p:ph type="body" idx="1"/>
           </p:nvPr>
         </p:nvSpPr>
+        <p:spPr>
+          <a:xfrm>
+            <a:off x="268210" y="2718485"/>
+            <a:ext cx="11666400" cy="3824517"/>
+          </a:xfrm>
+        </p:spPr>
+        <p:txBody>
+          <a:bodyPr/>
+          <a:lstStyle/>
+          <a:p>
+            <a:pPr marL="114300" indent="0" algn="ctr">
+              <a:buNone/>
+            </a:pPr>
+            <a:r>
+              <a:rPr lang="en-US" sz="4800" dirty="0">
+                <a:solidFill>
+                  <a:schemeClr val="tx1"/>
+                </a:solidFill>
+              </a:rPr>
+              <a:t>Short Quiz on Video/Reading</a:t>
+            </a:r>
+            <a:endParaRPr lang="en-US" dirty="0">
+              <a:solidFill>
+                <a:schemeClr val="tx1"/>
+              </a:solidFill>
+            </a:endParaRPr>
+          </a:p>
+        </p:txBody>
+      </p:sp>
+    </p:spTree>
+    <p:extLst>
+      <p:ext uri="{BB962C8B-B14F-4D97-AF65-F5344CB8AC3E}">
+        <p14:creationId xmlns:p14="http://schemas.microsoft.com/office/powerpoint/2010/main" val="2729631539"/>
+      </p:ext>
+    </p:extLst>
+  </p:cSld>
+  <p:clrMapOvr>
+    <a:masterClrMapping/>
+  </p:clrMapOvr>
+</p:sld>
+</file>
+
+<file path=ppt/slides/slide3.xml><?xml version="1.0" encoding="utf-8"?>
+<p:sld xmlns:a="http://schemas.openxmlformats.org/drawingml/2006/main" xmlns:r="http://schemas.openxmlformats.org/officeDocument/2006/relationships" xmlns:p="http://schemas.openxmlformats.org/presentationml/2006/main">
+  <p:cSld>
+    <p:spTree>
+      <p:nvGrpSpPr>
+        <p:cNvPr id="1" name=""/>
+        <p:cNvGrpSpPr/>
+        <p:nvPr/>
+      </p:nvGrpSpPr>
+      <p:grpSpPr>
+        <a:xfrm>
+          <a:off x="0" y="0"/>
+          <a:ext cx="0" cy="0"/>
+          <a:chOff x="0" y="0"/>
+          <a:chExt cx="0" cy="0"/>
+        </a:xfrm>
+      </p:grpSpPr>
+      <p:sp>
+        <p:nvSpPr>
+          <p:cNvPr id="2" name="Content Placeholder 1"/>
+          <p:cNvSpPr>
+            <a:spLocks noGrp="1"/>
+          </p:cNvSpPr>
+          <p:nvPr>
+            <p:ph type="body" idx="1"/>
+          </p:nvPr>
+        </p:nvSpPr>
         <p:spPr/>
         <p:txBody>
           <a:bodyPr/>
@@ -3798,26 +3868,63 @@
           <a:p>
             <a:r>
               <a:rPr lang="en-US" dirty="0"/>
-              <a:t>Team Updates</a:t>
+              <a:t>Due tomorrow: ACS data loading assignment</a:t>
             </a:r>
+            <a:br>
+              <a:rPr lang="en-US" dirty="0"/>
+            </a:br>
+            <a:endParaRPr lang="en-US" dirty="0"/>
           </a:p>
           <a:p>
             <a:r>
               <a:rPr lang="en-US" dirty="0"/>
-              <a:t>Finish up Pipelines</a:t>
+              <a:t>Coming up next week:</a:t>
             </a:r>
+          </a:p>
+          <a:p>
+            <a:pPr lvl="1"/>
+            <a:r>
+              <a:rPr lang="en-US" dirty="0"/>
+              <a:t>Weekly review (before class on Tuesday)</a:t>
+            </a:r>
+          </a:p>
+          <a:p>
+            <a:pPr lvl="1"/>
+            <a:r>
+              <a:rPr lang="en-US" dirty="0"/>
+              <a:t>Video + Reading for ML Pipelines (for Tuesday)</a:t>
+            </a:r>
+            <a:br>
+              <a:rPr lang="en-US" dirty="0"/>
+            </a:br>
+            <a:endParaRPr lang="en-US" dirty="0"/>
           </a:p>
           <a:p>
             <a:r>
               <a:rPr lang="en-US" dirty="0"/>
-              <a:t>Analytical/ML Formulation</a:t>
+              <a:t>Group </a:t>
+            </a:r>
+            <a:r>
+              <a:rPr lang="en-US" b="1" dirty="0"/>
+              <a:t>project proposal</a:t>
+            </a:r>
+            <a:r>
+              <a:rPr lang="en-US" dirty="0"/>
+              <a:t> due next Friday</a:t>
             </a:r>
           </a:p>
           <a:p>
+            <a:pPr lvl="1"/>
             <a:r>
               <a:rPr lang="en-US" dirty="0"/>
-              <a:t>Baselines</a:t>
+              <a:t>Time for group work on Wednesday and Thursday</a:t>
             </a:r>
+          </a:p>
+          <a:p>
+            <a:pPr marL="114300" indent="0">
+              <a:buNone/>
+            </a:pPr>
+            <a:endParaRPr lang="en-US" dirty="0"/>
           </a:p>
         </p:txBody>
       </p:sp>
@@ -3847,7 +3954,7 @@
                   <a:schemeClr val="bg1"/>
                 </a:solidFill>
               </a:rPr>
-              <a:t>Things we will cover</a:t>
+              <a:t>Things to remember</a:t>
             </a:r>
           </a:p>
         </p:txBody>
@@ -3855,7 +3962,7 @@
     </p:spTree>
     <p:extLst>
       <p:ext uri="{BB962C8B-B14F-4D97-AF65-F5344CB8AC3E}">
-        <p14:creationId xmlns:p14="http://schemas.microsoft.com/office/powerpoint/2010/main" val="2729631539"/>
+        <p14:creationId xmlns:p14="http://schemas.microsoft.com/office/powerpoint/2010/main" val="3930579869"/>
       </p:ext>
     </p:extLst>
   </p:cSld>
@@ -3865,7 +3972,65 @@
 </p:sld>
 </file>
 
-<file path=ppt/slides/slide3.xml><?xml version="1.0" encoding="utf-8"?>
+<file path=ppt/slides/slide4.xml><?xml version="1.0" encoding="utf-8"?>
+<p:sld xmlns:a="http://schemas.openxmlformats.org/drawingml/2006/main" xmlns:r="http://schemas.openxmlformats.org/officeDocument/2006/relationships" xmlns:p="http://schemas.openxmlformats.org/presentationml/2006/main">
+  <p:cSld>
+    <p:spTree>
+      <p:nvGrpSpPr>
+        <p:cNvPr id="1" name=""/>
+        <p:cNvGrpSpPr/>
+        <p:nvPr/>
+      </p:nvGrpSpPr>
+      <p:grpSpPr>
+        <a:xfrm>
+          <a:off x="0" y="0"/>
+          <a:ext cx="0" cy="0"/>
+          <a:chOff x="0" y="0"/>
+          <a:chExt cx="0" cy="0"/>
+        </a:xfrm>
+      </p:grpSpPr>
+      <p:sp>
+        <p:nvSpPr>
+          <p:cNvPr id="3" name="Title 2">
+            <a:extLst>
+              <a:ext uri="{FF2B5EF4-FFF2-40B4-BE49-F238E27FC236}">
+                <a16:creationId xmlns:a16="http://schemas.microsoft.com/office/drawing/2014/main" id="{FC4F2F47-A164-2C41-A1CD-CFD1AFCBE708}"/>
+              </a:ext>
+            </a:extLst>
+          </p:cNvPr>
+          <p:cNvSpPr>
+            <a:spLocks noGrp="1"/>
+          </p:cNvSpPr>
+          <p:nvPr>
+            <p:ph type="title"/>
+          </p:nvPr>
+        </p:nvSpPr>
+        <p:spPr/>
+        <p:txBody>
+          <a:bodyPr/>
+          <a:lstStyle/>
+          <a:p>
+            <a:r>
+              <a:rPr lang="en-US" dirty="0"/>
+              <a:t>Any questions from the video lecture?</a:t>
+            </a:r>
+          </a:p>
+        </p:txBody>
+      </p:sp>
+    </p:spTree>
+    <p:extLst>
+      <p:ext uri="{BB962C8B-B14F-4D97-AF65-F5344CB8AC3E}">
+        <p14:creationId xmlns:p14="http://schemas.microsoft.com/office/powerpoint/2010/main" val="3562142687"/>
+      </p:ext>
+    </p:extLst>
+  </p:cSld>
+  <p:clrMapOvr>
+    <a:masterClrMapping/>
+  </p:clrMapOvr>
+</p:sld>
+</file>
+
+<file path=ppt/slides/slide5.xml><?xml version="1.0" encoding="utf-8"?>
 <p:sld xmlns:a="http://schemas.openxmlformats.org/drawingml/2006/main" xmlns:r="http://schemas.openxmlformats.org/officeDocument/2006/relationships" xmlns:p="http://schemas.openxmlformats.org/presentationml/2006/main">
   <p:cSld>
     <p:spTree>
@@ -3903,16 +4068,37 @@
           <a:bodyPr/>
           <a:lstStyle/>
           <a:p>
+            <a:pPr marL="114300" indent="0" algn="ctr">
+              <a:buNone/>
+            </a:pPr>
             <a:r>
-              <a:rPr lang="en-US" dirty="0"/>
-              <a:t>Example from readings</a:t>
+              <a:rPr lang="en-US" sz="4800" dirty="0">
+                <a:solidFill>
+                  <a:schemeClr val="tx1"/>
+                </a:solidFill>
+              </a:rPr>
+              <a:t>Analytical Formulation</a:t>
             </a:r>
-          </a:p>
-          <a:p>
+            <a:br>
+              <a:rPr lang="en-US" sz="4800" dirty="0">
+                <a:solidFill>
+                  <a:schemeClr val="tx1"/>
+                </a:solidFill>
+              </a:rPr>
+            </a:br>
             <a:r>
-              <a:rPr lang="en-US" dirty="0"/>
-              <a:t>Class Projects</a:t>
+              <a:rPr lang="en-US" sz="4800" dirty="0">
+                <a:solidFill>
+                  <a:schemeClr val="tx1"/>
+                </a:solidFill>
+              </a:rPr>
+              <a:t>in the Obermeyer Paper</a:t>
             </a:r>
+            <a:endParaRPr lang="en-US" dirty="0">
+              <a:solidFill>
+                <a:schemeClr val="tx1"/>
+              </a:solidFill>
+            </a:endParaRPr>
           </a:p>
         </p:txBody>
       </p:sp>
@@ -3937,9 +4123,10 @@
           <a:bodyPr/>
           <a:lstStyle/>
           <a:p>
+            <a:pPr algn="ctr"/>
             <a:r>
               <a:rPr lang="en-US" dirty="0"/>
-              <a:t>Turning the project goals/scope into an ML problem</a:t>
+              <a:t>BREAKOUT SESSION</a:t>
             </a:r>
           </a:p>
         </p:txBody>
@@ -3947,206 +4134,7 @@
     </p:spTree>
     <p:extLst>
       <p:ext uri="{BB962C8B-B14F-4D97-AF65-F5344CB8AC3E}">
-        <p14:creationId xmlns:p14="http://schemas.microsoft.com/office/powerpoint/2010/main" val="3562142687"/>
-      </p:ext>
-    </p:extLst>
-  </p:cSld>
-  <p:clrMapOvr>
-    <a:masterClrMapping/>
-  </p:clrMapOvr>
-</p:sld>
-</file>
-
-<file path=ppt/slides/slide4.xml><?xml version="1.0" encoding="utf-8"?>
-<p:sld xmlns:a="http://schemas.openxmlformats.org/drawingml/2006/main" xmlns:r="http://schemas.openxmlformats.org/officeDocument/2006/relationships" xmlns:p="http://schemas.openxmlformats.org/presentationml/2006/main">
-  <p:cSld>
-    <p:spTree>
-      <p:nvGrpSpPr>
-        <p:cNvPr id="1" name=""/>
-        <p:cNvGrpSpPr/>
-        <p:nvPr/>
-      </p:nvGrpSpPr>
-      <p:grpSpPr>
-        <a:xfrm>
-          <a:off x="0" y="0"/>
-          <a:ext cx="0" cy="0"/>
-          <a:chOff x="0" y="0"/>
-          <a:chExt cx="0" cy="0"/>
-        </a:xfrm>
-      </p:grpSpPr>
-      <p:sp>
-        <p:nvSpPr>
-          <p:cNvPr id="2" name="Text Placeholder 1">
-            <a:extLst>
-              <a:ext uri="{FF2B5EF4-FFF2-40B4-BE49-F238E27FC236}">
-                <a16:creationId xmlns:a16="http://schemas.microsoft.com/office/drawing/2014/main" id="{1BF58D61-D951-4047-914F-96A26849E50A}"/>
-              </a:ext>
-            </a:extLst>
-          </p:cNvPr>
-          <p:cNvSpPr>
-            <a:spLocks noGrp="1"/>
-          </p:cNvSpPr>
-          <p:nvPr>
-            <p:ph type="body" idx="1"/>
-          </p:nvPr>
-        </p:nvSpPr>
-        <p:spPr/>
-        <p:txBody>
-          <a:bodyPr/>
-          <a:lstStyle/>
-          <a:p>
-            <a:r>
-              <a:rPr lang="en-US" dirty="0"/>
-              <a:t>Description</a:t>
-            </a:r>
-          </a:p>
-          <a:p>
-            <a:r>
-              <a:rPr lang="en-US" dirty="0"/>
-              <a:t>Classification</a:t>
-            </a:r>
-          </a:p>
-          <a:p>
-            <a:r>
-              <a:rPr lang="en-US" dirty="0"/>
-              <a:t>Detection</a:t>
-            </a:r>
-          </a:p>
-          <a:p>
-            <a:r>
-              <a:rPr lang="en-US" dirty="0"/>
-              <a:t>Prediction</a:t>
-            </a:r>
-          </a:p>
-          <a:p>
-            <a:r>
-              <a:rPr lang="en-US" dirty="0"/>
-              <a:t>Optimization</a:t>
-            </a:r>
-          </a:p>
-          <a:p>
-            <a:r>
-              <a:rPr lang="en-US" dirty="0"/>
-              <a:t>Causal Inference</a:t>
-            </a:r>
-          </a:p>
-        </p:txBody>
-      </p:sp>
-      <p:sp>
-        <p:nvSpPr>
-          <p:cNvPr id="3" name="Title 2">
-            <a:extLst>
-              <a:ext uri="{FF2B5EF4-FFF2-40B4-BE49-F238E27FC236}">
-                <a16:creationId xmlns:a16="http://schemas.microsoft.com/office/drawing/2014/main" id="{18E00A3A-9C26-1B42-A62C-4DB46B741290}"/>
-              </a:ext>
-            </a:extLst>
-          </p:cNvPr>
-          <p:cNvSpPr>
-            <a:spLocks noGrp="1"/>
-          </p:cNvSpPr>
-          <p:nvPr>
-            <p:ph type="title"/>
-          </p:nvPr>
-        </p:nvSpPr>
-        <p:spPr/>
-        <p:txBody>
-          <a:bodyPr/>
-          <a:lstStyle/>
-          <a:p>
-            <a:r>
-              <a:rPr lang="en-US" dirty="0"/>
-              <a:t>Decisions we need to make</a:t>
-            </a:r>
-          </a:p>
-        </p:txBody>
-      </p:sp>
-    </p:spTree>
-    <p:extLst>
-      <p:ext uri="{BB962C8B-B14F-4D97-AF65-F5344CB8AC3E}">
-        <p14:creationId xmlns:p14="http://schemas.microsoft.com/office/powerpoint/2010/main" val="625908078"/>
-      </p:ext>
-    </p:extLst>
-  </p:cSld>
-  <p:clrMapOvr>
-    <a:masterClrMapping/>
-  </p:clrMapOvr>
-</p:sld>
-</file>
-
-<file path=ppt/slides/slide5.xml><?xml version="1.0" encoding="utf-8"?>
-<p:sld xmlns:a="http://schemas.openxmlformats.org/drawingml/2006/main" xmlns:r="http://schemas.openxmlformats.org/officeDocument/2006/relationships" xmlns:p="http://schemas.openxmlformats.org/presentationml/2006/main">
-  <p:cSld>
-    <p:spTree>
-      <p:nvGrpSpPr>
-        <p:cNvPr id="1" name=""/>
-        <p:cNvGrpSpPr/>
-        <p:nvPr/>
-      </p:nvGrpSpPr>
-      <p:grpSpPr>
-        <a:xfrm>
-          <a:off x="0" y="0"/>
-          <a:ext cx="0" cy="0"/>
-          <a:chOff x="0" y="0"/>
-          <a:chExt cx="0" cy="0"/>
-        </a:xfrm>
-      </p:grpSpPr>
-      <p:sp>
-        <p:nvSpPr>
-          <p:cNvPr id="2" name="Text Placeholder 1">
-            <a:extLst>
-              <a:ext uri="{FF2B5EF4-FFF2-40B4-BE49-F238E27FC236}">
-                <a16:creationId xmlns:a16="http://schemas.microsoft.com/office/drawing/2014/main" id="{853D6B69-44D2-D449-B9CE-63D5E2BFE8A0}"/>
-              </a:ext>
-            </a:extLst>
-          </p:cNvPr>
-          <p:cNvSpPr>
-            <a:spLocks noGrp="1"/>
-          </p:cNvSpPr>
-          <p:nvPr>
-            <p:ph type="body" idx="1"/>
-          </p:nvPr>
-        </p:nvSpPr>
-        <p:spPr/>
-        <p:txBody>
-          <a:bodyPr/>
-          <a:lstStyle/>
-          <a:p>
-            <a:endParaRPr lang="en-US"/>
-          </a:p>
-        </p:txBody>
-      </p:sp>
-      <p:sp>
-        <p:nvSpPr>
-          <p:cNvPr id="3" name="Title 2">
-            <a:extLst>
-              <a:ext uri="{FF2B5EF4-FFF2-40B4-BE49-F238E27FC236}">
-                <a16:creationId xmlns:a16="http://schemas.microsoft.com/office/drawing/2014/main" id="{D3765B02-360A-1F41-913A-E71E561203CC}"/>
-              </a:ext>
-            </a:extLst>
-          </p:cNvPr>
-          <p:cNvSpPr>
-            <a:spLocks noGrp="1"/>
-          </p:cNvSpPr>
-          <p:nvPr>
-            <p:ph type="title"/>
-          </p:nvPr>
-        </p:nvSpPr>
-        <p:spPr/>
-        <p:txBody>
-          <a:bodyPr/>
-          <a:lstStyle/>
-          <a:p>
-            <a:r>
-              <a:rPr lang="en-US" dirty="0"/>
-              <a:t>Additional Decisions</a:t>
-            </a:r>
-          </a:p>
-        </p:txBody>
-      </p:sp>
-    </p:spTree>
-    <p:extLst>
-      <p:ext uri="{BB962C8B-B14F-4D97-AF65-F5344CB8AC3E}">
-        <p14:creationId xmlns:p14="http://schemas.microsoft.com/office/powerpoint/2010/main" val="821576765"/>
+        <p14:creationId xmlns:p14="http://schemas.microsoft.com/office/powerpoint/2010/main" val="526766492"/>
       </p:ext>
     </p:extLst>
   </p:cSld>
@@ -4178,7 +4166,7 @@
           <p:cNvPr id="2" name="Text Placeholder 1">
             <a:extLst>
               <a:ext uri="{FF2B5EF4-FFF2-40B4-BE49-F238E27FC236}">
-                <a16:creationId xmlns:a16="http://schemas.microsoft.com/office/drawing/2014/main" id="{16F0CF04-B42B-C044-ACCB-6C665E5B57C0}"/>
+                <a16:creationId xmlns:a16="http://schemas.microsoft.com/office/drawing/2014/main" id="{4F90177E-EDBA-BC41-B606-574933A1A307}"/>
               </a:ext>
             </a:extLst>
           </p:cNvPr>
@@ -4194,37 +4182,37 @@
           <a:bodyPr/>
           <a:lstStyle/>
           <a:p>
+            <a:pPr marL="114300" indent="0" algn="ctr">
+              <a:buNone/>
+            </a:pPr>
             <a:r>
-              <a:rPr lang="en-US" dirty="0"/>
-              <a:t>Random</a:t>
+              <a:rPr lang="en-US" sz="4800" dirty="0">
+                <a:solidFill>
+                  <a:schemeClr val="tx1"/>
+                </a:solidFill>
+              </a:rPr>
+              <a:t>Analytical Formulation</a:t>
             </a:r>
-          </a:p>
-          <a:p>
+            <a:br>
+              <a:rPr lang="en-US" sz="4800" dirty="0">
+                <a:solidFill>
+                  <a:schemeClr val="tx1"/>
+                </a:solidFill>
+              </a:rPr>
+            </a:br>
             <a:r>
-              <a:rPr lang="en-US" dirty="0"/>
-              <a:t>Common Sense</a:t>
+              <a:rPr lang="en-US" sz="4800" dirty="0">
+                <a:solidFill>
+                  <a:schemeClr val="tx1"/>
+                </a:solidFill>
+              </a:rPr>
+              <a:t>in Your Class Project</a:t>
             </a:r>
-          </a:p>
-          <a:p>
-            <a:r>
-              <a:rPr lang="en-US" dirty="0"/>
-              <a:t>What they do today</a:t>
-            </a:r>
-          </a:p>
-          <a:p>
-            <a:r>
-              <a:rPr lang="en-US" dirty="0"/>
-              <a:t>What they could do today easily</a:t>
-            </a:r>
-          </a:p>
-          <a:p>
-            <a:endParaRPr lang="en-US" dirty="0"/>
-          </a:p>
-          <a:p>
-            <a:r>
-              <a:rPr lang="en-US" dirty="0"/>
-              <a:t>How much better than baselines does our system need to be in order to deploy?	</a:t>
-            </a:r>
+            <a:endParaRPr lang="en-US" dirty="0">
+              <a:solidFill>
+                <a:schemeClr val="tx1"/>
+              </a:solidFill>
+            </a:endParaRPr>
           </a:p>
         </p:txBody>
       </p:sp>
@@ -4233,7 +4221,7 @@
           <p:cNvPr id="3" name="Title 2">
             <a:extLst>
               <a:ext uri="{FF2B5EF4-FFF2-40B4-BE49-F238E27FC236}">
-                <a16:creationId xmlns:a16="http://schemas.microsoft.com/office/drawing/2014/main" id="{FC049B21-A440-624B-941A-2CE526530E5B}"/>
+                <a16:creationId xmlns:a16="http://schemas.microsoft.com/office/drawing/2014/main" id="{FC4F2F47-A164-2C41-A1CD-CFD1AFCBE708}"/>
               </a:ext>
             </a:extLst>
           </p:cNvPr>
@@ -4249,9 +4237,10 @@
           <a:bodyPr/>
           <a:lstStyle/>
           <a:p>
+            <a:pPr algn="ctr"/>
             <a:r>
               <a:rPr lang="en-US" dirty="0"/>
-              <a:t>Baselines</a:t>
+              <a:t>PROJECT BREAKOUT</a:t>
             </a:r>
           </a:p>
         </p:txBody>
@@ -4259,7 +4248,145 @@
     </p:spTree>
     <p:extLst>
       <p:ext uri="{BB962C8B-B14F-4D97-AF65-F5344CB8AC3E}">
-        <p14:creationId xmlns:p14="http://schemas.microsoft.com/office/powerpoint/2010/main" val="1335110213"/>
+        <p14:creationId xmlns:p14="http://schemas.microsoft.com/office/powerpoint/2010/main" val="9829890"/>
+      </p:ext>
+    </p:extLst>
+  </p:cSld>
+  <p:clrMapOvr>
+    <a:masterClrMapping/>
+  </p:clrMapOvr>
+</p:sld>
+</file>
+
+<file path=ppt/slides/slide7.xml><?xml version="1.0" encoding="utf-8"?>
+<p:sld xmlns:a="http://schemas.openxmlformats.org/drawingml/2006/main" xmlns:r="http://schemas.openxmlformats.org/officeDocument/2006/relationships" xmlns:p="http://schemas.openxmlformats.org/presentationml/2006/main">
+  <p:cSld>
+    <p:spTree>
+      <p:nvGrpSpPr>
+        <p:cNvPr id="1" name=""/>
+        <p:cNvGrpSpPr/>
+        <p:nvPr/>
+      </p:nvGrpSpPr>
+      <p:grpSpPr>
+        <a:xfrm>
+          <a:off x="0" y="0"/>
+          <a:ext cx="0" cy="0"/>
+          <a:chOff x="0" y="0"/>
+          <a:chExt cx="0" cy="0"/>
+        </a:xfrm>
+      </p:grpSpPr>
+      <p:sp>
+        <p:nvSpPr>
+          <p:cNvPr id="2" name="Content Placeholder 1"/>
+          <p:cNvSpPr>
+            <a:spLocks noGrp="1"/>
+          </p:cNvSpPr>
+          <p:nvPr>
+            <p:ph type="body" idx="1"/>
+          </p:nvPr>
+        </p:nvSpPr>
+        <p:spPr/>
+        <p:txBody>
+          <a:bodyPr/>
+          <a:lstStyle/>
+          <a:p>
+            <a:r>
+              <a:rPr lang="en-US" dirty="0"/>
+              <a:t>Due tomorrow: ACS data loading assignment</a:t>
+            </a:r>
+            <a:br>
+              <a:rPr lang="en-US" dirty="0"/>
+            </a:br>
+            <a:endParaRPr lang="en-US" dirty="0"/>
+          </a:p>
+          <a:p>
+            <a:r>
+              <a:rPr lang="en-US" dirty="0"/>
+              <a:t>Coming up next week:</a:t>
+            </a:r>
+          </a:p>
+          <a:p>
+            <a:pPr lvl="1"/>
+            <a:r>
+              <a:rPr lang="en-US" dirty="0"/>
+              <a:t>Weekly review (before class on Tuesday)</a:t>
+            </a:r>
+          </a:p>
+          <a:p>
+            <a:pPr lvl="1"/>
+            <a:r>
+              <a:rPr lang="en-US" dirty="0"/>
+              <a:t>Video + Reading for ML Pipelines (for Tuesday)</a:t>
+            </a:r>
+            <a:br>
+              <a:rPr lang="en-US" dirty="0"/>
+            </a:br>
+            <a:endParaRPr lang="en-US" dirty="0"/>
+          </a:p>
+          <a:p>
+            <a:r>
+              <a:rPr lang="en-US" dirty="0"/>
+              <a:t>Group </a:t>
+            </a:r>
+            <a:r>
+              <a:rPr lang="en-US" b="1" dirty="0"/>
+              <a:t>project proposal</a:t>
+            </a:r>
+            <a:r>
+              <a:rPr lang="en-US" dirty="0"/>
+              <a:t> due next Friday</a:t>
+            </a:r>
+          </a:p>
+          <a:p>
+            <a:pPr lvl="1"/>
+            <a:r>
+              <a:rPr lang="en-US" dirty="0"/>
+              <a:t>Time for group work on Wednesday and Thursday</a:t>
+            </a:r>
+          </a:p>
+          <a:p>
+            <a:pPr marL="114300" indent="0">
+              <a:buNone/>
+            </a:pPr>
+            <a:endParaRPr lang="en-US" dirty="0"/>
+          </a:p>
+        </p:txBody>
+      </p:sp>
+      <p:sp>
+        <p:nvSpPr>
+          <p:cNvPr id="3" name="Title 2"/>
+          <p:cNvSpPr>
+            <a:spLocks noGrp="1"/>
+          </p:cNvSpPr>
+          <p:nvPr>
+            <p:ph type="title"/>
+          </p:nvPr>
+        </p:nvSpPr>
+        <p:spPr>
+          <a:xfrm>
+            <a:off x="0" y="325028"/>
+            <a:ext cx="12192000" cy="1143000"/>
+          </a:xfrm>
+        </p:spPr>
+        <p:txBody>
+          <a:bodyPr/>
+          <a:lstStyle/>
+          <a:p>
+            <a:r>
+              <a:rPr lang="en-US" dirty="0">
+                <a:solidFill>
+                  <a:schemeClr val="bg1"/>
+                </a:solidFill>
+              </a:rPr>
+              <a:t>Things to remember</a:t>
+            </a:r>
+          </a:p>
+        </p:txBody>
+      </p:sp>
+    </p:spTree>
+    <p:extLst>
+      <p:ext uri="{BB962C8B-B14F-4D97-AF65-F5344CB8AC3E}">
+        <p14:creationId xmlns:p14="http://schemas.microsoft.com/office/powerpoint/2010/main" val="2591698811"/>
       </p:ext>
     </p:extLst>
   </p:cSld>

--- a/03 - Data Exploration, Analytical Formulation, and Baselines/formulation-discussion.pptx
+++ b/03 - Data Exploration, Analytical Formulation, and Baselines/formulation-discussion.pptx
@@ -5,16 +5,17 @@
     <p:sldMasterId id="2147483648" r:id="rId1"/>
   </p:sldMasterIdLst>
   <p:notesMasterIdLst>
-    <p:notesMasterId r:id="rId9"/>
+    <p:notesMasterId r:id="rId10"/>
   </p:notesMasterIdLst>
   <p:sldIdLst>
     <p:sldId id="256" r:id="rId2"/>
     <p:sldId id="417" r:id="rId3"/>
     <p:sldId id="429" r:id="rId4"/>
-    <p:sldId id="424" r:id="rId5"/>
-    <p:sldId id="431" r:id="rId6"/>
-    <p:sldId id="432" r:id="rId7"/>
-    <p:sldId id="430" r:id="rId8"/>
+    <p:sldId id="295" r:id="rId5"/>
+    <p:sldId id="424" r:id="rId6"/>
+    <p:sldId id="431" r:id="rId7"/>
+    <p:sldId id="432" r:id="rId8"/>
+    <p:sldId id="430" r:id="rId9"/>
   </p:sldIdLst>
   <p:sldSz cx="12192000" cy="6858000"/>
   <p:notesSz cx="6858000" cy="9144000"/>
@@ -252,10 +253,5015 @@
       <p15:sldGuideLst xmlns:p15="http://schemas.microsoft.com/office/powerpoint/2012/main"/>
     </p:ext>
     <p:ext uri="http://customooxmlschemas.google.com/">
-      <go:slidesCustomData xmlns="" xmlns:mc="http://schemas.openxmlformats.org/markup-compatibility/2006" xmlns:mv="urn:schemas-microsoft-com:mac:vml" xmlns:c="http://schemas.openxmlformats.org/drawingml/2006/chart" xmlns:dgm="http://schemas.openxmlformats.org/drawingml/2006/diagram" xmlns:o="urn:schemas-microsoft-com:office:office" xmlns:v="urn:schemas-microsoft-com:vml" xmlns:pvml="urn:schemas-microsoft-com:office:powerpoint" xmlns:com="http://schemas.openxmlformats.org/drawingml/2006/compatibility" xmlns:p14="http://schemas.microsoft.com/office/powerpoint/2010/main" xmlns:p15="http://schemas.microsoft.com/office/powerpoint/2012/main" xmlns:go="http://customooxmlschemas.google.com/" r:id="rId30" roundtripDataSignature="AMtx7mjFyVUGRZWio+dc9dxzYsimUxNJbg=="/>
+      <go:slidesCustomData xmlns:go="http://customooxmlschemas.google.com/" xmlns:p15="http://schemas.microsoft.com/office/powerpoint/2012/main" xmlns:p14="http://schemas.microsoft.com/office/powerpoint/2010/main" xmlns:com="http://schemas.openxmlformats.org/drawingml/2006/compatibility" xmlns:pvml="urn:schemas-microsoft-com:office:powerpoint" xmlns:v="urn:schemas-microsoft-com:vml" xmlns:o="urn:schemas-microsoft-com:office:office" xmlns:dgm="http://schemas.openxmlformats.org/drawingml/2006/diagram" xmlns:c="http://schemas.openxmlformats.org/drawingml/2006/chart" xmlns:mv="urn:schemas-microsoft-com:mac:vml" xmlns:mc="http://schemas.openxmlformats.org/markup-compatibility/2006" xmlns="" r:id="rId30" roundtripDataSignature="AMtx7mjFyVUGRZWio+dc9dxzYsimUxNJbg=="/>
     </p:ext>
   </p:extLst>
 </p:presentation>
+</file>
+
+<file path=ppt/diagrams/colors1.xml><?xml version="1.0" encoding="utf-8"?>
+<dgm:colorsDef xmlns:dgm="http://schemas.openxmlformats.org/drawingml/2006/diagram" xmlns:a="http://schemas.openxmlformats.org/drawingml/2006/main" uniqueId="urn:microsoft.com/office/officeart/2005/8/colors/colorful1">
+  <dgm:title val=""/>
+  <dgm:desc val=""/>
+  <dgm:catLst>
+    <dgm:cat type="colorful" pri="10100"/>
+  </dgm:catLst>
+  <dgm:styleLbl name="node0">
+    <dgm:fillClrLst meth="repeat">
+      <a:schemeClr val="accent1"/>
+    </dgm:fillClrLst>
+    <dgm:linClrLst meth="repeat">
+      <a:schemeClr val="lt1"/>
+    </dgm:linClrLst>
+    <dgm:effectClrLst/>
+    <dgm:txLinClrLst/>
+    <dgm:txFillClrLst/>
+    <dgm:txEffectClrLst/>
+  </dgm:styleLbl>
+  <dgm:styleLbl name="node1">
+    <dgm:fillClrLst meth="repeat">
+      <a:schemeClr val="accent2"/>
+      <a:schemeClr val="accent3"/>
+      <a:schemeClr val="accent4"/>
+      <a:schemeClr val="accent5"/>
+      <a:schemeClr val="accent6"/>
+    </dgm:fillClrLst>
+    <dgm:linClrLst meth="repeat">
+      <a:schemeClr val="lt1"/>
+    </dgm:linClrLst>
+    <dgm:effectClrLst/>
+    <dgm:txLinClrLst/>
+    <dgm:txFillClrLst/>
+    <dgm:txEffectClrLst/>
+  </dgm:styleLbl>
+  <dgm:styleLbl name="alignNode1">
+    <dgm:fillClrLst meth="repeat">
+      <a:schemeClr val="accent2"/>
+      <a:schemeClr val="accent3"/>
+      <a:schemeClr val="accent4"/>
+      <a:schemeClr val="accent5"/>
+      <a:schemeClr val="accent6"/>
+    </dgm:fillClrLst>
+    <dgm:linClrLst meth="repeat">
+      <a:schemeClr val="accent2"/>
+      <a:schemeClr val="accent3"/>
+      <a:schemeClr val="accent4"/>
+      <a:schemeClr val="accent5"/>
+      <a:schemeClr val="accent6"/>
+    </dgm:linClrLst>
+    <dgm:effectClrLst/>
+    <dgm:txLinClrLst/>
+    <dgm:txFillClrLst/>
+    <dgm:txEffectClrLst/>
+  </dgm:styleLbl>
+  <dgm:styleLbl name="lnNode1">
+    <dgm:fillClrLst meth="repeat">
+      <a:schemeClr val="accent2"/>
+      <a:schemeClr val="accent3"/>
+      <a:schemeClr val="accent4"/>
+      <a:schemeClr val="accent5"/>
+      <a:schemeClr val="accent6"/>
+    </dgm:fillClrLst>
+    <dgm:linClrLst meth="repeat">
+      <a:schemeClr val="lt1"/>
+    </dgm:linClrLst>
+    <dgm:effectClrLst/>
+    <dgm:txLinClrLst/>
+    <dgm:txFillClrLst/>
+    <dgm:txEffectClrLst/>
+  </dgm:styleLbl>
+  <dgm:styleLbl name="vennNode1">
+    <dgm:fillClrLst meth="repeat">
+      <a:schemeClr val="accent2">
+        <a:alpha val="50000"/>
+      </a:schemeClr>
+      <a:schemeClr val="accent3">
+        <a:alpha val="50000"/>
+      </a:schemeClr>
+      <a:schemeClr val="accent4">
+        <a:alpha val="50000"/>
+      </a:schemeClr>
+      <a:schemeClr val="accent5">
+        <a:alpha val="50000"/>
+      </a:schemeClr>
+      <a:schemeClr val="accent6">
+        <a:alpha val="50000"/>
+      </a:schemeClr>
+    </dgm:fillClrLst>
+    <dgm:linClrLst meth="repeat">
+      <a:schemeClr val="lt1"/>
+    </dgm:linClrLst>
+    <dgm:effectClrLst/>
+    <dgm:txLinClrLst/>
+    <dgm:txFillClrLst/>
+    <dgm:txEffectClrLst/>
+  </dgm:styleLbl>
+  <dgm:styleLbl name="node2">
+    <dgm:fillClrLst>
+      <a:schemeClr val="accent2"/>
+    </dgm:fillClrLst>
+    <dgm:linClrLst meth="repeat">
+      <a:schemeClr val="lt1"/>
+    </dgm:linClrLst>
+    <dgm:effectClrLst/>
+    <dgm:txLinClrLst/>
+    <dgm:txFillClrLst/>
+    <dgm:txEffectClrLst/>
+  </dgm:styleLbl>
+  <dgm:styleLbl name="node3">
+    <dgm:fillClrLst>
+      <a:schemeClr val="accent3"/>
+    </dgm:fillClrLst>
+    <dgm:linClrLst meth="repeat">
+      <a:schemeClr val="lt1"/>
+    </dgm:linClrLst>
+    <dgm:effectClrLst/>
+    <dgm:txLinClrLst/>
+    <dgm:txFillClrLst/>
+    <dgm:txEffectClrLst/>
+  </dgm:styleLbl>
+  <dgm:styleLbl name="node4">
+    <dgm:fillClrLst>
+      <a:schemeClr val="accent4"/>
+    </dgm:fillClrLst>
+    <dgm:linClrLst meth="repeat">
+      <a:schemeClr val="lt1"/>
+    </dgm:linClrLst>
+    <dgm:effectClrLst/>
+    <dgm:txLinClrLst/>
+    <dgm:txFillClrLst/>
+    <dgm:txEffectClrLst/>
+  </dgm:styleLbl>
+  <dgm:styleLbl name="fgImgPlace1">
+    <dgm:fillClrLst meth="repeat">
+      <a:schemeClr val="accent2">
+        <a:tint val="50000"/>
+      </a:schemeClr>
+      <a:schemeClr val="accent3">
+        <a:tint val="50000"/>
+      </a:schemeClr>
+      <a:schemeClr val="accent4">
+        <a:tint val="50000"/>
+      </a:schemeClr>
+      <a:schemeClr val="accent5">
+        <a:tint val="50000"/>
+      </a:schemeClr>
+      <a:schemeClr val="accent6">
+        <a:tint val="50000"/>
+      </a:schemeClr>
+    </dgm:fillClrLst>
+    <dgm:linClrLst meth="repeat">
+      <a:schemeClr val="lt1"/>
+    </dgm:linClrLst>
+    <dgm:effectClrLst/>
+    <dgm:txLinClrLst/>
+    <dgm:txFillClrLst meth="repeat">
+      <a:schemeClr val="lt1"/>
+    </dgm:txFillClrLst>
+    <dgm:txEffectClrLst/>
+  </dgm:styleLbl>
+  <dgm:styleLbl name="alignImgPlace1">
+    <dgm:fillClrLst>
+      <a:schemeClr val="accent1">
+        <a:tint val="50000"/>
+      </a:schemeClr>
+      <a:schemeClr val="accent2">
+        <a:tint val="20000"/>
+      </a:schemeClr>
+    </dgm:fillClrLst>
+    <dgm:linClrLst meth="repeat">
+      <a:schemeClr val="lt1"/>
+    </dgm:linClrLst>
+    <dgm:effectClrLst/>
+    <dgm:txLinClrLst/>
+    <dgm:txFillClrLst meth="repeat">
+      <a:schemeClr val="lt1"/>
+    </dgm:txFillClrLst>
+    <dgm:txEffectClrLst/>
+  </dgm:styleLbl>
+  <dgm:styleLbl name="bgImgPlace1">
+    <dgm:fillClrLst>
+      <a:schemeClr val="accent1">
+        <a:tint val="50000"/>
+      </a:schemeClr>
+      <a:schemeClr val="accent2">
+        <a:tint val="20000"/>
+      </a:schemeClr>
+    </dgm:fillClrLst>
+    <dgm:linClrLst meth="repeat">
+      <a:schemeClr val="lt1"/>
+    </dgm:linClrLst>
+    <dgm:effectClrLst/>
+    <dgm:txLinClrLst/>
+    <dgm:txFillClrLst meth="repeat">
+      <a:schemeClr val="lt1"/>
+    </dgm:txFillClrLst>
+    <dgm:txEffectClrLst/>
+  </dgm:styleLbl>
+  <dgm:styleLbl name="sibTrans2D1">
+    <dgm:fillClrLst meth="repeat">
+      <a:schemeClr val="accent2"/>
+      <a:schemeClr val="accent3"/>
+      <a:schemeClr val="accent4"/>
+      <a:schemeClr val="accent5"/>
+      <a:schemeClr val="accent6"/>
+    </dgm:fillClrLst>
+    <dgm:linClrLst meth="cycle">
+      <a:schemeClr val="lt1"/>
+    </dgm:linClrLst>
+    <dgm:effectClrLst/>
+    <dgm:txLinClrLst/>
+    <dgm:txFillClrLst/>
+    <dgm:txEffectClrLst/>
+  </dgm:styleLbl>
+  <dgm:styleLbl name="fgSibTrans2D1">
+    <dgm:fillClrLst meth="repeat">
+      <a:schemeClr val="accent2"/>
+      <a:schemeClr val="accent3"/>
+      <a:schemeClr val="accent4"/>
+      <a:schemeClr val="accent5"/>
+      <a:schemeClr val="accent6"/>
+    </dgm:fillClrLst>
+    <dgm:linClrLst meth="cycle">
+      <a:schemeClr val="lt1"/>
+    </dgm:linClrLst>
+    <dgm:effectClrLst/>
+    <dgm:txLinClrLst/>
+    <dgm:txFillClrLst meth="repeat">
+      <a:schemeClr val="lt1"/>
+    </dgm:txFillClrLst>
+    <dgm:txEffectClrLst/>
+  </dgm:styleLbl>
+  <dgm:styleLbl name="bgSibTrans2D1">
+    <dgm:fillClrLst meth="repeat">
+      <a:schemeClr val="accent2"/>
+      <a:schemeClr val="accent3"/>
+      <a:schemeClr val="accent4"/>
+      <a:schemeClr val="accent5"/>
+      <a:schemeClr val="accent6"/>
+    </dgm:fillClrLst>
+    <dgm:linClrLst meth="cycle">
+      <a:schemeClr val="lt1"/>
+    </dgm:linClrLst>
+    <dgm:effectClrLst/>
+    <dgm:txLinClrLst/>
+    <dgm:txFillClrLst meth="repeat">
+      <a:schemeClr val="lt1"/>
+    </dgm:txFillClrLst>
+    <dgm:txEffectClrLst/>
+  </dgm:styleLbl>
+  <dgm:styleLbl name="sibTrans1D1">
+    <dgm:fillClrLst meth="repeat">
+      <a:schemeClr val="accent2"/>
+      <a:schemeClr val="accent3"/>
+      <a:schemeClr val="accent4"/>
+      <a:schemeClr val="accent5"/>
+      <a:schemeClr val="accent6"/>
+    </dgm:fillClrLst>
+    <dgm:linClrLst meth="repeat">
+      <a:schemeClr val="accent2"/>
+      <a:schemeClr val="accent3"/>
+      <a:schemeClr val="accent4"/>
+      <a:schemeClr val="accent5"/>
+      <a:schemeClr val="accent6"/>
+    </dgm:linClrLst>
+    <dgm:effectClrLst/>
+    <dgm:txLinClrLst/>
+    <dgm:txFillClrLst meth="repeat">
+      <a:schemeClr val="tx1"/>
+    </dgm:txFillClrLst>
+    <dgm:txEffectClrLst/>
+  </dgm:styleLbl>
+  <dgm:styleLbl name="callout">
+    <dgm:fillClrLst meth="repeat">
+      <a:schemeClr val="accent2"/>
+    </dgm:fillClrLst>
+    <dgm:linClrLst meth="repeat">
+      <a:schemeClr val="accent2">
+        <a:tint val="50000"/>
+      </a:schemeClr>
+    </dgm:linClrLst>
+    <dgm:effectClrLst/>
+    <dgm:txLinClrLst/>
+    <dgm:txFillClrLst meth="repeat">
+      <a:schemeClr val="tx1"/>
+    </dgm:txFillClrLst>
+    <dgm:txEffectClrLst/>
+  </dgm:styleLbl>
+  <dgm:styleLbl name="asst0">
+    <dgm:fillClrLst meth="repeat">
+      <a:schemeClr val="accent1"/>
+    </dgm:fillClrLst>
+    <dgm:linClrLst meth="repeat">
+      <a:schemeClr val="lt1"/>
+    </dgm:linClrLst>
+    <dgm:effectClrLst/>
+    <dgm:txLinClrLst/>
+    <dgm:txFillClrLst/>
+    <dgm:txEffectClrLst/>
+  </dgm:styleLbl>
+  <dgm:styleLbl name="asst1">
+    <dgm:fillClrLst meth="repeat">
+      <a:schemeClr val="accent2"/>
+    </dgm:fillClrLst>
+    <dgm:linClrLst meth="repeat">
+      <a:schemeClr val="lt1"/>
+    </dgm:linClrLst>
+    <dgm:effectClrLst/>
+    <dgm:txLinClrLst/>
+    <dgm:txFillClrLst/>
+    <dgm:txEffectClrLst/>
+  </dgm:styleLbl>
+  <dgm:styleLbl name="asst2">
+    <dgm:fillClrLst>
+      <a:schemeClr val="accent3"/>
+    </dgm:fillClrLst>
+    <dgm:linClrLst meth="repeat">
+      <a:schemeClr val="lt1"/>
+    </dgm:linClrLst>
+    <dgm:effectClrLst/>
+    <dgm:txLinClrLst/>
+    <dgm:txFillClrLst/>
+    <dgm:txEffectClrLst/>
+  </dgm:styleLbl>
+  <dgm:styleLbl name="asst3">
+    <dgm:fillClrLst>
+      <a:schemeClr val="accent4"/>
+    </dgm:fillClrLst>
+    <dgm:linClrLst meth="repeat">
+      <a:schemeClr val="lt1"/>
+    </dgm:linClrLst>
+    <dgm:effectClrLst/>
+    <dgm:txLinClrLst/>
+    <dgm:txFillClrLst/>
+    <dgm:txEffectClrLst/>
+  </dgm:styleLbl>
+  <dgm:styleLbl name="asst4">
+    <dgm:fillClrLst>
+      <a:schemeClr val="accent5"/>
+    </dgm:fillClrLst>
+    <dgm:linClrLst meth="repeat">
+      <a:schemeClr val="lt1"/>
+    </dgm:linClrLst>
+    <dgm:effectClrLst/>
+    <dgm:txLinClrLst/>
+    <dgm:txFillClrLst/>
+    <dgm:txEffectClrLst/>
+  </dgm:styleLbl>
+  <dgm:styleLbl name="parChTrans2D1">
+    <dgm:fillClrLst meth="repeat">
+      <a:schemeClr val="accent2"/>
+    </dgm:fillClrLst>
+    <dgm:linClrLst meth="repeat">
+      <a:schemeClr val="lt1"/>
+    </dgm:linClrLst>
+    <dgm:effectClrLst/>
+    <dgm:txLinClrLst/>
+    <dgm:txFillClrLst meth="repeat">
+      <a:schemeClr val="lt1"/>
+    </dgm:txFillClrLst>
+    <dgm:txEffectClrLst/>
+  </dgm:styleLbl>
+  <dgm:styleLbl name="parChTrans2D2">
+    <dgm:fillClrLst meth="repeat">
+      <a:schemeClr val="accent3"/>
+    </dgm:fillClrLst>
+    <dgm:linClrLst meth="repeat">
+      <a:schemeClr val="lt1"/>
+    </dgm:linClrLst>
+    <dgm:effectClrLst/>
+    <dgm:txLinClrLst/>
+    <dgm:txFillClrLst/>
+    <dgm:txEffectClrLst/>
+  </dgm:styleLbl>
+  <dgm:styleLbl name="parChTrans2D3">
+    <dgm:fillClrLst meth="repeat">
+      <a:schemeClr val="accent4"/>
+    </dgm:fillClrLst>
+    <dgm:linClrLst meth="repeat">
+      <a:schemeClr val="lt1"/>
+    </dgm:linClrLst>
+    <dgm:effectClrLst/>
+    <dgm:txLinClrLst/>
+    <dgm:txFillClrLst/>
+    <dgm:txEffectClrLst/>
+  </dgm:styleLbl>
+  <dgm:styleLbl name="parChTrans2D4">
+    <dgm:fillClrLst meth="repeat">
+      <a:schemeClr val="accent5"/>
+    </dgm:fillClrLst>
+    <dgm:linClrLst meth="repeat">
+      <a:schemeClr val="lt1"/>
+    </dgm:linClrLst>
+    <dgm:effectClrLst/>
+    <dgm:txLinClrLst/>
+    <dgm:txFillClrLst meth="repeat">
+      <a:schemeClr val="lt1"/>
+    </dgm:txFillClrLst>
+    <dgm:txEffectClrLst/>
+  </dgm:styleLbl>
+  <dgm:styleLbl name="parChTrans1D1">
+    <dgm:fillClrLst meth="repeat">
+      <a:schemeClr val="accent2"/>
+    </dgm:fillClrLst>
+    <dgm:linClrLst meth="repeat">
+      <a:schemeClr val="accent1"/>
+    </dgm:linClrLst>
+    <dgm:effectClrLst/>
+    <dgm:txLinClrLst/>
+    <dgm:txFillClrLst meth="repeat">
+      <a:schemeClr val="tx1"/>
+    </dgm:txFillClrLst>
+    <dgm:txEffectClrLst/>
+  </dgm:styleLbl>
+  <dgm:styleLbl name="parChTrans1D2">
+    <dgm:fillClrLst meth="repeat">
+      <a:schemeClr val="accent3">
+        <a:tint val="90000"/>
+      </a:schemeClr>
+    </dgm:fillClrLst>
+    <dgm:linClrLst meth="repeat">
+      <a:schemeClr val="accent2"/>
+    </dgm:linClrLst>
+    <dgm:effectClrLst/>
+    <dgm:txLinClrLst/>
+    <dgm:txFillClrLst meth="repeat">
+      <a:schemeClr val="tx1"/>
+    </dgm:txFillClrLst>
+    <dgm:txEffectClrLst/>
+  </dgm:styleLbl>
+  <dgm:styleLbl name="parChTrans1D3">
+    <dgm:fillClrLst meth="repeat">
+      <a:schemeClr val="accent4">
+        <a:tint val="70000"/>
+      </a:schemeClr>
+    </dgm:fillClrLst>
+    <dgm:linClrLst meth="repeat">
+      <a:schemeClr val="accent3"/>
+    </dgm:linClrLst>
+    <dgm:effectClrLst/>
+    <dgm:txLinClrLst/>
+    <dgm:txFillClrLst meth="repeat">
+      <a:schemeClr val="tx1"/>
+    </dgm:txFillClrLst>
+    <dgm:txEffectClrLst/>
+  </dgm:styleLbl>
+  <dgm:styleLbl name="parChTrans1D4">
+    <dgm:fillClrLst meth="repeat">
+      <a:schemeClr val="accent5">
+        <a:tint val="50000"/>
+      </a:schemeClr>
+    </dgm:fillClrLst>
+    <dgm:linClrLst meth="repeat">
+      <a:schemeClr val="accent4"/>
+    </dgm:linClrLst>
+    <dgm:effectClrLst/>
+    <dgm:txLinClrLst/>
+    <dgm:txFillClrLst meth="repeat">
+      <a:schemeClr val="tx1"/>
+    </dgm:txFillClrLst>
+    <dgm:txEffectClrLst/>
+  </dgm:styleLbl>
+  <dgm:styleLbl name="fgAcc1">
+    <dgm:fillClrLst meth="repeat">
+      <a:schemeClr val="lt1">
+        <a:alpha val="90000"/>
+      </a:schemeClr>
+    </dgm:fillClrLst>
+    <dgm:linClrLst meth="repeat">
+      <a:schemeClr val="accent2"/>
+      <a:schemeClr val="accent3"/>
+      <a:schemeClr val="accent4"/>
+      <a:schemeClr val="accent5"/>
+      <a:schemeClr val="accent6"/>
+    </dgm:linClrLst>
+    <dgm:effectClrLst/>
+    <dgm:txLinClrLst/>
+    <dgm:txFillClrLst meth="repeat">
+      <a:schemeClr val="dk1"/>
+    </dgm:txFillClrLst>
+    <dgm:txEffectClrLst/>
+  </dgm:styleLbl>
+  <dgm:styleLbl name="conFgAcc1">
+    <dgm:fillClrLst meth="repeat">
+      <a:schemeClr val="lt1">
+        <a:alpha val="90000"/>
+      </a:schemeClr>
+    </dgm:fillClrLst>
+    <dgm:linClrLst meth="repeat">
+      <a:schemeClr val="accent2"/>
+      <a:schemeClr val="accent3"/>
+      <a:schemeClr val="accent4"/>
+      <a:schemeClr val="accent5"/>
+      <a:schemeClr val="accent6"/>
+    </dgm:linClrLst>
+    <dgm:effectClrLst/>
+    <dgm:txLinClrLst/>
+    <dgm:txFillClrLst meth="repeat">
+      <a:schemeClr val="dk1"/>
+    </dgm:txFillClrLst>
+    <dgm:txEffectClrLst/>
+  </dgm:styleLbl>
+  <dgm:styleLbl name="alignAcc1">
+    <dgm:fillClrLst meth="repeat">
+      <a:schemeClr val="lt1">
+        <a:alpha val="90000"/>
+      </a:schemeClr>
+    </dgm:fillClrLst>
+    <dgm:linClrLst meth="repeat">
+      <a:schemeClr val="accent2"/>
+      <a:schemeClr val="accent3"/>
+      <a:schemeClr val="accent4"/>
+      <a:schemeClr val="accent5"/>
+      <a:schemeClr val="accent6"/>
+    </dgm:linClrLst>
+    <dgm:effectClrLst/>
+    <dgm:txLinClrLst/>
+    <dgm:txFillClrLst meth="repeat">
+      <a:schemeClr val="dk1"/>
+    </dgm:txFillClrLst>
+    <dgm:txEffectClrLst/>
+  </dgm:styleLbl>
+  <dgm:styleLbl name="trAlignAcc1">
+    <dgm:fillClrLst meth="repeat">
+      <a:schemeClr val="lt1">
+        <a:alpha val="40000"/>
+      </a:schemeClr>
+    </dgm:fillClrLst>
+    <dgm:linClrLst meth="repeat">
+      <a:schemeClr val="accent1"/>
+    </dgm:linClrLst>
+    <dgm:effectClrLst/>
+    <dgm:txLinClrLst/>
+    <dgm:txFillClrLst meth="repeat">
+      <a:schemeClr val="dk1"/>
+    </dgm:txFillClrLst>
+    <dgm:txEffectClrLst/>
+  </dgm:styleLbl>
+  <dgm:styleLbl name="bgAcc1">
+    <dgm:fillClrLst meth="repeat">
+      <a:schemeClr val="lt1">
+        <a:alpha val="90000"/>
+      </a:schemeClr>
+    </dgm:fillClrLst>
+    <dgm:linClrLst meth="repeat">
+      <a:schemeClr val="accent2"/>
+      <a:schemeClr val="accent3"/>
+      <a:schemeClr val="accent4"/>
+      <a:schemeClr val="accent5"/>
+      <a:schemeClr val="accent6"/>
+    </dgm:linClrLst>
+    <dgm:effectClrLst/>
+    <dgm:txLinClrLst/>
+    <dgm:txFillClrLst meth="repeat">
+      <a:schemeClr val="dk1"/>
+    </dgm:txFillClrLst>
+    <dgm:txEffectClrLst/>
+  </dgm:styleLbl>
+  <dgm:styleLbl name="solidFgAcc1">
+    <dgm:fillClrLst meth="repeat">
+      <a:schemeClr val="lt1"/>
+    </dgm:fillClrLst>
+    <dgm:linClrLst meth="repeat">
+      <a:schemeClr val="accent2"/>
+      <a:schemeClr val="accent3"/>
+      <a:schemeClr val="accent4"/>
+      <a:schemeClr val="accent5"/>
+      <a:schemeClr val="accent6"/>
+    </dgm:linClrLst>
+    <dgm:effectClrLst/>
+    <dgm:txLinClrLst/>
+    <dgm:txFillClrLst meth="repeat">
+      <a:schemeClr val="dk1"/>
+    </dgm:txFillClrLst>
+    <dgm:txEffectClrLst/>
+  </dgm:styleLbl>
+  <dgm:styleLbl name="solidAlignAcc1">
+    <dgm:fillClrLst meth="repeat">
+      <a:schemeClr val="lt1"/>
+    </dgm:fillClrLst>
+    <dgm:linClrLst meth="repeat">
+      <a:schemeClr val="accent2"/>
+      <a:schemeClr val="accent3"/>
+      <a:schemeClr val="accent4"/>
+      <a:schemeClr val="accent5"/>
+      <a:schemeClr val="accent6"/>
+    </dgm:linClrLst>
+    <dgm:effectClrLst/>
+    <dgm:txLinClrLst/>
+    <dgm:txFillClrLst meth="repeat">
+      <a:schemeClr val="dk1"/>
+    </dgm:txFillClrLst>
+    <dgm:txEffectClrLst/>
+  </dgm:styleLbl>
+  <dgm:styleLbl name="solidBgAcc1">
+    <dgm:fillClrLst meth="repeat">
+      <a:schemeClr val="lt1"/>
+    </dgm:fillClrLst>
+    <dgm:linClrLst meth="repeat">
+      <a:schemeClr val="accent2"/>
+      <a:schemeClr val="accent3"/>
+      <a:schemeClr val="accent4"/>
+      <a:schemeClr val="accent5"/>
+      <a:schemeClr val="accent6"/>
+    </dgm:linClrLst>
+    <dgm:effectClrLst/>
+    <dgm:txLinClrLst/>
+    <dgm:txFillClrLst meth="repeat">
+      <a:schemeClr val="dk1"/>
+    </dgm:txFillClrLst>
+    <dgm:txEffectClrLst/>
+  </dgm:styleLbl>
+  <dgm:styleLbl name="fgAccFollowNode1">
+    <dgm:fillClrLst meth="repeat">
+      <a:schemeClr val="accent2">
+        <a:tint val="40000"/>
+        <a:alpha val="90000"/>
+      </a:schemeClr>
+      <a:schemeClr val="accent3">
+        <a:tint val="40000"/>
+        <a:alpha val="90000"/>
+      </a:schemeClr>
+      <a:schemeClr val="accent4">
+        <a:tint val="40000"/>
+        <a:alpha val="90000"/>
+      </a:schemeClr>
+      <a:schemeClr val="accent5">
+        <a:tint val="40000"/>
+        <a:alpha val="90000"/>
+      </a:schemeClr>
+      <a:schemeClr val="accent6">
+        <a:tint val="40000"/>
+        <a:alpha val="90000"/>
+      </a:schemeClr>
+    </dgm:fillClrLst>
+    <dgm:linClrLst meth="repeat">
+      <a:schemeClr val="accent2">
+        <a:tint val="40000"/>
+        <a:alpha val="90000"/>
+      </a:schemeClr>
+      <a:schemeClr val="accent3">
+        <a:tint val="40000"/>
+        <a:alpha val="90000"/>
+      </a:schemeClr>
+      <a:schemeClr val="accent4">
+        <a:tint val="40000"/>
+        <a:alpha val="90000"/>
+      </a:schemeClr>
+      <a:schemeClr val="accent5">
+        <a:tint val="40000"/>
+        <a:alpha val="90000"/>
+      </a:schemeClr>
+      <a:schemeClr val="accent6">
+        <a:tint val="40000"/>
+        <a:alpha val="90000"/>
+      </a:schemeClr>
+    </dgm:linClrLst>
+    <dgm:effectClrLst/>
+    <dgm:txLinClrLst/>
+    <dgm:txFillClrLst meth="repeat">
+      <a:schemeClr val="dk1"/>
+    </dgm:txFillClrLst>
+    <dgm:txEffectClrLst/>
+  </dgm:styleLbl>
+  <dgm:styleLbl name="alignAccFollowNode1">
+    <dgm:fillClrLst meth="repeat">
+      <a:schemeClr val="accent2">
+        <a:tint val="40000"/>
+        <a:alpha val="90000"/>
+      </a:schemeClr>
+      <a:schemeClr val="accent3">
+        <a:tint val="40000"/>
+        <a:alpha val="90000"/>
+      </a:schemeClr>
+      <a:schemeClr val="accent4">
+        <a:tint val="40000"/>
+        <a:alpha val="90000"/>
+      </a:schemeClr>
+      <a:schemeClr val="accent5">
+        <a:tint val="40000"/>
+        <a:alpha val="90000"/>
+      </a:schemeClr>
+      <a:schemeClr val="accent6">
+        <a:tint val="40000"/>
+        <a:alpha val="90000"/>
+      </a:schemeClr>
+    </dgm:fillClrLst>
+    <dgm:linClrLst meth="repeat">
+      <a:schemeClr val="accent2">
+        <a:tint val="40000"/>
+        <a:alpha val="90000"/>
+      </a:schemeClr>
+      <a:schemeClr val="accent3">
+        <a:tint val="40000"/>
+        <a:alpha val="90000"/>
+      </a:schemeClr>
+      <a:schemeClr val="accent4">
+        <a:tint val="40000"/>
+        <a:alpha val="90000"/>
+      </a:schemeClr>
+      <a:schemeClr val="accent5">
+        <a:tint val="40000"/>
+        <a:alpha val="90000"/>
+      </a:schemeClr>
+      <a:schemeClr val="accent6">
+        <a:tint val="40000"/>
+        <a:alpha val="90000"/>
+      </a:schemeClr>
+    </dgm:linClrLst>
+    <dgm:effectClrLst/>
+    <dgm:txLinClrLst/>
+    <dgm:txFillClrLst meth="repeat">
+      <a:schemeClr val="dk1"/>
+    </dgm:txFillClrLst>
+    <dgm:txEffectClrLst/>
+  </dgm:styleLbl>
+  <dgm:styleLbl name="bgAccFollowNode1">
+    <dgm:fillClrLst meth="repeat">
+      <a:schemeClr val="accent2">
+        <a:tint val="40000"/>
+        <a:alpha val="90000"/>
+      </a:schemeClr>
+      <a:schemeClr val="accent3">
+        <a:tint val="40000"/>
+        <a:alpha val="90000"/>
+      </a:schemeClr>
+      <a:schemeClr val="accent4">
+        <a:tint val="40000"/>
+        <a:alpha val="90000"/>
+      </a:schemeClr>
+      <a:schemeClr val="accent5">
+        <a:tint val="40000"/>
+        <a:alpha val="90000"/>
+      </a:schemeClr>
+      <a:schemeClr val="accent6">
+        <a:tint val="40000"/>
+        <a:alpha val="90000"/>
+      </a:schemeClr>
+    </dgm:fillClrLst>
+    <dgm:linClrLst meth="repeat">
+      <a:schemeClr val="accent2">
+        <a:tint val="40000"/>
+        <a:alpha val="90000"/>
+      </a:schemeClr>
+      <a:schemeClr val="accent3">
+        <a:tint val="40000"/>
+        <a:alpha val="90000"/>
+      </a:schemeClr>
+      <a:schemeClr val="accent4">
+        <a:tint val="40000"/>
+        <a:alpha val="90000"/>
+      </a:schemeClr>
+      <a:schemeClr val="accent5">
+        <a:tint val="40000"/>
+        <a:alpha val="90000"/>
+      </a:schemeClr>
+      <a:schemeClr val="accent6">
+        <a:tint val="40000"/>
+        <a:alpha val="90000"/>
+      </a:schemeClr>
+    </dgm:linClrLst>
+    <dgm:effectClrLst/>
+    <dgm:txLinClrLst/>
+    <dgm:txFillClrLst meth="repeat">
+      <a:schemeClr val="dk1"/>
+    </dgm:txFillClrLst>
+    <dgm:txEffectClrLst/>
+  </dgm:styleLbl>
+  <dgm:styleLbl name="fgAcc0">
+    <dgm:fillClrLst meth="repeat">
+      <a:schemeClr val="lt1">
+        <a:alpha val="90000"/>
+      </a:schemeClr>
+    </dgm:fillClrLst>
+    <dgm:linClrLst>
+      <a:schemeClr val="accent1"/>
+    </dgm:linClrLst>
+    <dgm:effectClrLst/>
+    <dgm:txLinClrLst/>
+    <dgm:txFillClrLst meth="repeat">
+      <a:schemeClr val="dk1"/>
+    </dgm:txFillClrLst>
+    <dgm:txEffectClrLst/>
+  </dgm:styleLbl>
+  <dgm:styleLbl name="fgAcc2">
+    <dgm:fillClrLst meth="repeat">
+      <a:schemeClr val="lt1">
+        <a:alpha val="90000"/>
+      </a:schemeClr>
+    </dgm:fillClrLst>
+    <dgm:linClrLst>
+      <a:schemeClr val="accent2"/>
+    </dgm:linClrLst>
+    <dgm:effectClrLst/>
+    <dgm:txLinClrLst/>
+    <dgm:txFillClrLst meth="repeat">
+      <a:schemeClr val="dk1"/>
+    </dgm:txFillClrLst>
+    <dgm:txEffectClrLst/>
+  </dgm:styleLbl>
+  <dgm:styleLbl name="fgAcc3">
+    <dgm:fillClrLst meth="repeat">
+      <a:schemeClr val="lt1">
+        <a:alpha val="90000"/>
+      </a:schemeClr>
+    </dgm:fillClrLst>
+    <dgm:linClrLst>
+      <a:schemeClr val="accent3"/>
+    </dgm:linClrLst>
+    <dgm:effectClrLst/>
+    <dgm:txLinClrLst/>
+    <dgm:txFillClrLst meth="repeat">
+      <a:schemeClr val="dk1"/>
+    </dgm:txFillClrLst>
+    <dgm:txEffectClrLst/>
+  </dgm:styleLbl>
+  <dgm:styleLbl name="fgAcc4">
+    <dgm:fillClrLst meth="repeat">
+      <a:schemeClr val="lt1">
+        <a:alpha val="90000"/>
+      </a:schemeClr>
+    </dgm:fillClrLst>
+    <dgm:linClrLst>
+      <a:schemeClr val="accent4"/>
+    </dgm:linClrLst>
+    <dgm:effectClrLst/>
+    <dgm:txLinClrLst/>
+    <dgm:txFillClrLst meth="repeat">
+      <a:schemeClr val="dk1"/>
+    </dgm:txFillClrLst>
+    <dgm:txEffectClrLst/>
+  </dgm:styleLbl>
+  <dgm:styleLbl name="bgShp">
+    <dgm:fillClrLst meth="repeat">
+      <a:schemeClr val="accent2">
+        <a:tint val="40000"/>
+      </a:schemeClr>
+    </dgm:fillClrLst>
+    <dgm:linClrLst meth="repeat">
+      <a:schemeClr val="dk1"/>
+    </dgm:linClrLst>
+    <dgm:effectClrLst/>
+    <dgm:txLinClrLst/>
+    <dgm:txFillClrLst meth="repeat">
+      <a:schemeClr val="dk1"/>
+    </dgm:txFillClrLst>
+    <dgm:txEffectClrLst/>
+  </dgm:styleLbl>
+  <dgm:styleLbl name="dkBgShp">
+    <dgm:fillClrLst meth="repeat">
+      <a:schemeClr val="accent2">
+        <a:shade val="90000"/>
+      </a:schemeClr>
+    </dgm:fillClrLst>
+    <dgm:linClrLst meth="repeat">
+      <a:schemeClr val="dk1"/>
+    </dgm:linClrLst>
+    <dgm:effectClrLst/>
+    <dgm:txLinClrLst/>
+    <dgm:txFillClrLst meth="repeat">
+      <a:schemeClr val="lt1"/>
+    </dgm:txFillClrLst>
+    <dgm:txEffectClrLst/>
+  </dgm:styleLbl>
+  <dgm:styleLbl name="trBgShp">
+    <dgm:fillClrLst meth="repeat">
+      <a:schemeClr val="accent1">
+        <a:tint val="50000"/>
+        <a:alpha val="40000"/>
+      </a:schemeClr>
+    </dgm:fillClrLst>
+    <dgm:linClrLst meth="repeat">
+      <a:schemeClr val="accent2"/>
+    </dgm:linClrLst>
+    <dgm:effectClrLst/>
+    <dgm:txLinClrLst/>
+    <dgm:txFillClrLst meth="repeat">
+      <a:schemeClr val="lt1"/>
+    </dgm:txFillClrLst>
+    <dgm:txEffectClrLst/>
+  </dgm:styleLbl>
+  <dgm:styleLbl name="fgShp">
+    <dgm:fillClrLst meth="repeat">
+      <a:schemeClr val="accent2">
+        <a:tint val="40000"/>
+      </a:schemeClr>
+    </dgm:fillClrLst>
+    <dgm:linClrLst meth="repeat">
+      <a:schemeClr val="lt1"/>
+    </dgm:linClrLst>
+    <dgm:effectClrLst/>
+    <dgm:txLinClrLst/>
+    <dgm:txFillClrLst meth="repeat">
+      <a:schemeClr val="dk1"/>
+    </dgm:txFillClrLst>
+    <dgm:txEffectClrLst/>
+  </dgm:styleLbl>
+  <dgm:styleLbl name="revTx">
+    <dgm:fillClrLst meth="repeat">
+      <a:schemeClr val="lt1">
+        <a:alpha val="0"/>
+      </a:schemeClr>
+    </dgm:fillClrLst>
+    <dgm:linClrLst meth="repeat">
+      <a:schemeClr val="dk1">
+        <a:alpha val="0"/>
+      </a:schemeClr>
+    </dgm:linClrLst>
+    <dgm:effectClrLst/>
+    <dgm:txLinClrLst/>
+    <dgm:txFillClrLst meth="repeat">
+      <a:schemeClr val="tx1"/>
+    </dgm:txFillClrLst>
+    <dgm:txEffectClrLst/>
+  </dgm:styleLbl>
+</dgm:colorsDef>
+</file>
+
+<file path=ppt/diagrams/data1.xml><?xml version="1.0" encoding="utf-8"?>
+<dgm:dataModel xmlns:dgm="http://schemas.openxmlformats.org/drawingml/2006/diagram" xmlns:a="http://schemas.openxmlformats.org/drawingml/2006/main">
+  <dgm:ptLst>
+    <dgm:pt modelId="{E9FB0F4E-6967-3B44-A32F-E8B1C7AE98D5}" type="doc">
+      <dgm:prSet loTypeId="urn:microsoft.com/office/officeart/2005/8/layout/process5" loCatId="" qsTypeId="urn:microsoft.com/office/officeart/2005/8/quickstyle/simple1" qsCatId="simple" csTypeId="urn:microsoft.com/office/officeart/2005/8/colors/colorful1" csCatId="colorful" phldr="1"/>
+      <dgm:spPr/>
+      <dgm:t>
+        <a:bodyPr/>
+        <a:lstStyle/>
+        <a:p>
+          <a:endParaRPr lang="en-US"/>
+        </a:p>
+      </dgm:t>
+    </dgm:pt>
+    <dgm:pt modelId="{75350DEC-25F7-F240-A4BF-3A92E80C52F5}">
+      <dgm:prSet phldrT="[Text]"/>
+      <dgm:spPr>
+        <a:solidFill>
+          <a:schemeClr val="tx1">
+            <a:lumMod val="65000"/>
+            <a:lumOff val="35000"/>
+          </a:schemeClr>
+        </a:solidFill>
+      </dgm:spPr>
+      <dgm:t>
+        <a:bodyPr/>
+        <a:lstStyle/>
+        <a:p>
+          <a:r>
+            <a:rPr lang="en-US" dirty="0"/>
+            <a:t>Scope</a:t>
+          </a:r>
+        </a:p>
+      </dgm:t>
+    </dgm:pt>
+    <dgm:pt modelId="{965794C1-5767-E94D-8105-ED104B4D33E2}" type="parTrans" cxnId="{81D07A23-EA35-C94F-81FA-E72150079877}">
+      <dgm:prSet/>
+      <dgm:spPr/>
+      <dgm:t>
+        <a:bodyPr/>
+        <a:lstStyle/>
+        <a:p>
+          <a:endParaRPr lang="en-US"/>
+        </a:p>
+      </dgm:t>
+    </dgm:pt>
+    <dgm:pt modelId="{BAC284C6-3986-1C48-93AC-8FEBC662ECEE}" type="sibTrans" cxnId="{81D07A23-EA35-C94F-81FA-E72150079877}">
+      <dgm:prSet/>
+      <dgm:spPr>
+        <a:solidFill>
+          <a:schemeClr val="bg2"/>
+        </a:solidFill>
+      </dgm:spPr>
+      <dgm:t>
+        <a:bodyPr/>
+        <a:lstStyle/>
+        <a:p>
+          <a:endParaRPr lang="en-US"/>
+        </a:p>
+      </dgm:t>
+    </dgm:pt>
+    <dgm:pt modelId="{4F2509E8-87E6-2347-B926-EB9BDDECA6FD}">
+      <dgm:prSet phldrT="[Text]"/>
+      <dgm:spPr/>
+      <dgm:t>
+        <a:bodyPr/>
+        <a:lstStyle/>
+        <a:p>
+          <a:r>
+            <a:rPr lang="en-US" dirty="0"/>
+            <a:t>Data</a:t>
+          </a:r>
+        </a:p>
+      </dgm:t>
+    </dgm:pt>
+    <dgm:pt modelId="{B4B1EEE1-8225-A643-B681-A7F3FC14ECAD}" type="parTrans" cxnId="{9BF83777-08E0-6140-9D35-BF7D8AF8A067}">
+      <dgm:prSet/>
+      <dgm:spPr/>
+      <dgm:t>
+        <a:bodyPr/>
+        <a:lstStyle/>
+        <a:p>
+          <a:endParaRPr lang="en-US"/>
+        </a:p>
+      </dgm:t>
+    </dgm:pt>
+    <dgm:pt modelId="{748D4455-259E-4245-ADD2-8DDAC2A60773}" type="sibTrans" cxnId="{9BF83777-08E0-6140-9D35-BF7D8AF8A067}">
+      <dgm:prSet/>
+      <dgm:spPr/>
+      <dgm:t>
+        <a:bodyPr/>
+        <a:lstStyle/>
+        <a:p>
+          <a:endParaRPr lang="en-US"/>
+        </a:p>
+      </dgm:t>
+    </dgm:pt>
+    <dgm:pt modelId="{7B079A50-DF5E-0A4C-9491-2FBAFC0F785B}">
+      <dgm:prSet phldrT="[Text]"/>
+      <dgm:spPr>
+        <a:solidFill>
+          <a:schemeClr val="accent6">
+            <a:lumMod val="50000"/>
+          </a:schemeClr>
+        </a:solidFill>
+      </dgm:spPr>
+      <dgm:t>
+        <a:bodyPr/>
+        <a:lstStyle/>
+        <a:p>
+          <a:r>
+            <a:rPr lang="en-US" dirty="0"/>
+            <a:t>Exploration</a:t>
+          </a:r>
+        </a:p>
+      </dgm:t>
+    </dgm:pt>
+    <dgm:pt modelId="{BA902E5D-518F-0749-86BA-04AA510BA959}" type="parTrans" cxnId="{A454DBA0-21A9-3941-9DF2-4DD870F537A3}">
+      <dgm:prSet/>
+      <dgm:spPr/>
+      <dgm:t>
+        <a:bodyPr/>
+        <a:lstStyle/>
+        <a:p>
+          <a:endParaRPr lang="en-US"/>
+        </a:p>
+      </dgm:t>
+    </dgm:pt>
+    <dgm:pt modelId="{00735B98-C924-5743-B429-DBBBDEA50165}" type="sibTrans" cxnId="{A454DBA0-21A9-3941-9DF2-4DD870F537A3}">
+      <dgm:prSet/>
+      <dgm:spPr>
+        <a:solidFill>
+          <a:schemeClr val="accent6">
+            <a:lumMod val="50000"/>
+          </a:schemeClr>
+        </a:solidFill>
+      </dgm:spPr>
+      <dgm:t>
+        <a:bodyPr/>
+        <a:lstStyle/>
+        <a:p>
+          <a:endParaRPr lang="en-US"/>
+        </a:p>
+      </dgm:t>
+    </dgm:pt>
+    <dgm:pt modelId="{EB4866D8-1266-8945-89C4-F4CD4F9D8A6F}">
+      <dgm:prSet phldrT="[Text]"/>
+      <dgm:spPr/>
+      <dgm:t>
+        <a:bodyPr/>
+        <a:lstStyle/>
+        <a:p>
+          <a:r>
+            <a:rPr lang="en-US" dirty="0"/>
+            <a:t>Modeling</a:t>
+          </a:r>
+        </a:p>
+      </dgm:t>
+    </dgm:pt>
+    <dgm:pt modelId="{4276625C-E1F0-F840-90D6-CE76DDBB799C}" type="parTrans" cxnId="{A1CEA2E5-F1DD-EF48-A85B-4A04D4565509}">
+      <dgm:prSet/>
+      <dgm:spPr/>
+      <dgm:t>
+        <a:bodyPr/>
+        <a:lstStyle/>
+        <a:p>
+          <a:endParaRPr lang="en-US"/>
+        </a:p>
+      </dgm:t>
+    </dgm:pt>
+    <dgm:pt modelId="{206E47A8-99B6-484A-AD35-04DCB9238B9B}" type="sibTrans" cxnId="{A1CEA2E5-F1DD-EF48-A85B-4A04D4565509}">
+      <dgm:prSet/>
+      <dgm:spPr/>
+      <dgm:t>
+        <a:bodyPr/>
+        <a:lstStyle/>
+        <a:p>
+          <a:endParaRPr lang="en-US"/>
+        </a:p>
+      </dgm:t>
+    </dgm:pt>
+    <dgm:pt modelId="{F9BD6EF9-8382-F144-B9CD-FB838C6C03F9}">
+      <dgm:prSet phldrT="[Text]"/>
+      <dgm:spPr/>
+      <dgm:t>
+        <a:bodyPr/>
+        <a:lstStyle/>
+        <a:p>
+          <a:r>
+            <a:rPr lang="en-US" dirty="0"/>
+            <a:t>Get Data</a:t>
+          </a:r>
+        </a:p>
+      </dgm:t>
+    </dgm:pt>
+    <dgm:pt modelId="{137D12B5-70FE-6847-BD89-CA99FC0D41AD}" type="parTrans" cxnId="{890194DD-304B-C447-9AF3-AFAE634C6D43}">
+      <dgm:prSet/>
+      <dgm:spPr/>
+      <dgm:t>
+        <a:bodyPr/>
+        <a:lstStyle/>
+        <a:p>
+          <a:endParaRPr lang="en-US"/>
+        </a:p>
+      </dgm:t>
+    </dgm:pt>
+    <dgm:pt modelId="{49EC0DFE-61E7-374D-A1BD-7617E9E9166B}" type="sibTrans" cxnId="{890194DD-304B-C447-9AF3-AFAE634C6D43}">
+      <dgm:prSet/>
+      <dgm:spPr/>
+      <dgm:t>
+        <a:bodyPr/>
+        <a:lstStyle/>
+        <a:p>
+          <a:endParaRPr lang="en-US"/>
+        </a:p>
+      </dgm:t>
+    </dgm:pt>
+    <dgm:pt modelId="{C8AF58C4-450C-0C4C-83CB-1474D3ADA25F}">
+      <dgm:prSet phldrT="[Text]"/>
+      <dgm:spPr/>
+      <dgm:t>
+        <a:bodyPr/>
+        <a:lstStyle/>
+        <a:p>
+          <a:r>
+            <a:rPr lang="en-US" dirty="0"/>
+            <a:t>Store Data</a:t>
+          </a:r>
+        </a:p>
+      </dgm:t>
+    </dgm:pt>
+    <dgm:pt modelId="{DEBC2A1C-65D7-5E43-945C-60BBA4631011}" type="parTrans" cxnId="{43B9E771-FA74-B642-9EED-7FE4A7CDF11A}">
+      <dgm:prSet/>
+      <dgm:spPr/>
+      <dgm:t>
+        <a:bodyPr/>
+        <a:lstStyle/>
+        <a:p>
+          <a:endParaRPr lang="en-US"/>
+        </a:p>
+      </dgm:t>
+    </dgm:pt>
+    <dgm:pt modelId="{51773514-44C5-134E-A69D-D30DCA75AB37}" type="sibTrans" cxnId="{43B9E771-FA74-B642-9EED-7FE4A7CDF11A}">
+      <dgm:prSet/>
+      <dgm:spPr/>
+      <dgm:t>
+        <a:bodyPr/>
+        <a:lstStyle/>
+        <a:p>
+          <a:endParaRPr lang="en-US"/>
+        </a:p>
+      </dgm:t>
+    </dgm:pt>
+    <dgm:pt modelId="{761579F4-10DF-F244-9532-25DEF4807D83}">
+      <dgm:prSet phldrT="[Text]"/>
+      <dgm:spPr/>
+      <dgm:t>
+        <a:bodyPr/>
+        <a:lstStyle/>
+        <a:p>
+          <a:r>
+            <a:rPr lang="en-US" dirty="0"/>
+            <a:t>Link Data</a:t>
+          </a:r>
+        </a:p>
+      </dgm:t>
+    </dgm:pt>
+    <dgm:pt modelId="{4C55FAFB-140B-EA49-9492-2DC8E373D8C0}" type="parTrans" cxnId="{445B7ADC-F7C5-5046-9BEE-3618E0EEE919}">
+      <dgm:prSet/>
+      <dgm:spPr/>
+      <dgm:t>
+        <a:bodyPr/>
+        <a:lstStyle/>
+        <a:p>
+          <a:endParaRPr lang="en-US"/>
+        </a:p>
+      </dgm:t>
+    </dgm:pt>
+    <dgm:pt modelId="{3543ED0F-366F-8D44-8E9F-A843D81464D5}" type="sibTrans" cxnId="{445B7ADC-F7C5-5046-9BEE-3618E0EEE919}">
+      <dgm:prSet/>
+      <dgm:spPr/>
+      <dgm:t>
+        <a:bodyPr/>
+        <a:lstStyle/>
+        <a:p>
+          <a:endParaRPr lang="en-US"/>
+        </a:p>
+      </dgm:t>
+    </dgm:pt>
+    <dgm:pt modelId="{5FE83F24-F694-6A4B-99C0-78300CB546E1}">
+      <dgm:prSet phldrT="[Text]"/>
+      <dgm:spPr/>
+      <dgm:t>
+        <a:bodyPr/>
+        <a:lstStyle/>
+        <a:p>
+          <a:r>
+            <a:rPr lang="en-US" dirty="0"/>
+            <a:t>Rows</a:t>
+          </a:r>
+        </a:p>
+      </dgm:t>
+    </dgm:pt>
+    <dgm:pt modelId="{E15C2973-AC33-0145-8745-682DFB76DED0}" type="parTrans" cxnId="{ED970163-ECEE-D849-9B40-616074ECBD3F}">
+      <dgm:prSet/>
+      <dgm:spPr/>
+      <dgm:t>
+        <a:bodyPr/>
+        <a:lstStyle/>
+        <a:p>
+          <a:endParaRPr lang="en-US"/>
+        </a:p>
+      </dgm:t>
+    </dgm:pt>
+    <dgm:pt modelId="{A1EBC4F8-774A-B045-880A-03E7D798D46B}" type="sibTrans" cxnId="{ED970163-ECEE-D849-9B40-616074ECBD3F}">
+      <dgm:prSet/>
+      <dgm:spPr/>
+      <dgm:t>
+        <a:bodyPr/>
+        <a:lstStyle/>
+        <a:p>
+          <a:endParaRPr lang="en-US"/>
+        </a:p>
+      </dgm:t>
+    </dgm:pt>
+    <dgm:pt modelId="{471C43CE-832D-774D-BB7A-57512EFB5879}">
+      <dgm:prSet phldrT="[Text]"/>
+      <dgm:spPr/>
+      <dgm:t>
+        <a:bodyPr/>
+        <a:lstStyle/>
+        <a:p>
+          <a:r>
+            <a:rPr lang="en-US" dirty="0"/>
+            <a:t>Features</a:t>
+          </a:r>
+        </a:p>
+      </dgm:t>
+    </dgm:pt>
+    <dgm:pt modelId="{C2B9F4EE-A410-1B4C-9D53-DB22DB03D31F}" type="parTrans" cxnId="{E7042CE6-A233-CB47-A6F5-D0D71F329C45}">
+      <dgm:prSet/>
+      <dgm:spPr/>
+      <dgm:t>
+        <a:bodyPr/>
+        <a:lstStyle/>
+        <a:p>
+          <a:endParaRPr lang="en-US"/>
+        </a:p>
+      </dgm:t>
+    </dgm:pt>
+    <dgm:pt modelId="{DE50C641-CD08-A846-B7EB-02241BA70688}" type="sibTrans" cxnId="{E7042CE6-A233-CB47-A6F5-D0D71F329C45}">
+      <dgm:prSet/>
+      <dgm:spPr/>
+      <dgm:t>
+        <a:bodyPr/>
+        <a:lstStyle/>
+        <a:p>
+          <a:endParaRPr lang="en-US"/>
+        </a:p>
+      </dgm:t>
+    </dgm:pt>
+    <dgm:pt modelId="{6E882DEC-3034-E942-B5AA-2835D77DD5C8}">
+      <dgm:prSet phldrT="[Text]"/>
+      <dgm:spPr/>
+      <dgm:t>
+        <a:bodyPr/>
+        <a:lstStyle/>
+        <a:p>
+          <a:r>
+            <a:rPr lang="en-US" dirty="0"/>
+            <a:t>Labels</a:t>
+          </a:r>
+        </a:p>
+      </dgm:t>
+    </dgm:pt>
+    <dgm:pt modelId="{11E32BAA-4A06-9844-B381-3F8D7D686934}" type="parTrans" cxnId="{9A8098B2-9CE9-D942-9547-38EF361DD3D4}">
+      <dgm:prSet/>
+      <dgm:spPr/>
+      <dgm:t>
+        <a:bodyPr/>
+        <a:lstStyle/>
+        <a:p>
+          <a:endParaRPr lang="en-US"/>
+        </a:p>
+      </dgm:t>
+    </dgm:pt>
+    <dgm:pt modelId="{DE8B183B-7E7F-5749-9A67-A6C365A09A85}" type="sibTrans" cxnId="{9A8098B2-9CE9-D942-9547-38EF361DD3D4}">
+      <dgm:prSet/>
+      <dgm:spPr/>
+      <dgm:t>
+        <a:bodyPr/>
+        <a:lstStyle/>
+        <a:p>
+          <a:endParaRPr lang="en-US"/>
+        </a:p>
+      </dgm:t>
+    </dgm:pt>
+    <dgm:pt modelId="{AE199458-77CF-8440-8970-F024006EA226}">
+      <dgm:prSet phldrT="[Text]"/>
+      <dgm:spPr>
+        <a:solidFill>
+          <a:srgbClr val="00B0F0"/>
+        </a:solidFill>
+      </dgm:spPr>
+      <dgm:t>
+        <a:bodyPr/>
+        <a:lstStyle/>
+        <a:p>
+          <a:r>
+            <a:rPr lang="en-US" dirty="0"/>
+            <a:t>Model Selection</a:t>
+          </a:r>
+        </a:p>
+      </dgm:t>
+    </dgm:pt>
+    <dgm:pt modelId="{8FD87771-F4E1-DC47-B38A-8EDD08A5C725}" type="parTrans" cxnId="{8497B9D0-5691-E848-8EE3-C51BC656F8B1}">
+      <dgm:prSet/>
+      <dgm:spPr/>
+      <dgm:t>
+        <a:bodyPr/>
+        <a:lstStyle/>
+        <a:p>
+          <a:endParaRPr lang="en-US"/>
+        </a:p>
+      </dgm:t>
+    </dgm:pt>
+    <dgm:pt modelId="{89DBDFDC-5EB5-0B49-A8D0-DB22ECB982AF}" type="sibTrans" cxnId="{8497B9D0-5691-E848-8EE3-C51BC656F8B1}">
+      <dgm:prSet/>
+      <dgm:spPr>
+        <a:solidFill>
+          <a:srgbClr val="00B0F0"/>
+        </a:solidFill>
+      </dgm:spPr>
+      <dgm:t>
+        <a:bodyPr/>
+        <a:lstStyle/>
+        <a:p>
+          <a:endParaRPr lang="en-US"/>
+        </a:p>
+      </dgm:t>
+    </dgm:pt>
+    <dgm:pt modelId="{86AA592B-D489-5D4D-93FE-79A538493DA3}">
+      <dgm:prSet phldrT="[Text]"/>
+      <dgm:spPr>
+        <a:solidFill>
+          <a:srgbClr val="00B0F0"/>
+        </a:solidFill>
+      </dgm:spPr>
+      <dgm:t>
+        <a:bodyPr/>
+        <a:lstStyle/>
+        <a:p>
+          <a:r>
+            <a:rPr lang="en-US" dirty="0"/>
+            <a:t>Train-Test Splits</a:t>
+          </a:r>
+        </a:p>
+      </dgm:t>
+    </dgm:pt>
+    <dgm:pt modelId="{06E1BE15-F8C7-9C4D-A90E-557728BBB1D3}" type="parTrans" cxnId="{09F5B15E-E1AD-2E4A-AFF2-C91E75C311A9}">
+      <dgm:prSet/>
+      <dgm:spPr/>
+      <dgm:t>
+        <a:bodyPr/>
+        <a:lstStyle/>
+        <a:p>
+          <a:endParaRPr lang="en-US"/>
+        </a:p>
+      </dgm:t>
+    </dgm:pt>
+    <dgm:pt modelId="{9EB8E24C-CDF4-7B49-8A25-38E38E64AA9F}" type="sibTrans" cxnId="{09F5B15E-E1AD-2E4A-AFF2-C91E75C311A9}">
+      <dgm:prSet/>
+      <dgm:spPr/>
+      <dgm:t>
+        <a:bodyPr/>
+        <a:lstStyle/>
+        <a:p>
+          <a:endParaRPr lang="en-US"/>
+        </a:p>
+      </dgm:t>
+    </dgm:pt>
+    <dgm:pt modelId="{69F25C00-F7E1-8B47-8544-B81240B6C7F2}">
+      <dgm:prSet phldrT="[Text]"/>
+      <dgm:spPr>
+        <a:solidFill>
+          <a:srgbClr val="00B0F0"/>
+        </a:solidFill>
+      </dgm:spPr>
+      <dgm:t>
+        <a:bodyPr/>
+        <a:lstStyle/>
+        <a:p>
+          <a:r>
+            <a:rPr lang="en-US" dirty="0"/>
+            <a:t>Performance Metrics</a:t>
+          </a:r>
+        </a:p>
+      </dgm:t>
+    </dgm:pt>
+    <dgm:pt modelId="{258EB4FC-8DB3-204B-AE19-757E57DBF8E2}" type="parTrans" cxnId="{FC1AC939-5A01-D84B-8800-0E045D0F93C8}">
+      <dgm:prSet/>
+      <dgm:spPr/>
+      <dgm:t>
+        <a:bodyPr/>
+        <a:lstStyle/>
+        <a:p>
+          <a:endParaRPr lang="en-US"/>
+        </a:p>
+      </dgm:t>
+    </dgm:pt>
+    <dgm:pt modelId="{2C4AF3F2-4BEF-1E41-A9DC-C2CCA7D68218}" type="sibTrans" cxnId="{FC1AC939-5A01-D84B-8800-0E045D0F93C8}">
+      <dgm:prSet/>
+      <dgm:spPr/>
+      <dgm:t>
+        <a:bodyPr/>
+        <a:lstStyle/>
+        <a:p>
+          <a:endParaRPr lang="en-US"/>
+        </a:p>
+      </dgm:t>
+    </dgm:pt>
+    <dgm:pt modelId="{882FED25-8C48-F941-A0FE-6B2DFF5CD464}">
+      <dgm:prSet phldrT="[Text]"/>
+      <dgm:spPr>
+        <a:solidFill>
+          <a:schemeClr val="tx1">
+            <a:lumMod val="65000"/>
+            <a:lumOff val="35000"/>
+          </a:schemeClr>
+        </a:solidFill>
+      </dgm:spPr>
+      <dgm:t>
+        <a:bodyPr/>
+        <a:lstStyle/>
+        <a:p>
+          <a:r>
+            <a:rPr lang="en-US" dirty="0"/>
+            <a:t>Model Interpretation</a:t>
+          </a:r>
+        </a:p>
+      </dgm:t>
+    </dgm:pt>
+    <dgm:pt modelId="{B419AD8C-EBD7-5443-9C93-E4B849DE07B6}" type="parTrans" cxnId="{467F9BED-D392-3940-B061-1699282DB62A}">
+      <dgm:prSet/>
+      <dgm:spPr/>
+      <dgm:t>
+        <a:bodyPr/>
+        <a:lstStyle/>
+        <a:p>
+          <a:endParaRPr lang="en-US"/>
+        </a:p>
+      </dgm:t>
+    </dgm:pt>
+    <dgm:pt modelId="{030A6B87-CA32-C340-A552-365F7A05C57F}" type="sibTrans" cxnId="{467F9BED-D392-3940-B061-1699282DB62A}">
+      <dgm:prSet/>
+      <dgm:spPr>
+        <a:solidFill>
+          <a:schemeClr val="bg2"/>
+        </a:solidFill>
+      </dgm:spPr>
+      <dgm:t>
+        <a:bodyPr/>
+        <a:lstStyle/>
+        <a:p>
+          <a:endParaRPr lang="en-US"/>
+        </a:p>
+      </dgm:t>
+    </dgm:pt>
+    <dgm:pt modelId="{60FEA49A-52E5-FB49-B9D7-919B8E8D64F4}">
+      <dgm:prSet/>
+      <dgm:spPr>
+        <a:solidFill>
+          <a:schemeClr val="accent6">
+            <a:lumMod val="50000"/>
+          </a:schemeClr>
+        </a:solidFill>
+      </dgm:spPr>
+      <dgm:t>
+        <a:bodyPr/>
+        <a:lstStyle/>
+        <a:p>
+          <a:r>
+            <a:rPr lang="en-US" dirty="0"/>
+            <a:t>Entities</a:t>
+          </a:r>
+        </a:p>
+      </dgm:t>
+    </dgm:pt>
+    <dgm:pt modelId="{7E8F7D45-586B-A641-B509-72E0E3DB9800}" type="parTrans" cxnId="{B650C331-3E4A-9142-9766-ADC1499BB1FB}">
+      <dgm:prSet/>
+      <dgm:spPr/>
+      <dgm:t>
+        <a:bodyPr/>
+        <a:lstStyle/>
+        <a:p>
+          <a:endParaRPr lang="en-US"/>
+        </a:p>
+      </dgm:t>
+    </dgm:pt>
+    <dgm:pt modelId="{E893C522-81CE-8546-BA58-AAD1F1CCD417}" type="sibTrans" cxnId="{B650C331-3E4A-9142-9766-ADC1499BB1FB}">
+      <dgm:prSet/>
+      <dgm:spPr/>
+      <dgm:t>
+        <a:bodyPr/>
+        <a:lstStyle/>
+        <a:p>
+          <a:endParaRPr lang="en-US"/>
+        </a:p>
+      </dgm:t>
+    </dgm:pt>
+    <dgm:pt modelId="{8933D80B-03CB-154C-805F-13221DB1B822}">
+      <dgm:prSet/>
+      <dgm:spPr>
+        <a:solidFill>
+          <a:schemeClr val="accent6">
+            <a:lumMod val="50000"/>
+          </a:schemeClr>
+        </a:solidFill>
+      </dgm:spPr>
+      <dgm:t>
+        <a:bodyPr/>
+        <a:lstStyle/>
+        <a:p>
+          <a:r>
+            <a:rPr lang="en-US" dirty="0"/>
+            <a:t>temporal</a:t>
+          </a:r>
+        </a:p>
+      </dgm:t>
+    </dgm:pt>
+    <dgm:pt modelId="{05F6BE08-6836-6D4D-951F-A258F2E08662}" type="parTrans" cxnId="{01877F06-0601-234E-B04A-2AADE4C2D154}">
+      <dgm:prSet/>
+      <dgm:spPr/>
+      <dgm:t>
+        <a:bodyPr/>
+        <a:lstStyle/>
+        <a:p>
+          <a:endParaRPr lang="en-US"/>
+        </a:p>
+      </dgm:t>
+    </dgm:pt>
+    <dgm:pt modelId="{59F6EB62-364A-E44D-A61C-CEA12AA8589C}" type="sibTrans" cxnId="{01877F06-0601-234E-B04A-2AADE4C2D154}">
+      <dgm:prSet/>
+      <dgm:spPr/>
+      <dgm:t>
+        <a:bodyPr/>
+        <a:lstStyle/>
+        <a:p>
+          <a:endParaRPr lang="en-US"/>
+        </a:p>
+      </dgm:t>
+    </dgm:pt>
+    <dgm:pt modelId="{B1557D1B-A1F8-FC4B-B50D-EA46AEAC83E2}">
+      <dgm:prSet/>
+      <dgm:spPr>
+        <a:solidFill>
+          <a:schemeClr val="accent6">
+            <a:lumMod val="50000"/>
+          </a:schemeClr>
+        </a:solidFill>
+      </dgm:spPr>
+      <dgm:t>
+        <a:bodyPr/>
+        <a:lstStyle/>
+        <a:p>
+          <a:r>
+            <a:rPr lang="en-US" dirty="0"/>
+            <a:t>Spatial</a:t>
+          </a:r>
+        </a:p>
+      </dgm:t>
+    </dgm:pt>
+    <dgm:pt modelId="{301BEF8E-62FD-F942-ABEC-722E78A30EAC}" type="parTrans" cxnId="{0D418D49-B127-3C44-AF37-A060A5F8F42E}">
+      <dgm:prSet/>
+      <dgm:spPr/>
+      <dgm:t>
+        <a:bodyPr/>
+        <a:lstStyle/>
+        <a:p>
+          <a:endParaRPr lang="en-US"/>
+        </a:p>
+      </dgm:t>
+    </dgm:pt>
+    <dgm:pt modelId="{76EC83BA-130D-EA44-8EE3-6264D4A2F0C7}" type="sibTrans" cxnId="{0D418D49-B127-3C44-AF37-A060A5F8F42E}">
+      <dgm:prSet/>
+      <dgm:spPr/>
+      <dgm:t>
+        <a:bodyPr/>
+        <a:lstStyle/>
+        <a:p>
+          <a:endParaRPr lang="en-US"/>
+        </a:p>
+      </dgm:t>
+    </dgm:pt>
+    <dgm:pt modelId="{DDAC47D6-F859-4340-B28C-6D49EE097740}">
+      <dgm:prSet/>
+      <dgm:spPr>
+        <a:solidFill>
+          <a:schemeClr val="accent6">
+            <a:lumMod val="50000"/>
+          </a:schemeClr>
+        </a:solidFill>
+      </dgm:spPr>
+      <dgm:t>
+        <a:bodyPr/>
+        <a:lstStyle/>
+        <a:p>
+          <a:r>
+            <a:rPr lang="en-US" dirty="0"/>
+            <a:t>…</a:t>
+          </a:r>
+        </a:p>
+      </dgm:t>
+    </dgm:pt>
+    <dgm:pt modelId="{5B556703-BE01-8848-BE27-5969CF3D2B5D}" type="parTrans" cxnId="{B5AA2D8B-61D5-DB43-8D06-4875A7EB0CBD}">
+      <dgm:prSet/>
+      <dgm:spPr/>
+      <dgm:t>
+        <a:bodyPr/>
+        <a:lstStyle/>
+        <a:p>
+          <a:endParaRPr lang="en-US"/>
+        </a:p>
+      </dgm:t>
+    </dgm:pt>
+    <dgm:pt modelId="{0A2D5029-F7E5-6C47-9CF0-D5505B2F8FFB}" type="sibTrans" cxnId="{B5AA2D8B-61D5-DB43-8D06-4875A7EB0CBD}">
+      <dgm:prSet/>
+      <dgm:spPr/>
+      <dgm:t>
+        <a:bodyPr/>
+        <a:lstStyle/>
+        <a:p>
+          <a:endParaRPr lang="en-US"/>
+        </a:p>
+      </dgm:t>
+    </dgm:pt>
+    <dgm:pt modelId="{4861F807-1580-8C4F-9C33-66D2EDE9ABAD}">
+      <dgm:prSet phldrT="[Text]"/>
+      <dgm:spPr/>
+      <dgm:t>
+        <a:bodyPr/>
+        <a:lstStyle/>
+        <a:p>
+          <a:r>
+            <a:rPr lang="en-US" dirty="0"/>
+            <a:t>Models</a:t>
+          </a:r>
+        </a:p>
+      </dgm:t>
+    </dgm:pt>
+    <dgm:pt modelId="{8CC078C6-7EFD-9A46-B445-021F345DCF5A}" type="parTrans" cxnId="{881C745A-6BF5-1846-9762-D162446F8EE8}">
+      <dgm:prSet/>
+      <dgm:spPr/>
+      <dgm:t>
+        <a:bodyPr/>
+        <a:lstStyle/>
+        <a:p>
+          <a:endParaRPr lang="en-US"/>
+        </a:p>
+      </dgm:t>
+    </dgm:pt>
+    <dgm:pt modelId="{5D77E747-1467-6249-A64A-E8E192C48D64}" type="sibTrans" cxnId="{881C745A-6BF5-1846-9762-D162446F8EE8}">
+      <dgm:prSet/>
+      <dgm:spPr/>
+      <dgm:t>
+        <a:bodyPr/>
+        <a:lstStyle/>
+        <a:p>
+          <a:endParaRPr lang="en-US"/>
+        </a:p>
+      </dgm:t>
+    </dgm:pt>
+    <dgm:pt modelId="{917501D8-12A6-0D43-82EB-9B8BF9A095D6}">
+      <dgm:prSet phldrT="[Text]"/>
+      <dgm:spPr/>
+      <dgm:t>
+        <a:bodyPr/>
+        <a:lstStyle/>
+        <a:p>
+          <a:r>
+            <a:rPr lang="en-US" dirty="0"/>
+            <a:t>Dealing with Bias and Fairness</a:t>
+          </a:r>
+        </a:p>
+      </dgm:t>
+    </dgm:pt>
+    <dgm:pt modelId="{2189082E-6C82-944A-BE92-D9BC72270382}" type="parTrans" cxnId="{0E3C2485-CAF8-434B-89F0-893517E042E7}">
+      <dgm:prSet/>
+      <dgm:spPr/>
+      <dgm:t>
+        <a:bodyPr/>
+        <a:lstStyle/>
+        <a:p>
+          <a:endParaRPr lang="en-US"/>
+        </a:p>
+      </dgm:t>
+    </dgm:pt>
+    <dgm:pt modelId="{04D5671A-AE7F-BD4E-9B86-A6A6425F59A8}" type="sibTrans" cxnId="{0E3C2485-CAF8-434B-89F0-893517E042E7}">
+      <dgm:prSet/>
+      <dgm:spPr/>
+      <dgm:t>
+        <a:bodyPr/>
+        <a:lstStyle/>
+        <a:p>
+          <a:endParaRPr lang="en-US"/>
+        </a:p>
+      </dgm:t>
+    </dgm:pt>
+    <dgm:pt modelId="{1F12B085-E167-9940-8DCF-A46224752E8F}">
+      <dgm:prSet phldrT="[Text]"/>
+      <dgm:spPr>
+        <a:solidFill>
+          <a:schemeClr val="accent6">
+            <a:lumMod val="50000"/>
+          </a:schemeClr>
+        </a:solidFill>
+      </dgm:spPr>
+      <dgm:t>
+        <a:bodyPr/>
+        <a:lstStyle/>
+        <a:p>
+          <a:r>
+            <a:rPr lang="en-US" dirty="0"/>
+            <a:t>Field Trial Design</a:t>
+          </a:r>
+        </a:p>
+      </dgm:t>
+    </dgm:pt>
+    <dgm:pt modelId="{7A893FC9-C7B2-A646-8934-DEE2F8F265BA}" type="parTrans" cxnId="{87E2372F-44B8-7346-94AD-1B6CD49001EC}">
+      <dgm:prSet/>
+      <dgm:spPr/>
+      <dgm:t>
+        <a:bodyPr/>
+        <a:lstStyle/>
+        <a:p>
+          <a:endParaRPr lang="en-US"/>
+        </a:p>
+      </dgm:t>
+    </dgm:pt>
+    <dgm:pt modelId="{59E7433E-EA1A-A445-8F72-1DCCEC9CF854}" type="sibTrans" cxnId="{87E2372F-44B8-7346-94AD-1B6CD49001EC}">
+      <dgm:prSet/>
+      <dgm:spPr>
+        <a:solidFill>
+          <a:schemeClr val="accent6">
+            <a:lumMod val="50000"/>
+          </a:schemeClr>
+        </a:solidFill>
+      </dgm:spPr>
+      <dgm:t>
+        <a:bodyPr/>
+        <a:lstStyle/>
+        <a:p>
+          <a:endParaRPr lang="en-US"/>
+        </a:p>
+      </dgm:t>
+    </dgm:pt>
+    <dgm:pt modelId="{4300FFA5-0FE1-0644-9B26-EF0EC29D2E58}">
+      <dgm:prSet phldrT="[Text]"/>
+      <dgm:spPr/>
+      <dgm:t>
+        <a:bodyPr/>
+        <a:lstStyle/>
+        <a:p>
+          <a:r>
+            <a:rPr lang="en-US" dirty="0"/>
+            <a:t>Deployment</a:t>
+          </a:r>
+        </a:p>
+      </dgm:t>
+    </dgm:pt>
+    <dgm:pt modelId="{CD73BF7D-329F-4F42-9B2D-1C22A52FFC9D}" type="parTrans" cxnId="{E9A0EB78-92A5-5E4E-8437-0C6B9359762F}">
+      <dgm:prSet/>
+      <dgm:spPr/>
+      <dgm:t>
+        <a:bodyPr/>
+        <a:lstStyle/>
+        <a:p>
+          <a:endParaRPr lang="en-US"/>
+        </a:p>
+      </dgm:t>
+    </dgm:pt>
+    <dgm:pt modelId="{2C4637A3-9257-AA41-A5B8-B87451C5F477}" type="sibTrans" cxnId="{E9A0EB78-92A5-5E4E-8437-0C6B9359762F}">
+      <dgm:prSet/>
+      <dgm:spPr/>
+      <dgm:t>
+        <a:bodyPr/>
+        <a:lstStyle/>
+        <a:p>
+          <a:endParaRPr lang="en-US"/>
+        </a:p>
+      </dgm:t>
+    </dgm:pt>
+    <dgm:pt modelId="{B86E1618-0E2D-E84D-BCEB-2453703211F3}">
+      <dgm:prSet phldrT="[Text]"/>
+      <dgm:spPr>
+        <a:solidFill>
+          <a:srgbClr val="00B0F0"/>
+        </a:solidFill>
+      </dgm:spPr>
+      <dgm:t>
+        <a:bodyPr/>
+        <a:lstStyle/>
+        <a:p>
+          <a:r>
+            <a:rPr lang="en-US" dirty="0"/>
+            <a:t>Monitoring</a:t>
+          </a:r>
+        </a:p>
+      </dgm:t>
+    </dgm:pt>
+    <dgm:pt modelId="{4EFD42D0-7098-564F-980C-3F3CECAA5410}" type="parTrans" cxnId="{BE324233-F9AC-DC43-A89C-3F7FD9B5D466}">
+      <dgm:prSet/>
+      <dgm:spPr/>
+      <dgm:t>
+        <a:bodyPr/>
+        <a:lstStyle/>
+        <a:p>
+          <a:endParaRPr lang="en-US"/>
+        </a:p>
+      </dgm:t>
+    </dgm:pt>
+    <dgm:pt modelId="{877FBD8C-7A3B-5E45-8830-1FEAB09A55C5}" type="sibTrans" cxnId="{BE324233-F9AC-DC43-A89C-3F7FD9B5D466}">
+      <dgm:prSet/>
+      <dgm:spPr/>
+      <dgm:t>
+        <a:bodyPr/>
+        <a:lstStyle/>
+        <a:p>
+          <a:endParaRPr lang="en-US"/>
+        </a:p>
+      </dgm:t>
+    </dgm:pt>
+    <dgm:pt modelId="{63B03111-9832-1646-BDF4-5D9B749EF795}">
+      <dgm:prSet phldrT="[Text]"/>
+      <dgm:spPr>
+        <a:solidFill>
+          <a:schemeClr val="tx1">
+            <a:lumMod val="65000"/>
+            <a:lumOff val="35000"/>
+          </a:schemeClr>
+        </a:solidFill>
+      </dgm:spPr>
+      <dgm:t>
+        <a:bodyPr/>
+        <a:lstStyle/>
+        <a:p>
+          <a:r>
+            <a:rPr lang="en-US" dirty="0"/>
+            <a:t>Goals, Actions, Data, Analysis, Ethics</a:t>
+          </a:r>
+        </a:p>
+      </dgm:t>
+    </dgm:pt>
+    <dgm:pt modelId="{1C812E3F-39E1-CF47-BBBD-159FAEC5C786}" type="parTrans" cxnId="{9F4BBA63-304C-604B-A391-58E4720B5BE5}">
+      <dgm:prSet/>
+      <dgm:spPr/>
+      <dgm:t>
+        <a:bodyPr/>
+        <a:lstStyle/>
+        <a:p>
+          <a:endParaRPr lang="en-US"/>
+        </a:p>
+      </dgm:t>
+    </dgm:pt>
+    <dgm:pt modelId="{702B8123-1BB3-E349-AB4A-1A9D41698317}" type="sibTrans" cxnId="{9F4BBA63-304C-604B-A391-58E4720B5BE5}">
+      <dgm:prSet/>
+      <dgm:spPr/>
+      <dgm:t>
+        <a:bodyPr/>
+        <a:lstStyle/>
+        <a:p>
+          <a:endParaRPr lang="en-US"/>
+        </a:p>
+      </dgm:t>
+    </dgm:pt>
+    <dgm:pt modelId="{CBF254FA-D4E0-B74E-A18D-AE53AEBD67CD}" type="pres">
+      <dgm:prSet presAssocID="{E9FB0F4E-6967-3B44-A32F-E8B1C7AE98D5}" presName="diagram" presStyleCnt="0">
+        <dgm:presLayoutVars>
+          <dgm:dir/>
+          <dgm:resizeHandles val="exact"/>
+        </dgm:presLayoutVars>
+      </dgm:prSet>
+      <dgm:spPr/>
+    </dgm:pt>
+    <dgm:pt modelId="{B4D5E3D8-47D8-1A4C-9387-6DE60324DF6F}" type="pres">
+      <dgm:prSet presAssocID="{75350DEC-25F7-F240-A4BF-3A92E80C52F5}" presName="node" presStyleLbl="node1" presStyleIdx="0" presStyleCnt="10">
+        <dgm:presLayoutVars>
+          <dgm:bulletEnabled val="1"/>
+        </dgm:presLayoutVars>
+      </dgm:prSet>
+      <dgm:spPr/>
+    </dgm:pt>
+    <dgm:pt modelId="{A58869D2-B78E-DD40-ACB3-9F052F33CBCE}" type="pres">
+      <dgm:prSet presAssocID="{BAC284C6-3986-1C48-93AC-8FEBC662ECEE}" presName="sibTrans" presStyleLbl="sibTrans2D1" presStyleIdx="0" presStyleCnt="9"/>
+      <dgm:spPr/>
+    </dgm:pt>
+    <dgm:pt modelId="{814C8FA7-CFA6-FA42-8BC8-CD119ED58623}" type="pres">
+      <dgm:prSet presAssocID="{BAC284C6-3986-1C48-93AC-8FEBC662ECEE}" presName="connectorText" presStyleLbl="sibTrans2D1" presStyleIdx="0" presStyleCnt="9"/>
+      <dgm:spPr/>
+    </dgm:pt>
+    <dgm:pt modelId="{C234DD4B-5CB7-E549-AD0E-83532D584FCF}" type="pres">
+      <dgm:prSet presAssocID="{4F2509E8-87E6-2347-B926-EB9BDDECA6FD}" presName="node" presStyleLbl="node1" presStyleIdx="1" presStyleCnt="10">
+        <dgm:presLayoutVars>
+          <dgm:bulletEnabled val="1"/>
+        </dgm:presLayoutVars>
+      </dgm:prSet>
+      <dgm:spPr/>
+    </dgm:pt>
+    <dgm:pt modelId="{16C02E65-2210-C24E-8692-38A2A70EC148}" type="pres">
+      <dgm:prSet presAssocID="{748D4455-259E-4245-ADD2-8DDAC2A60773}" presName="sibTrans" presStyleLbl="sibTrans2D1" presStyleIdx="1" presStyleCnt="9"/>
+      <dgm:spPr/>
+    </dgm:pt>
+    <dgm:pt modelId="{7060A806-1549-3F45-A072-7BB9691C2D8D}" type="pres">
+      <dgm:prSet presAssocID="{748D4455-259E-4245-ADD2-8DDAC2A60773}" presName="connectorText" presStyleLbl="sibTrans2D1" presStyleIdx="1" presStyleCnt="9"/>
+      <dgm:spPr/>
+    </dgm:pt>
+    <dgm:pt modelId="{FBF1C564-B2B8-4C41-BE63-B8171F8EB76E}" type="pres">
+      <dgm:prSet presAssocID="{7B079A50-DF5E-0A4C-9491-2FBAFC0F785B}" presName="node" presStyleLbl="node1" presStyleIdx="2" presStyleCnt="10">
+        <dgm:presLayoutVars>
+          <dgm:bulletEnabled val="1"/>
+        </dgm:presLayoutVars>
+      </dgm:prSet>
+      <dgm:spPr/>
+    </dgm:pt>
+    <dgm:pt modelId="{680472FB-1DED-B043-9C18-8E9AFCBED6E9}" type="pres">
+      <dgm:prSet presAssocID="{00735B98-C924-5743-B429-DBBBDEA50165}" presName="sibTrans" presStyleLbl="sibTrans2D1" presStyleIdx="2" presStyleCnt="9"/>
+      <dgm:spPr/>
+    </dgm:pt>
+    <dgm:pt modelId="{002AA36D-CAF6-0343-B244-6F6849B9EB75}" type="pres">
+      <dgm:prSet presAssocID="{00735B98-C924-5743-B429-DBBBDEA50165}" presName="connectorText" presStyleLbl="sibTrans2D1" presStyleIdx="2" presStyleCnt="9"/>
+      <dgm:spPr/>
+    </dgm:pt>
+    <dgm:pt modelId="{CC8F3904-974E-2647-9B88-B6062079D1ED}" type="pres">
+      <dgm:prSet presAssocID="{EB4866D8-1266-8945-89C4-F4CD4F9D8A6F}" presName="node" presStyleLbl="node1" presStyleIdx="3" presStyleCnt="10">
+        <dgm:presLayoutVars>
+          <dgm:bulletEnabled val="1"/>
+        </dgm:presLayoutVars>
+      </dgm:prSet>
+      <dgm:spPr/>
+    </dgm:pt>
+    <dgm:pt modelId="{5383FDA3-64FA-604A-8CAF-995772572DB0}" type="pres">
+      <dgm:prSet presAssocID="{206E47A8-99B6-484A-AD35-04DCB9238B9B}" presName="sibTrans" presStyleLbl="sibTrans2D1" presStyleIdx="3" presStyleCnt="9"/>
+      <dgm:spPr/>
+    </dgm:pt>
+    <dgm:pt modelId="{AC48ED73-8B05-6041-911E-F23E178815C4}" type="pres">
+      <dgm:prSet presAssocID="{206E47A8-99B6-484A-AD35-04DCB9238B9B}" presName="connectorText" presStyleLbl="sibTrans2D1" presStyleIdx="3" presStyleCnt="9"/>
+      <dgm:spPr/>
+    </dgm:pt>
+    <dgm:pt modelId="{F11F753D-D453-BC4F-BACE-C4F8A11ECEA5}" type="pres">
+      <dgm:prSet presAssocID="{AE199458-77CF-8440-8970-F024006EA226}" presName="node" presStyleLbl="node1" presStyleIdx="4" presStyleCnt="10">
+        <dgm:presLayoutVars>
+          <dgm:bulletEnabled val="1"/>
+        </dgm:presLayoutVars>
+      </dgm:prSet>
+      <dgm:spPr/>
+    </dgm:pt>
+    <dgm:pt modelId="{F8E19199-589F-1946-8222-73EA4584121E}" type="pres">
+      <dgm:prSet presAssocID="{89DBDFDC-5EB5-0B49-A8D0-DB22ECB982AF}" presName="sibTrans" presStyleLbl="sibTrans2D1" presStyleIdx="4" presStyleCnt="9"/>
+      <dgm:spPr/>
+    </dgm:pt>
+    <dgm:pt modelId="{1E3ABFF9-C6C0-0441-8FEA-3F98FEF0374E}" type="pres">
+      <dgm:prSet presAssocID="{89DBDFDC-5EB5-0B49-A8D0-DB22ECB982AF}" presName="connectorText" presStyleLbl="sibTrans2D1" presStyleIdx="4" presStyleCnt="9"/>
+      <dgm:spPr/>
+    </dgm:pt>
+    <dgm:pt modelId="{529FCC09-4687-E147-80E8-2EB7609DC9CF}" type="pres">
+      <dgm:prSet presAssocID="{882FED25-8C48-F941-A0FE-6B2DFF5CD464}" presName="node" presStyleLbl="node1" presStyleIdx="5" presStyleCnt="10">
+        <dgm:presLayoutVars>
+          <dgm:bulletEnabled val="1"/>
+        </dgm:presLayoutVars>
+      </dgm:prSet>
+      <dgm:spPr/>
+    </dgm:pt>
+    <dgm:pt modelId="{5381123D-2C93-3241-8E06-B77D04CAE8EC}" type="pres">
+      <dgm:prSet presAssocID="{030A6B87-CA32-C340-A552-365F7A05C57F}" presName="sibTrans" presStyleLbl="sibTrans2D1" presStyleIdx="5" presStyleCnt="9"/>
+      <dgm:spPr/>
+    </dgm:pt>
+    <dgm:pt modelId="{2E3787C8-BF17-C343-9F7D-55355502CEE3}" type="pres">
+      <dgm:prSet presAssocID="{030A6B87-CA32-C340-A552-365F7A05C57F}" presName="connectorText" presStyleLbl="sibTrans2D1" presStyleIdx="5" presStyleCnt="9"/>
+      <dgm:spPr/>
+    </dgm:pt>
+    <dgm:pt modelId="{1850AAD1-4903-FE47-A71D-0B73E666CD99}" type="pres">
+      <dgm:prSet presAssocID="{917501D8-12A6-0D43-82EB-9B8BF9A095D6}" presName="node" presStyleLbl="node1" presStyleIdx="6" presStyleCnt="10">
+        <dgm:presLayoutVars>
+          <dgm:bulletEnabled val="1"/>
+        </dgm:presLayoutVars>
+      </dgm:prSet>
+      <dgm:spPr/>
+    </dgm:pt>
+    <dgm:pt modelId="{D7CE2DAE-ABF0-9641-AE1A-0DB79AEBD84A}" type="pres">
+      <dgm:prSet presAssocID="{04D5671A-AE7F-BD4E-9B86-A6A6425F59A8}" presName="sibTrans" presStyleLbl="sibTrans2D1" presStyleIdx="6" presStyleCnt="9"/>
+      <dgm:spPr/>
+    </dgm:pt>
+    <dgm:pt modelId="{DC4C8257-9496-D04B-A26B-2200A3FFE3E7}" type="pres">
+      <dgm:prSet presAssocID="{04D5671A-AE7F-BD4E-9B86-A6A6425F59A8}" presName="connectorText" presStyleLbl="sibTrans2D1" presStyleIdx="6" presStyleCnt="9"/>
+      <dgm:spPr/>
+    </dgm:pt>
+    <dgm:pt modelId="{0538887E-FF31-324E-B401-E87E44AFF0AA}" type="pres">
+      <dgm:prSet presAssocID="{1F12B085-E167-9940-8DCF-A46224752E8F}" presName="node" presStyleLbl="node1" presStyleIdx="7" presStyleCnt="10">
+        <dgm:presLayoutVars>
+          <dgm:bulletEnabled val="1"/>
+        </dgm:presLayoutVars>
+      </dgm:prSet>
+      <dgm:spPr/>
+    </dgm:pt>
+    <dgm:pt modelId="{92EB25B1-D4AE-754E-BD44-115E26D1FF80}" type="pres">
+      <dgm:prSet presAssocID="{59E7433E-EA1A-A445-8F72-1DCCEC9CF854}" presName="sibTrans" presStyleLbl="sibTrans2D1" presStyleIdx="7" presStyleCnt="9"/>
+      <dgm:spPr/>
+    </dgm:pt>
+    <dgm:pt modelId="{B4D2AADB-2320-D741-9683-970A9AF56C3E}" type="pres">
+      <dgm:prSet presAssocID="{59E7433E-EA1A-A445-8F72-1DCCEC9CF854}" presName="connectorText" presStyleLbl="sibTrans2D1" presStyleIdx="7" presStyleCnt="9"/>
+      <dgm:spPr/>
+    </dgm:pt>
+    <dgm:pt modelId="{C225C079-1737-3742-99A0-0A7B593214FB}" type="pres">
+      <dgm:prSet presAssocID="{4300FFA5-0FE1-0644-9B26-EF0EC29D2E58}" presName="node" presStyleLbl="node1" presStyleIdx="8" presStyleCnt="10">
+        <dgm:presLayoutVars>
+          <dgm:bulletEnabled val="1"/>
+        </dgm:presLayoutVars>
+      </dgm:prSet>
+      <dgm:spPr/>
+    </dgm:pt>
+    <dgm:pt modelId="{C8297064-9915-AB4E-A9CB-FFEA8FC197B9}" type="pres">
+      <dgm:prSet presAssocID="{2C4637A3-9257-AA41-A5B8-B87451C5F477}" presName="sibTrans" presStyleLbl="sibTrans2D1" presStyleIdx="8" presStyleCnt="9"/>
+      <dgm:spPr/>
+    </dgm:pt>
+    <dgm:pt modelId="{EDC8E22C-F874-6448-9DE8-54F7348385E0}" type="pres">
+      <dgm:prSet presAssocID="{2C4637A3-9257-AA41-A5B8-B87451C5F477}" presName="connectorText" presStyleLbl="sibTrans2D1" presStyleIdx="8" presStyleCnt="9"/>
+      <dgm:spPr/>
+    </dgm:pt>
+    <dgm:pt modelId="{098F0226-B690-1B45-B506-7C933BFB7998}" type="pres">
+      <dgm:prSet presAssocID="{B86E1618-0E2D-E84D-BCEB-2453703211F3}" presName="node" presStyleLbl="node1" presStyleIdx="9" presStyleCnt="10">
+        <dgm:presLayoutVars>
+          <dgm:bulletEnabled val="1"/>
+        </dgm:presLayoutVars>
+      </dgm:prSet>
+      <dgm:spPr/>
+    </dgm:pt>
+  </dgm:ptLst>
+  <dgm:cxnLst>
+    <dgm:cxn modelId="{B95DCD03-4AAD-4B42-9243-666F8DB599E8}" type="presOf" srcId="{8933D80B-03CB-154C-805F-13221DB1B822}" destId="{FBF1C564-B2B8-4C41-BE63-B8171F8EB76E}" srcOrd="0" destOrd="2" presId="urn:microsoft.com/office/officeart/2005/8/layout/process5"/>
+    <dgm:cxn modelId="{30E4E603-88A2-FC48-B384-BE3A5BB6B8C0}" type="presOf" srcId="{BAC284C6-3986-1C48-93AC-8FEBC662ECEE}" destId="{814C8FA7-CFA6-FA42-8BC8-CD119ED58623}" srcOrd="1" destOrd="0" presId="urn:microsoft.com/office/officeart/2005/8/layout/process5"/>
+    <dgm:cxn modelId="{B3721305-A4DC-1D4B-9870-E1245EA94AA1}" type="presOf" srcId="{5FE83F24-F694-6A4B-99C0-78300CB546E1}" destId="{CC8F3904-974E-2647-9B88-B6062079D1ED}" srcOrd="0" destOrd="1" presId="urn:microsoft.com/office/officeart/2005/8/layout/process5"/>
+    <dgm:cxn modelId="{01877F06-0601-234E-B04A-2AADE4C2D154}" srcId="{7B079A50-DF5E-0A4C-9491-2FBAFC0F785B}" destId="{8933D80B-03CB-154C-805F-13221DB1B822}" srcOrd="1" destOrd="0" parTransId="{05F6BE08-6836-6D4D-951F-A258F2E08662}" sibTransId="{59F6EB62-364A-E44D-A61C-CEA12AA8589C}"/>
+    <dgm:cxn modelId="{0E10E907-0ADA-4D45-9069-B9A3AC9E0310}" type="presOf" srcId="{7B079A50-DF5E-0A4C-9491-2FBAFC0F785B}" destId="{FBF1C564-B2B8-4C41-BE63-B8171F8EB76E}" srcOrd="0" destOrd="0" presId="urn:microsoft.com/office/officeart/2005/8/layout/process5"/>
+    <dgm:cxn modelId="{D5992D08-7598-A94A-AD4C-62B4CD474D26}" type="presOf" srcId="{761579F4-10DF-F244-9532-25DEF4807D83}" destId="{C234DD4B-5CB7-E549-AD0E-83532D584FCF}" srcOrd="0" destOrd="3" presId="urn:microsoft.com/office/officeart/2005/8/layout/process5"/>
+    <dgm:cxn modelId="{F62E5C0C-C9DB-474B-99E5-505C0287727A}" type="presOf" srcId="{B86E1618-0E2D-E84D-BCEB-2453703211F3}" destId="{098F0226-B690-1B45-B506-7C933BFB7998}" srcOrd="0" destOrd="0" presId="urn:microsoft.com/office/officeart/2005/8/layout/process5"/>
+    <dgm:cxn modelId="{81D07A23-EA35-C94F-81FA-E72150079877}" srcId="{E9FB0F4E-6967-3B44-A32F-E8B1C7AE98D5}" destId="{75350DEC-25F7-F240-A4BF-3A92E80C52F5}" srcOrd="0" destOrd="0" parTransId="{965794C1-5767-E94D-8105-ED104B4D33E2}" sibTransId="{BAC284C6-3986-1C48-93AC-8FEBC662ECEE}"/>
+    <dgm:cxn modelId="{BFD8C726-235C-FD40-B9F6-87513427E29C}" type="presOf" srcId="{4861F807-1580-8C4F-9C33-66D2EDE9ABAD}" destId="{CC8F3904-974E-2647-9B88-B6062079D1ED}" srcOrd="0" destOrd="4" presId="urn:microsoft.com/office/officeart/2005/8/layout/process5"/>
+    <dgm:cxn modelId="{A5814027-F41C-1F45-84CD-3391AC53F8A5}" type="presOf" srcId="{DDAC47D6-F859-4340-B28C-6D49EE097740}" destId="{FBF1C564-B2B8-4C41-BE63-B8171F8EB76E}" srcOrd="0" destOrd="4" presId="urn:microsoft.com/office/officeart/2005/8/layout/process5"/>
+    <dgm:cxn modelId="{4252FF2A-9D9C-154A-8E00-7845AEFA42A3}" type="presOf" srcId="{AE199458-77CF-8440-8970-F024006EA226}" destId="{F11F753D-D453-BC4F-BACE-C4F8A11ECEA5}" srcOrd="0" destOrd="0" presId="urn:microsoft.com/office/officeart/2005/8/layout/process5"/>
+    <dgm:cxn modelId="{87E2372F-44B8-7346-94AD-1B6CD49001EC}" srcId="{E9FB0F4E-6967-3B44-A32F-E8B1C7AE98D5}" destId="{1F12B085-E167-9940-8DCF-A46224752E8F}" srcOrd="7" destOrd="0" parTransId="{7A893FC9-C7B2-A646-8934-DEE2F8F265BA}" sibTransId="{59E7433E-EA1A-A445-8F72-1DCCEC9CF854}"/>
+    <dgm:cxn modelId="{B650C331-3E4A-9142-9766-ADC1499BB1FB}" srcId="{7B079A50-DF5E-0A4C-9491-2FBAFC0F785B}" destId="{60FEA49A-52E5-FB49-B9D7-919B8E8D64F4}" srcOrd="0" destOrd="0" parTransId="{7E8F7D45-586B-A641-B509-72E0E3DB9800}" sibTransId="{E893C522-81CE-8546-BA58-AAD1F1CCD417}"/>
+    <dgm:cxn modelId="{BD857532-F26B-7C43-A239-905B90EF1A8C}" type="presOf" srcId="{E9FB0F4E-6967-3B44-A32F-E8B1C7AE98D5}" destId="{CBF254FA-D4E0-B74E-A18D-AE53AEBD67CD}" srcOrd="0" destOrd="0" presId="urn:microsoft.com/office/officeart/2005/8/layout/process5"/>
+    <dgm:cxn modelId="{BE324233-F9AC-DC43-A89C-3F7FD9B5D466}" srcId="{E9FB0F4E-6967-3B44-A32F-E8B1C7AE98D5}" destId="{B86E1618-0E2D-E84D-BCEB-2453703211F3}" srcOrd="9" destOrd="0" parTransId="{4EFD42D0-7098-564F-980C-3F3CECAA5410}" sibTransId="{877FBD8C-7A3B-5E45-8830-1FEAB09A55C5}"/>
+    <dgm:cxn modelId="{27375D36-313F-2A44-B2E2-0C6FE9D62D1A}" type="presOf" srcId="{75350DEC-25F7-F240-A4BF-3A92E80C52F5}" destId="{B4D5E3D8-47D8-1A4C-9387-6DE60324DF6F}" srcOrd="0" destOrd="0" presId="urn:microsoft.com/office/officeart/2005/8/layout/process5"/>
+    <dgm:cxn modelId="{FC1AC939-5A01-D84B-8800-0E045D0F93C8}" srcId="{AE199458-77CF-8440-8970-F024006EA226}" destId="{69F25C00-F7E1-8B47-8544-B81240B6C7F2}" srcOrd="1" destOrd="0" parTransId="{258EB4FC-8DB3-204B-AE19-757E57DBF8E2}" sibTransId="{2C4AF3F2-4BEF-1E41-A9DC-C2CCA7D68218}"/>
+    <dgm:cxn modelId="{DF8FAA3E-AA34-BD4E-87F8-31F1AB63A13B}" type="presOf" srcId="{748D4455-259E-4245-ADD2-8DDAC2A60773}" destId="{16C02E65-2210-C24E-8692-38A2A70EC148}" srcOrd="0" destOrd="0" presId="urn:microsoft.com/office/officeart/2005/8/layout/process5"/>
+    <dgm:cxn modelId="{0D418D49-B127-3C44-AF37-A060A5F8F42E}" srcId="{7B079A50-DF5E-0A4C-9491-2FBAFC0F785B}" destId="{B1557D1B-A1F8-FC4B-B50D-EA46AEAC83E2}" srcOrd="2" destOrd="0" parTransId="{301BEF8E-62FD-F942-ABEC-722E78A30EAC}" sibTransId="{76EC83BA-130D-EA44-8EE3-6264D4A2F0C7}"/>
+    <dgm:cxn modelId="{6A32B64F-6964-414F-AD07-B5887751C75C}" type="presOf" srcId="{882FED25-8C48-F941-A0FE-6B2DFF5CD464}" destId="{529FCC09-4687-E147-80E8-2EB7609DC9CF}" srcOrd="0" destOrd="0" presId="urn:microsoft.com/office/officeart/2005/8/layout/process5"/>
+    <dgm:cxn modelId="{57E78F58-C4F1-C642-9A8E-4D1032FFACD8}" type="presOf" srcId="{471C43CE-832D-774D-BB7A-57512EFB5879}" destId="{CC8F3904-974E-2647-9B88-B6062079D1ED}" srcOrd="0" destOrd="3" presId="urn:microsoft.com/office/officeart/2005/8/layout/process5"/>
+    <dgm:cxn modelId="{881C745A-6BF5-1846-9762-D162446F8EE8}" srcId="{EB4866D8-1266-8945-89C4-F4CD4F9D8A6F}" destId="{4861F807-1580-8C4F-9C33-66D2EDE9ABAD}" srcOrd="3" destOrd="0" parTransId="{8CC078C6-7EFD-9A46-B445-021F345DCF5A}" sibTransId="{5D77E747-1467-6249-A64A-E8E192C48D64}"/>
+    <dgm:cxn modelId="{4D5E675C-49B8-1948-9D17-9FC44F33719A}" type="presOf" srcId="{59E7433E-EA1A-A445-8F72-1DCCEC9CF854}" destId="{B4D2AADB-2320-D741-9683-970A9AF56C3E}" srcOrd="1" destOrd="0" presId="urn:microsoft.com/office/officeart/2005/8/layout/process5"/>
+    <dgm:cxn modelId="{09F5B15E-E1AD-2E4A-AFF2-C91E75C311A9}" srcId="{AE199458-77CF-8440-8970-F024006EA226}" destId="{86AA592B-D489-5D4D-93FE-79A538493DA3}" srcOrd="0" destOrd="0" parTransId="{06E1BE15-F8C7-9C4D-A90E-557728BBB1D3}" sibTransId="{9EB8E24C-CDF4-7B49-8A25-38E38E64AA9F}"/>
+    <dgm:cxn modelId="{ED970163-ECEE-D849-9B40-616074ECBD3F}" srcId="{EB4866D8-1266-8945-89C4-F4CD4F9D8A6F}" destId="{5FE83F24-F694-6A4B-99C0-78300CB546E1}" srcOrd="0" destOrd="0" parTransId="{E15C2973-AC33-0145-8745-682DFB76DED0}" sibTransId="{A1EBC4F8-774A-B045-880A-03E7D798D46B}"/>
+    <dgm:cxn modelId="{6C791863-053A-EA42-B1FD-F40E2AC8732E}" type="presOf" srcId="{6E882DEC-3034-E942-B5AA-2835D77DD5C8}" destId="{CC8F3904-974E-2647-9B88-B6062079D1ED}" srcOrd="0" destOrd="2" presId="urn:microsoft.com/office/officeart/2005/8/layout/process5"/>
+    <dgm:cxn modelId="{9F4BBA63-304C-604B-A391-58E4720B5BE5}" srcId="{75350DEC-25F7-F240-A4BF-3A92E80C52F5}" destId="{63B03111-9832-1646-BDF4-5D9B749EF795}" srcOrd="0" destOrd="0" parTransId="{1C812E3F-39E1-CF47-BBBD-159FAEC5C786}" sibTransId="{702B8123-1BB3-E349-AB4A-1A9D41698317}"/>
+    <dgm:cxn modelId="{315CA365-BBD4-8349-91E9-B1E78879A052}" type="presOf" srcId="{2C4637A3-9257-AA41-A5B8-B87451C5F477}" destId="{EDC8E22C-F874-6448-9DE8-54F7348385E0}" srcOrd="1" destOrd="0" presId="urn:microsoft.com/office/officeart/2005/8/layout/process5"/>
+    <dgm:cxn modelId="{C0BF1A68-E872-0A45-B831-114F7AEF9B31}" type="presOf" srcId="{BAC284C6-3986-1C48-93AC-8FEBC662ECEE}" destId="{A58869D2-B78E-DD40-ACB3-9F052F33CBCE}" srcOrd="0" destOrd="0" presId="urn:microsoft.com/office/officeart/2005/8/layout/process5"/>
+    <dgm:cxn modelId="{CCD2446D-140E-2448-AD38-D7354F2F5BD0}" type="presOf" srcId="{86AA592B-D489-5D4D-93FE-79A538493DA3}" destId="{F11F753D-D453-BC4F-BACE-C4F8A11ECEA5}" srcOrd="0" destOrd="1" presId="urn:microsoft.com/office/officeart/2005/8/layout/process5"/>
+    <dgm:cxn modelId="{E1407870-18DB-5544-A0A5-2DE0EF6D62BF}" type="presOf" srcId="{EB4866D8-1266-8945-89C4-F4CD4F9D8A6F}" destId="{CC8F3904-974E-2647-9B88-B6062079D1ED}" srcOrd="0" destOrd="0" presId="urn:microsoft.com/office/officeart/2005/8/layout/process5"/>
+    <dgm:cxn modelId="{43B9E771-FA74-B642-9EED-7FE4A7CDF11A}" srcId="{4F2509E8-87E6-2347-B926-EB9BDDECA6FD}" destId="{C8AF58C4-450C-0C4C-83CB-1474D3ADA25F}" srcOrd="1" destOrd="0" parTransId="{DEBC2A1C-65D7-5E43-945C-60BBA4631011}" sibTransId="{51773514-44C5-134E-A69D-D30DCA75AB37}"/>
+    <dgm:cxn modelId="{BB741775-A4C8-C54B-B161-F15E4AF928EC}" type="presOf" srcId="{B1557D1B-A1F8-FC4B-B50D-EA46AEAC83E2}" destId="{FBF1C564-B2B8-4C41-BE63-B8171F8EB76E}" srcOrd="0" destOrd="3" presId="urn:microsoft.com/office/officeart/2005/8/layout/process5"/>
+    <dgm:cxn modelId="{9BF83777-08E0-6140-9D35-BF7D8AF8A067}" srcId="{E9FB0F4E-6967-3B44-A32F-E8B1C7AE98D5}" destId="{4F2509E8-87E6-2347-B926-EB9BDDECA6FD}" srcOrd="1" destOrd="0" parTransId="{B4B1EEE1-8225-A643-B681-A7F3FC14ECAD}" sibTransId="{748D4455-259E-4245-ADD2-8DDAC2A60773}"/>
+    <dgm:cxn modelId="{E9A0EB78-92A5-5E4E-8437-0C6B9359762F}" srcId="{E9FB0F4E-6967-3B44-A32F-E8B1C7AE98D5}" destId="{4300FFA5-0FE1-0644-9B26-EF0EC29D2E58}" srcOrd="8" destOrd="0" parTransId="{CD73BF7D-329F-4F42-9B2D-1C22A52FFC9D}" sibTransId="{2C4637A3-9257-AA41-A5B8-B87451C5F477}"/>
+    <dgm:cxn modelId="{E1BE627B-6B84-9F41-8C17-2CB0A302B158}" type="presOf" srcId="{04D5671A-AE7F-BD4E-9B86-A6A6425F59A8}" destId="{D7CE2DAE-ABF0-9641-AE1A-0DB79AEBD84A}" srcOrd="0" destOrd="0" presId="urn:microsoft.com/office/officeart/2005/8/layout/process5"/>
+    <dgm:cxn modelId="{1195907C-1741-0E4D-8E5E-6B3B4B259DEF}" type="presOf" srcId="{030A6B87-CA32-C340-A552-365F7A05C57F}" destId="{5381123D-2C93-3241-8E06-B77D04CAE8EC}" srcOrd="0" destOrd="0" presId="urn:microsoft.com/office/officeart/2005/8/layout/process5"/>
+    <dgm:cxn modelId="{99C2797F-C2E2-3A4C-AAF0-DCC30D2AF05D}" type="presOf" srcId="{4F2509E8-87E6-2347-B926-EB9BDDECA6FD}" destId="{C234DD4B-5CB7-E549-AD0E-83532D584FCF}" srcOrd="0" destOrd="0" presId="urn:microsoft.com/office/officeart/2005/8/layout/process5"/>
+    <dgm:cxn modelId="{85D7D382-FAAC-4F4E-84D6-7849E5E8FF0C}" type="presOf" srcId="{917501D8-12A6-0D43-82EB-9B8BF9A095D6}" destId="{1850AAD1-4903-FE47-A71D-0B73E666CD99}" srcOrd="0" destOrd="0" presId="urn:microsoft.com/office/officeart/2005/8/layout/process5"/>
+    <dgm:cxn modelId="{0E3C2485-CAF8-434B-89F0-893517E042E7}" srcId="{E9FB0F4E-6967-3B44-A32F-E8B1C7AE98D5}" destId="{917501D8-12A6-0D43-82EB-9B8BF9A095D6}" srcOrd="6" destOrd="0" parTransId="{2189082E-6C82-944A-BE92-D9BC72270382}" sibTransId="{04D5671A-AE7F-BD4E-9B86-A6A6425F59A8}"/>
+    <dgm:cxn modelId="{5F1D6487-750A-A04B-B6FA-5348ADB40AA1}" type="presOf" srcId="{2C4637A3-9257-AA41-A5B8-B87451C5F477}" destId="{C8297064-9915-AB4E-A9CB-FFEA8FC197B9}" srcOrd="0" destOrd="0" presId="urn:microsoft.com/office/officeart/2005/8/layout/process5"/>
+    <dgm:cxn modelId="{B5AA2D8B-61D5-DB43-8D06-4875A7EB0CBD}" srcId="{7B079A50-DF5E-0A4C-9491-2FBAFC0F785B}" destId="{DDAC47D6-F859-4340-B28C-6D49EE097740}" srcOrd="3" destOrd="0" parTransId="{5B556703-BE01-8848-BE27-5969CF3D2B5D}" sibTransId="{0A2D5029-F7E5-6C47-9CF0-D5505B2F8FFB}"/>
+    <dgm:cxn modelId="{94756F8D-4FC3-2F4F-8093-95D1E8FDA07D}" type="presOf" srcId="{89DBDFDC-5EB5-0B49-A8D0-DB22ECB982AF}" destId="{1E3ABFF9-C6C0-0441-8FEA-3F98FEF0374E}" srcOrd="1" destOrd="0" presId="urn:microsoft.com/office/officeart/2005/8/layout/process5"/>
+    <dgm:cxn modelId="{78913F91-30D2-D14B-B80B-1BDF3244B2A6}" type="presOf" srcId="{1F12B085-E167-9940-8DCF-A46224752E8F}" destId="{0538887E-FF31-324E-B401-E87E44AFF0AA}" srcOrd="0" destOrd="0" presId="urn:microsoft.com/office/officeart/2005/8/layout/process5"/>
+    <dgm:cxn modelId="{B494B79C-7119-2745-954F-0FE480A17145}" type="presOf" srcId="{C8AF58C4-450C-0C4C-83CB-1474D3ADA25F}" destId="{C234DD4B-5CB7-E549-AD0E-83532D584FCF}" srcOrd="0" destOrd="2" presId="urn:microsoft.com/office/officeart/2005/8/layout/process5"/>
+    <dgm:cxn modelId="{A454DBA0-21A9-3941-9DF2-4DD870F537A3}" srcId="{E9FB0F4E-6967-3B44-A32F-E8B1C7AE98D5}" destId="{7B079A50-DF5E-0A4C-9491-2FBAFC0F785B}" srcOrd="2" destOrd="0" parTransId="{BA902E5D-518F-0749-86BA-04AA510BA959}" sibTransId="{00735B98-C924-5743-B429-DBBBDEA50165}"/>
+    <dgm:cxn modelId="{8C017CA3-42AB-BD48-8C05-A5BDA2B79E4B}" type="presOf" srcId="{59E7433E-EA1A-A445-8F72-1DCCEC9CF854}" destId="{92EB25B1-D4AE-754E-BD44-115E26D1FF80}" srcOrd="0" destOrd="0" presId="urn:microsoft.com/office/officeart/2005/8/layout/process5"/>
+    <dgm:cxn modelId="{88A5F4A3-745B-D44B-AEC4-67B96700A686}" type="presOf" srcId="{206E47A8-99B6-484A-AD35-04DCB9238B9B}" destId="{AC48ED73-8B05-6041-911E-F23E178815C4}" srcOrd="1" destOrd="0" presId="urn:microsoft.com/office/officeart/2005/8/layout/process5"/>
+    <dgm:cxn modelId="{2038CBA5-A8B4-2F4F-88D5-D270FCD148DC}" type="presOf" srcId="{89DBDFDC-5EB5-0B49-A8D0-DB22ECB982AF}" destId="{F8E19199-589F-1946-8222-73EA4584121E}" srcOrd="0" destOrd="0" presId="urn:microsoft.com/office/officeart/2005/8/layout/process5"/>
+    <dgm:cxn modelId="{9A8098B2-9CE9-D942-9547-38EF361DD3D4}" srcId="{EB4866D8-1266-8945-89C4-F4CD4F9D8A6F}" destId="{6E882DEC-3034-E942-B5AA-2835D77DD5C8}" srcOrd="1" destOrd="0" parTransId="{11E32BAA-4A06-9844-B381-3F8D7D686934}" sibTransId="{DE8B183B-7E7F-5749-9A67-A6C365A09A85}"/>
+    <dgm:cxn modelId="{AA15AFB2-2C77-3142-AD36-8D6ED0CAACDE}" type="presOf" srcId="{04D5671A-AE7F-BD4E-9B86-A6A6425F59A8}" destId="{DC4C8257-9496-D04B-A26B-2200A3FFE3E7}" srcOrd="1" destOrd="0" presId="urn:microsoft.com/office/officeart/2005/8/layout/process5"/>
+    <dgm:cxn modelId="{A56E20BA-CE81-3845-B63D-BDC1718CA0DA}" type="presOf" srcId="{F9BD6EF9-8382-F144-B9CD-FB838C6C03F9}" destId="{C234DD4B-5CB7-E549-AD0E-83532D584FCF}" srcOrd="0" destOrd="1" presId="urn:microsoft.com/office/officeart/2005/8/layout/process5"/>
+    <dgm:cxn modelId="{B77E5BBC-E48A-9F44-93AA-F124CC378B7E}" type="presOf" srcId="{00735B98-C924-5743-B429-DBBBDEA50165}" destId="{680472FB-1DED-B043-9C18-8E9AFCBED6E9}" srcOrd="0" destOrd="0" presId="urn:microsoft.com/office/officeart/2005/8/layout/process5"/>
+    <dgm:cxn modelId="{3DE395BD-2A5C-D449-AF86-99D3C112784F}" type="presOf" srcId="{748D4455-259E-4245-ADD2-8DDAC2A60773}" destId="{7060A806-1549-3F45-A072-7BB9691C2D8D}" srcOrd="1" destOrd="0" presId="urn:microsoft.com/office/officeart/2005/8/layout/process5"/>
+    <dgm:cxn modelId="{871584CA-547D-DB48-94C4-0F86427D355B}" type="presOf" srcId="{63B03111-9832-1646-BDF4-5D9B749EF795}" destId="{B4D5E3D8-47D8-1A4C-9387-6DE60324DF6F}" srcOrd="0" destOrd="1" presId="urn:microsoft.com/office/officeart/2005/8/layout/process5"/>
+    <dgm:cxn modelId="{7508F7CB-76FC-3043-811E-8A4CE7CBEBA3}" type="presOf" srcId="{60FEA49A-52E5-FB49-B9D7-919B8E8D64F4}" destId="{FBF1C564-B2B8-4C41-BE63-B8171F8EB76E}" srcOrd="0" destOrd="1" presId="urn:microsoft.com/office/officeart/2005/8/layout/process5"/>
+    <dgm:cxn modelId="{A0E506CD-09B9-3549-9920-3C48F6D1CA55}" type="presOf" srcId="{69F25C00-F7E1-8B47-8544-B81240B6C7F2}" destId="{F11F753D-D453-BC4F-BACE-C4F8A11ECEA5}" srcOrd="0" destOrd="2" presId="urn:microsoft.com/office/officeart/2005/8/layout/process5"/>
+    <dgm:cxn modelId="{8497B9D0-5691-E848-8EE3-C51BC656F8B1}" srcId="{E9FB0F4E-6967-3B44-A32F-E8B1C7AE98D5}" destId="{AE199458-77CF-8440-8970-F024006EA226}" srcOrd="4" destOrd="0" parTransId="{8FD87771-F4E1-DC47-B38A-8EDD08A5C725}" sibTransId="{89DBDFDC-5EB5-0B49-A8D0-DB22ECB982AF}"/>
+    <dgm:cxn modelId="{445B7ADC-F7C5-5046-9BEE-3618E0EEE919}" srcId="{4F2509E8-87E6-2347-B926-EB9BDDECA6FD}" destId="{761579F4-10DF-F244-9532-25DEF4807D83}" srcOrd="2" destOrd="0" parTransId="{4C55FAFB-140B-EA49-9492-2DC8E373D8C0}" sibTransId="{3543ED0F-366F-8D44-8E9F-A843D81464D5}"/>
+    <dgm:cxn modelId="{890194DD-304B-C447-9AF3-AFAE634C6D43}" srcId="{4F2509E8-87E6-2347-B926-EB9BDDECA6FD}" destId="{F9BD6EF9-8382-F144-B9CD-FB838C6C03F9}" srcOrd="0" destOrd="0" parTransId="{137D12B5-70FE-6847-BD89-CA99FC0D41AD}" sibTransId="{49EC0DFE-61E7-374D-A1BD-7617E9E9166B}"/>
+    <dgm:cxn modelId="{2CEF06DE-6258-7440-8A8D-E90FA2F30839}" type="presOf" srcId="{4300FFA5-0FE1-0644-9B26-EF0EC29D2E58}" destId="{C225C079-1737-3742-99A0-0A7B593214FB}" srcOrd="0" destOrd="0" presId="urn:microsoft.com/office/officeart/2005/8/layout/process5"/>
+    <dgm:cxn modelId="{A1CEA2E5-F1DD-EF48-A85B-4A04D4565509}" srcId="{E9FB0F4E-6967-3B44-A32F-E8B1C7AE98D5}" destId="{EB4866D8-1266-8945-89C4-F4CD4F9D8A6F}" srcOrd="3" destOrd="0" parTransId="{4276625C-E1F0-F840-90D6-CE76DDBB799C}" sibTransId="{206E47A8-99B6-484A-AD35-04DCB9238B9B}"/>
+    <dgm:cxn modelId="{E7042CE6-A233-CB47-A6F5-D0D71F329C45}" srcId="{EB4866D8-1266-8945-89C4-F4CD4F9D8A6F}" destId="{471C43CE-832D-774D-BB7A-57512EFB5879}" srcOrd="2" destOrd="0" parTransId="{C2B9F4EE-A410-1B4C-9D53-DB22DB03D31F}" sibTransId="{DE50C641-CD08-A846-B7EB-02241BA70688}"/>
+    <dgm:cxn modelId="{45F7F9E8-95D2-CA40-854F-9EFFBA8C51D6}" type="presOf" srcId="{206E47A8-99B6-484A-AD35-04DCB9238B9B}" destId="{5383FDA3-64FA-604A-8CAF-995772572DB0}" srcOrd="0" destOrd="0" presId="urn:microsoft.com/office/officeart/2005/8/layout/process5"/>
+    <dgm:cxn modelId="{467F9BED-D392-3940-B061-1699282DB62A}" srcId="{E9FB0F4E-6967-3B44-A32F-E8B1C7AE98D5}" destId="{882FED25-8C48-F941-A0FE-6B2DFF5CD464}" srcOrd="5" destOrd="0" parTransId="{B419AD8C-EBD7-5443-9C93-E4B849DE07B6}" sibTransId="{030A6B87-CA32-C340-A552-365F7A05C57F}"/>
+    <dgm:cxn modelId="{ACB3C1F8-AF17-F641-83DF-2B77AC2173F2}" type="presOf" srcId="{030A6B87-CA32-C340-A552-365F7A05C57F}" destId="{2E3787C8-BF17-C343-9F7D-55355502CEE3}" srcOrd="1" destOrd="0" presId="urn:microsoft.com/office/officeart/2005/8/layout/process5"/>
+    <dgm:cxn modelId="{E57CD3FB-72DE-F644-89FB-39D8FB6599FA}" type="presOf" srcId="{00735B98-C924-5743-B429-DBBBDEA50165}" destId="{002AA36D-CAF6-0343-B244-6F6849B9EB75}" srcOrd="1" destOrd="0" presId="urn:microsoft.com/office/officeart/2005/8/layout/process5"/>
+    <dgm:cxn modelId="{7F8A83C4-DF92-674F-9901-9E29B216E0A2}" type="presParOf" srcId="{CBF254FA-D4E0-B74E-A18D-AE53AEBD67CD}" destId="{B4D5E3D8-47D8-1A4C-9387-6DE60324DF6F}" srcOrd="0" destOrd="0" presId="urn:microsoft.com/office/officeart/2005/8/layout/process5"/>
+    <dgm:cxn modelId="{A08B2B19-5656-5E46-BB58-7FE7B6C3A7C9}" type="presParOf" srcId="{CBF254FA-D4E0-B74E-A18D-AE53AEBD67CD}" destId="{A58869D2-B78E-DD40-ACB3-9F052F33CBCE}" srcOrd="1" destOrd="0" presId="urn:microsoft.com/office/officeart/2005/8/layout/process5"/>
+    <dgm:cxn modelId="{C454612D-F0F0-E14D-8E48-86577D0681D6}" type="presParOf" srcId="{A58869D2-B78E-DD40-ACB3-9F052F33CBCE}" destId="{814C8FA7-CFA6-FA42-8BC8-CD119ED58623}" srcOrd="0" destOrd="0" presId="urn:microsoft.com/office/officeart/2005/8/layout/process5"/>
+    <dgm:cxn modelId="{71DD84D1-0B88-C84F-AE6E-112D74268CE8}" type="presParOf" srcId="{CBF254FA-D4E0-B74E-A18D-AE53AEBD67CD}" destId="{C234DD4B-5CB7-E549-AD0E-83532D584FCF}" srcOrd="2" destOrd="0" presId="urn:microsoft.com/office/officeart/2005/8/layout/process5"/>
+    <dgm:cxn modelId="{A6608B84-5BAF-A846-85DB-0D0B91E37986}" type="presParOf" srcId="{CBF254FA-D4E0-B74E-A18D-AE53AEBD67CD}" destId="{16C02E65-2210-C24E-8692-38A2A70EC148}" srcOrd="3" destOrd="0" presId="urn:microsoft.com/office/officeart/2005/8/layout/process5"/>
+    <dgm:cxn modelId="{DDA86523-6C9F-E448-845B-0A42D6E12684}" type="presParOf" srcId="{16C02E65-2210-C24E-8692-38A2A70EC148}" destId="{7060A806-1549-3F45-A072-7BB9691C2D8D}" srcOrd="0" destOrd="0" presId="urn:microsoft.com/office/officeart/2005/8/layout/process5"/>
+    <dgm:cxn modelId="{E512A88E-2481-0A4E-9C24-EB75ACF64300}" type="presParOf" srcId="{CBF254FA-D4E0-B74E-A18D-AE53AEBD67CD}" destId="{FBF1C564-B2B8-4C41-BE63-B8171F8EB76E}" srcOrd="4" destOrd="0" presId="urn:microsoft.com/office/officeart/2005/8/layout/process5"/>
+    <dgm:cxn modelId="{9D8126B7-D264-0641-A0BE-EA0877F06B45}" type="presParOf" srcId="{CBF254FA-D4E0-B74E-A18D-AE53AEBD67CD}" destId="{680472FB-1DED-B043-9C18-8E9AFCBED6E9}" srcOrd="5" destOrd="0" presId="urn:microsoft.com/office/officeart/2005/8/layout/process5"/>
+    <dgm:cxn modelId="{56198BEB-49F7-2C4B-8D22-8DBDD2B6C84D}" type="presParOf" srcId="{680472FB-1DED-B043-9C18-8E9AFCBED6E9}" destId="{002AA36D-CAF6-0343-B244-6F6849B9EB75}" srcOrd="0" destOrd="0" presId="urn:microsoft.com/office/officeart/2005/8/layout/process5"/>
+    <dgm:cxn modelId="{5C2B0342-8FFD-164D-AD17-CD41A98EF156}" type="presParOf" srcId="{CBF254FA-D4E0-B74E-A18D-AE53AEBD67CD}" destId="{CC8F3904-974E-2647-9B88-B6062079D1ED}" srcOrd="6" destOrd="0" presId="urn:microsoft.com/office/officeart/2005/8/layout/process5"/>
+    <dgm:cxn modelId="{9C15ACB1-1411-DD42-A865-934CA5C7156B}" type="presParOf" srcId="{CBF254FA-D4E0-B74E-A18D-AE53AEBD67CD}" destId="{5383FDA3-64FA-604A-8CAF-995772572DB0}" srcOrd="7" destOrd="0" presId="urn:microsoft.com/office/officeart/2005/8/layout/process5"/>
+    <dgm:cxn modelId="{DC9BD835-FC77-4E4F-ACB0-CA983131FD0B}" type="presParOf" srcId="{5383FDA3-64FA-604A-8CAF-995772572DB0}" destId="{AC48ED73-8B05-6041-911E-F23E178815C4}" srcOrd="0" destOrd="0" presId="urn:microsoft.com/office/officeart/2005/8/layout/process5"/>
+    <dgm:cxn modelId="{5C74A403-0B11-AF4B-9244-65D39232F884}" type="presParOf" srcId="{CBF254FA-D4E0-B74E-A18D-AE53AEBD67CD}" destId="{F11F753D-D453-BC4F-BACE-C4F8A11ECEA5}" srcOrd="8" destOrd="0" presId="urn:microsoft.com/office/officeart/2005/8/layout/process5"/>
+    <dgm:cxn modelId="{485F9726-05AC-F441-8FE0-385E5B103E36}" type="presParOf" srcId="{CBF254FA-D4E0-B74E-A18D-AE53AEBD67CD}" destId="{F8E19199-589F-1946-8222-73EA4584121E}" srcOrd="9" destOrd="0" presId="urn:microsoft.com/office/officeart/2005/8/layout/process5"/>
+    <dgm:cxn modelId="{678B64E3-BB14-9443-9C28-BAF379A94C2A}" type="presParOf" srcId="{F8E19199-589F-1946-8222-73EA4584121E}" destId="{1E3ABFF9-C6C0-0441-8FEA-3F98FEF0374E}" srcOrd="0" destOrd="0" presId="urn:microsoft.com/office/officeart/2005/8/layout/process5"/>
+    <dgm:cxn modelId="{82332E0B-3DF2-A24D-BC83-2EBFB8E2E536}" type="presParOf" srcId="{CBF254FA-D4E0-B74E-A18D-AE53AEBD67CD}" destId="{529FCC09-4687-E147-80E8-2EB7609DC9CF}" srcOrd="10" destOrd="0" presId="urn:microsoft.com/office/officeart/2005/8/layout/process5"/>
+    <dgm:cxn modelId="{84E727FC-8DF8-9948-B439-07C8E787C3A6}" type="presParOf" srcId="{CBF254FA-D4E0-B74E-A18D-AE53AEBD67CD}" destId="{5381123D-2C93-3241-8E06-B77D04CAE8EC}" srcOrd="11" destOrd="0" presId="urn:microsoft.com/office/officeart/2005/8/layout/process5"/>
+    <dgm:cxn modelId="{782EF668-7538-6A4E-B319-8B048FFE4044}" type="presParOf" srcId="{5381123D-2C93-3241-8E06-B77D04CAE8EC}" destId="{2E3787C8-BF17-C343-9F7D-55355502CEE3}" srcOrd="0" destOrd="0" presId="urn:microsoft.com/office/officeart/2005/8/layout/process5"/>
+    <dgm:cxn modelId="{6AEAA92D-C4D5-D643-8CD4-71C3C81BEC92}" type="presParOf" srcId="{CBF254FA-D4E0-B74E-A18D-AE53AEBD67CD}" destId="{1850AAD1-4903-FE47-A71D-0B73E666CD99}" srcOrd="12" destOrd="0" presId="urn:microsoft.com/office/officeart/2005/8/layout/process5"/>
+    <dgm:cxn modelId="{063A4DBB-D75A-ED40-B0C7-C31F5B69AAC9}" type="presParOf" srcId="{CBF254FA-D4E0-B74E-A18D-AE53AEBD67CD}" destId="{D7CE2DAE-ABF0-9641-AE1A-0DB79AEBD84A}" srcOrd="13" destOrd="0" presId="urn:microsoft.com/office/officeart/2005/8/layout/process5"/>
+    <dgm:cxn modelId="{0AD1E0B4-C417-0647-9C40-7D0AFD2699D0}" type="presParOf" srcId="{D7CE2DAE-ABF0-9641-AE1A-0DB79AEBD84A}" destId="{DC4C8257-9496-D04B-A26B-2200A3FFE3E7}" srcOrd="0" destOrd="0" presId="urn:microsoft.com/office/officeart/2005/8/layout/process5"/>
+    <dgm:cxn modelId="{345AAA4E-7EE1-C44D-B312-3D470151EE07}" type="presParOf" srcId="{CBF254FA-D4E0-B74E-A18D-AE53AEBD67CD}" destId="{0538887E-FF31-324E-B401-E87E44AFF0AA}" srcOrd="14" destOrd="0" presId="urn:microsoft.com/office/officeart/2005/8/layout/process5"/>
+    <dgm:cxn modelId="{274BBA1F-00C9-4243-B04B-070A035D8E9F}" type="presParOf" srcId="{CBF254FA-D4E0-B74E-A18D-AE53AEBD67CD}" destId="{92EB25B1-D4AE-754E-BD44-115E26D1FF80}" srcOrd="15" destOrd="0" presId="urn:microsoft.com/office/officeart/2005/8/layout/process5"/>
+    <dgm:cxn modelId="{3F5A20A5-5E14-734D-BDC8-243E9B365827}" type="presParOf" srcId="{92EB25B1-D4AE-754E-BD44-115E26D1FF80}" destId="{B4D2AADB-2320-D741-9683-970A9AF56C3E}" srcOrd="0" destOrd="0" presId="urn:microsoft.com/office/officeart/2005/8/layout/process5"/>
+    <dgm:cxn modelId="{9D22F929-339A-844D-9885-66AB1512A8AB}" type="presParOf" srcId="{CBF254FA-D4E0-B74E-A18D-AE53AEBD67CD}" destId="{C225C079-1737-3742-99A0-0A7B593214FB}" srcOrd="16" destOrd="0" presId="urn:microsoft.com/office/officeart/2005/8/layout/process5"/>
+    <dgm:cxn modelId="{8E9D851C-5056-C849-9EBF-A78085CCC5D8}" type="presParOf" srcId="{CBF254FA-D4E0-B74E-A18D-AE53AEBD67CD}" destId="{C8297064-9915-AB4E-A9CB-FFEA8FC197B9}" srcOrd="17" destOrd="0" presId="urn:microsoft.com/office/officeart/2005/8/layout/process5"/>
+    <dgm:cxn modelId="{94895D36-40FD-1046-B05E-C751DB16DF6D}" type="presParOf" srcId="{C8297064-9915-AB4E-A9CB-FFEA8FC197B9}" destId="{EDC8E22C-F874-6448-9DE8-54F7348385E0}" srcOrd="0" destOrd="0" presId="urn:microsoft.com/office/officeart/2005/8/layout/process5"/>
+    <dgm:cxn modelId="{AEDD76F6-F2A2-594E-A0EE-C6571AC46FF2}" type="presParOf" srcId="{CBF254FA-D4E0-B74E-A18D-AE53AEBD67CD}" destId="{098F0226-B690-1B45-B506-7C933BFB7998}" srcOrd="18" destOrd="0" presId="urn:microsoft.com/office/officeart/2005/8/layout/process5"/>
+  </dgm:cxnLst>
+  <dgm:bg/>
+  <dgm:whole/>
+  <dgm:extLst>
+    <a:ext uri="http://schemas.microsoft.com/office/drawing/2008/diagram">
+      <dsp:dataModelExt xmlns:dsp="http://schemas.microsoft.com/office/drawing/2008/diagram" relId="rId6" minVer="http://schemas.openxmlformats.org/drawingml/2006/diagram"/>
+    </a:ext>
+    <a:ext uri="{C62137D5-CB1D-491B-B009-E17868A290BF}">
+      <dgm14:recolorImg xmlns:dgm14="http://schemas.microsoft.com/office/drawing/2010/diagram" val="1"/>
+    </a:ext>
+  </dgm:extLst>
+</dgm:dataModel>
+</file>
+
+<file path=ppt/diagrams/drawing1.xml><?xml version="1.0" encoding="utf-8"?>
+<dsp:drawing xmlns:dgm="http://schemas.openxmlformats.org/drawingml/2006/diagram" xmlns:dsp="http://schemas.microsoft.com/office/drawing/2008/diagram" xmlns:a="http://schemas.openxmlformats.org/drawingml/2006/main">
+  <dsp:spTree>
+    <dsp:nvGrpSpPr>
+      <dsp:cNvPr id="0" name=""/>
+      <dsp:cNvGrpSpPr/>
+    </dsp:nvGrpSpPr>
+    <dsp:grpSpPr/>
+    <dsp:sp modelId="{B4D5E3D8-47D8-1A4C-9387-6DE60324DF6F}">
+      <dsp:nvSpPr>
+        <dsp:cNvPr id="0" name=""/>
+        <dsp:cNvSpPr/>
+      </dsp:nvSpPr>
+      <dsp:spPr>
+        <a:xfrm>
+          <a:off x="5175" y="487487"/>
+          <a:ext cx="2262701" cy="1357621"/>
+        </a:xfrm>
+        <a:prstGeom prst="roundRect">
+          <a:avLst>
+            <a:gd name="adj" fmla="val 10000"/>
+          </a:avLst>
+        </a:prstGeom>
+        <a:solidFill>
+          <a:schemeClr val="tx1">
+            <a:lumMod val="65000"/>
+            <a:lumOff val="35000"/>
+          </a:schemeClr>
+        </a:solidFill>
+        <a:ln w="25400" cap="flat" cmpd="sng" algn="ctr">
+          <a:solidFill>
+            <a:schemeClr val="lt1">
+              <a:hueOff val="0"/>
+              <a:satOff val="0"/>
+              <a:lumOff val="0"/>
+              <a:alphaOff val="0"/>
+            </a:schemeClr>
+          </a:solidFill>
+          <a:prstDash val="solid"/>
+        </a:ln>
+        <a:effectLst/>
+      </dsp:spPr>
+      <dsp:style>
+        <a:lnRef idx="2">
+          <a:scrgbClr r="0" g="0" b="0"/>
+        </a:lnRef>
+        <a:fillRef idx="1">
+          <a:scrgbClr r="0" g="0" b="0"/>
+        </a:fillRef>
+        <a:effectRef idx="0">
+          <a:scrgbClr r="0" g="0" b="0"/>
+        </a:effectRef>
+        <a:fontRef idx="minor">
+          <a:schemeClr val="lt1"/>
+        </a:fontRef>
+      </dsp:style>
+      <dsp:txBody>
+        <a:bodyPr spcFirstLastPara="0" vert="horz" wrap="square" lIns="64770" tIns="64770" rIns="64770" bIns="64770" numCol="1" spcCol="1270" anchor="t" anchorCtr="0">
+          <a:noAutofit/>
+        </a:bodyPr>
+        <a:lstStyle/>
+        <a:p>
+          <a:pPr marL="0" lvl="0" indent="0" algn="l" defTabSz="755650">
+            <a:lnSpc>
+              <a:spcPct val="90000"/>
+            </a:lnSpc>
+            <a:spcBef>
+              <a:spcPct val="0"/>
+            </a:spcBef>
+            <a:spcAft>
+              <a:spcPct val="35000"/>
+            </a:spcAft>
+            <a:buNone/>
+          </a:pPr>
+          <a:r>
+            <a:rPr lang="en-US" sz="1700" kern="1200" dirty="0"/>
+            <a:t>Scope</a:t>
+          </a:r>
+        </a:p>
+        <a:p>
+          <a:pPr marL="114300" lvl="1" indent="-114300" algn="l" defTabSz="577850">
+            <a:lnSpc>
+              <a:spcPct val="90000"/>
+            </a:lnSpc>
+            <a:spcBef>
+              <a:spcPct val="0"/>
+            </a:spcBef>
+            <a:spcAft>
+              <a:spcPct val="15000"/>
+            </a:spcAft>
+            <a:buChar char="•"/>
+          </a:pPr>
+          <a:r>
+            <a:rPr lang="en-US" sz="1300" kern="1200" dirty="0"/>
+            <a:t>Goals, Actions, Data, Analysis, Ethics</a:t>
+          </a:r>
+        </a:p>
+      </dsp:txBody>
+      <dsp:txXfrm>
+        <a:off x="44938" y="527250"/>
+        <a:ext cx="2183175" cy="1278095"/>
+      </dsp:txXfrm>
+    </dsp:sp>
+    <dsp:sp modelId="{A58869D2-B78E-DD40-ACB3-9F052F33CBCE}">
+      <dsp:nvSpPr>
+        <dsp:cNvPr id="0" name=""/>
+        <dsp:cNvSpPr/>
+      </dsp:nvSpPr>
+      <dsp:spPr>
+        <a:xfrm>
+          <a:off x="2466994" y="885723"/>
+          <a:ext cx="479692" cy="561150"/>
+        </a:xfrm>
+        <a:prstGeom prst="rightArrow">
+          <a:avLst>
+            <a:gd name="adj1" fmla="val 60000"/>
+            <a:gd name="adj2" fmla="val 50000"/>
+          </a:avLst>
+        </a:prstGeom>
+        <a:solidFill>
+          <a:schemeClr val="bg2"/>
+        </a:solidFill>
+        <a:ln>
+          <a:noFill/>
+        </a:ln>
+        <a:effectLst/>
+      </dsp:spPr>
+      <dsp:style>
+        <a:lnRef idx="0">
+          <a:scrgbClr r="0" g="0" b="0"/>
+        </a:lnRef>
+        <a:fillRef idx="1">
+          <a:scrgbClr r="0" g="0" b="0"/>
+        </a:fillRef>
+        <a:effectRef idx="0">
+          <a:scrgbClr r="0" g="0" b="0"/>
+        </a:effectRef>
+        <a:fontRef idx="minor">
+          <a:schemeClr val="lt1"/>
+        </a:fontRef>
+      </dsp:style>
+      <dsp:txBody>
+        <a:bodyPr spcFirstLastPara="0" vert="horz" wrap="square" lIns="0" tIns="0" rIns="0" bIns="0" numCol="1" spcCol="1270" anchor="ctr" anchorCtr="0">
+          <a:noAutofit/>
+        </a:bodyPr>
+        <a:lstStyle/>
+        <a:p>
+          <a:pPr marL="0" lvl="0" indent="0" algn="ctr" defTabSz="622300">
+            <a:lnSpc>
+              <a:spcPct val="90000"/>
+            </a:lnSpc>
+            <a:spcBef>
+              <a:spcPct val="0"/>
+            </a:spcBef>
+            <a:spcAft>
+              <a:spcPct val="35000"/>
+            </a:spcAft>
+            <a:buNone/>
+          </a:pPr>
+          <a:endParaRPr lang="en-US" sz="1400" kern="1200"/>
+        </a:p>
+      </dsp:txBody>
+      <dsp:txXfrm>
+        <a:off x="2466994" y="997953"/>
+        <a:ext cx="335784" cy="336690"/>
+      </dsp:txXfrm>
+    </dsp:sp>
+    <dsp:sp modelId="{C234DD4B-5CB7-E549-AD0E-83532D584FCF}">
+      <dsp:nvSpPr>
+        <dsp:cNvPr id="0" name=""/>
+        <dsp:cNvSpPr/>
+      </dsp:nvSpPr>
+      <dsp:spPr>
+        <a:xfrm>
+          <a:off x="3172957" y="487487"/>
+          <a:ext cx="2262701" cy="1357621"/>
+        </a:xfrm>
+        <a:prstGeom prst="roundRect">
+          <a:avLst>
+            <a:gd name="adj" fmla="val 10000"/>
+          </a:avLst>
+        </a:prstGeom>
+        <a:solidFill>
+          <a:schemeClr val="accent3">
+            <a:hueOff val="0"/>
+            <a:satOff val="0"/>
+            <a:lumOff val="0"/>
+            <a:alphaOff val="0"/>
+          </a:schemeClr>
+        </a:solidFill>
+        <a:ln w="25400" cap="flat" cmpd="sng" algn="ctr">
+          <a:solidFill>
+            <a:schemeClr val="lt1">
+              <a:hueOff val="0"/>
+              <a:satOff val="0"/>
+              <a:lumOff val="0"/>
+              <a:alphaOff val="0"/>
+            </a:schemeClr>
+          </a:solidFill>
+          <a:prstDash val="solid"/>
+        </a:ln>
+        <a:effectLst/>
+      </dsp:spPr>
+      <dsp:style>
+        <a:lnRef idx="2">
+          <a:scrgbClr r="0" g="0" b="0"/>
+        </a:lnRef>
+        <a:fillRef idx="1">
+          <a:scrgbClr r="0" g="0" b="0"/>
+        </a:fillRef>
+        <a:effectRef idx="0">
+          <a:scrgbClr r="0" g="0" b="0"/>
+        </a:effectRef>
+        <a:fontRef idx="minor">
+          <a:schemeClr val="lt1"/>
+        </a:fontRef>
+      </dsp:style>
+      <dsp:txBody>
+        <a:bodyPr spcFirstLastPara="0" vert="horz" wrap="square" lIns="64770" tIns="64770" rIns="64770" bIns="64770" numCol="1" spcCol="1270" anchor="t" anchorCtr="0">
+          <a:noAutofit/>
+        </a:bodyPr>
+        <a:lstStyle/>
+        <a:p>
+          <a:pPr marL="0" lvl="0" indent="0" algn="l" defTabSz="755650">
+            <a:lnSpc>
+              <a:spcPct val="90000"/>
+            </a:lnSpc>
+            <a:spcBef>
+              <a:spcPct val="0"/>
+            </a:spcBef>
+            <a:spcAft>
+              <a:spcPct val="35000"/>
+            </a:spcAft>
+            <a:buNone/>
+          </a:pPr>
+          <a:r>
+            <a:rPr lang="en-US" sz="1700" kern="1200" dirty="0"/>
+            <a:t>Data</a:t>
+          </a:r>
+        </a:p>
+        <a:p>
+          <a:pPr marL="114300" lvl="1" indent="-114300" algn="l" defTabSz="577850">
+            <a:lnSpc>
+              <a:spcPct val="90000"/>
+            </a:lnSpc>
+            <a:spcBef>
+              <a:spcPct val="0"/>
+            </a:spcBef>
+            <a:spcAft>
+              <a:spcPct val="15000"/>
+            </a:spcAft>
+            <a:buChar char="•"/>
+          </a:pPr>
+          <a:r>
+            <a:rPr lang="en-US" sz="1300" kern="1200" dirty="0"/>
+            <a:t>Get Data</a:t>
+          </a:r>
+        </a:p>
+        <a:p>
+          <a:pPr marL="114300" lvl="1" indent="-114300" algn="l" defTabSz="577850">
+            <a:lnSpc>
+              <a:spcPct val="90000"/>
+            </a:lnSpc>
+            <a:spcBef>
+              <a:spcPct val="0"/>
+            </a:spcBef>
+            <a:spcAft>
+              <a:spcPct val="15000"/>
+            </a:spcAft>
+            <a:buChar char="•"/>
+          </a:pPr>
+          <a:r>
+            <a:rPr lang="en-US" sz="1300" kern="1200" dirty="0"/>
+            <a:t>Store Data</a:t>
+          </a:r>
+        </a:p>
+        <a:p>
+          <a:pPr marL="114300" lvl="1" indent="-114300" algn="l" defTabSz="577850">
+            <a:lnSpc>
+              <a:spcPct val="90000"/>
+            </a:lnSpc>
+            <a:spcBef>
+              <a:spcPct val="0"/>
+            </a:spcBef>
+            <a:spcAft>
+              <a:spcPct val="15000"/>
+            </a:spcAft>
+            <a:buChar char="•"/>
+          </a:pPr>
+          <a:r>
+            <a:rPr lang="en-US" sz="1300" kern="1200" dirty="0"/>
+            <a:t>Link Data</a:t>
+          </a:r>
+        </a:p>
+      </dsp:txBody>
+      <dsp:txXfrm>
+        <a:off x="3212720" y="527250"/>
+        <a:ext cx="2183175" cy="1278095"/>
+      </dsp:txXfrm>
+    </dsp:sp>
+    <dsp:sp modelId="{16C02E65-2210-C24E-8692-38A2A70EC148}">
+      <dsp:nvSpPr>
+        <dsp:cNvPr id="0" name=""/>
+        <dsp:cNvSpPr/>
+      </dsp:nvSpPr>
+      <dsp:spPr>
+        <a:xfrm>
+          <a:off x="5634777" y="885723"/>
+          <a:ext cx="479692" cy="561150"/>
+        </a:xfrm>
+        <a:prstGeom prst="rightArrow">
+          <a:avLst>
+            <a:gd name="adj1" fmla="val 60000"/>
+            <a:gd name="adj2" fmla="val 50000"/>
+          </a:avLst>
+        </a:prstGeom>
+        <a:solidFill>
+          <a:schemeClr val="accent3">
+            <a:hueOff val="0"/>
+            <a:satOff val="0"/>
+            <a:lumOff val="0"/>
+            <a:alphaOff val="0"/>
+          </a:schemeClr>
+        </a:solidFill>
+        <a:ln>
+          <a:noFill/>
+        </a:ln>
+        <a:effectLst/>
+      </dsp:spPr>
+      <dsp:style>
+        <a:lnRef idx="0">
+          <a:scrgbClr r="0" g="0" b="0"/>
+        </a:lnRef>
+        <a:fillRef idx="1">
+          <a:scrgbClr r="0" g="0" b="0"/>
+        </a:fillRef>
+        <a:effectRef idx="0">
+          <a:scrgbClr r="0" g="0" b="0"/>
+        </a:effectRef>
+        <a:fontRef idx="minor">
+          <a:schemeClr val="lt1"/>
+        </a:fontRef>
+      </dsp:style>
+      <dsp:txBody>
+        <a:bodyPr spcFirstLastPara="0" vert="horz" wrap="square" lIns="0" tIns="0" rIns="0" bIns="0" numCol="1" spcCol="1270" anchor="ctr" anchorCtr="0">
+          <a:noAutofit/>
+        </a:bodyPr>
+        <a:lstStyle/>
+        <a:p>
+          <a:pPr marL="0" lvl="0" indent="0" algn="ctr" defTabSz="622300">
+            <a:lnSpc>
+              <a:spcPct val="90000"/>
+            </a:lnSpc>
+            <a:spcBef>
+              <a:spcPct val="0"/>
+            </a:spcBef>
+            <a:spcAft>
+              <a:spcPct val="35000"/>
+            </a:spcAft>
+            <a:buNone/>
+          </a:pPr>
+          <a:endParaRPr lang="en-US" sz="1400" kern="1200"/>
+        </a:p>
+      </dsp:txBody>
+      <dsp:txXfrm>
+        <a:off x="5634777" y="997953"/>
+        <a:ext cx="335784" cy="336690"/>
+      </dsp:txXfrm>
+    </dsp:sp>
+    <dsp:sp modelId="{FBF1C564-B2B8-4C41-BE63-B8171F8EB76E}">
+      <dsp:nvSpPr>
+        <dsp:cNvPr id="0" name=""/>
+        <dsp:cNvSpPr/>
+      </dsp:nvSpPr>
+      <dsp:spPr>
+        <a:xfrm>
+          <a:off x="6340740" y="487487"/>
+          <a:ext cx="2262701" cy="1357621"/>
+        </a:xfrm>
+        <a:prstGeom prst="roundRect">
+          <a:avLst>
+            <a:gd name="adj" fmla="val 10000"/>
+          </a:avLst>
+        </a:prstGeom>
+        <a:solidFill>
+          <a:schemeClr val="accent6">
+            <a:lumMod val="50000"/>
+          </a:schemeClr>
+        </a:solidFill>
+        <a:ln w="25400" cap="flat" cmpd="sng" algn="ctr">
+          <a:solidFill>
+            <a:schemeClr val="lt1">
+              <a:hueOff val="0"/>
+              <a:satOff val="0"/>
+              <a:lumOff val="0"/>
+              <a:alphaOff val="0"/>
+            </a:schemeClr>
+          </a:solidFill>
+          <a:prstDash val="solid"/>
+        </a:ln>
+        <a:effectLst/>
+      </dsp:spPr>
+      <dsp:style>
+        <a:lnRef idx="2">
+          <a:scrgbClr r="0" g="0" b="0"/>
+        </a:lnRef>
+        <a:fillRef idx="1">
+          <a:scrgbClr r="0" g="0" b="0"/>
+        </a:fillRef>
+        <a:effectRef idx="0">
+          <a:scrgbClr r="0" g="0" b="0"/>
+        </a:effectRef>
+        <a:fontRef idx="minor">
+          <a:schemeClr val="lt1"/>
+        </a:fontRef>
+      </dsp:style>
+      <dsp:txBody>
+        <a:bodyPr spcFirstLastPara="0" vert="horz" wrap="square" lIns="64770" tIns="64770" rIns="64770" bIns="64770" numCol="1" spcCol="1270" anchor="t" anchorCtr="0">
+          <a:noAutofit/>
+        </a:bodyPr>
+        <a:lstStyle/>
+        <a:p>
+          <a:pPr marL="0" lvl="0" indent="0" algn="l" defTabSz="755650">
+            <a:lnSpc>
+              <a:spcPct val="90000"/>
+            </a:lnSpc>
+            <a:spcBef>
+              <a:spcPct val="0"/>
+            </a:spcBef>
+            <a:spcAft>
+              <a:spcPct val="35000"/>
+            </a:spcAft>
+            <a:buNone/>
+          </a:pPr>
+          <a:r>
+            <a:rPr lang="en-US" sz="1700" kern="1200" dirty="0"/>
+            <a:t>Exploration</a:t>
+          </a:r>
+        </a:p>
+        <a:p>
+          <a:pPr marL="114300" lvl="1" indent="-114300" algn="l" defTabSz="577850">
+            <a:lnSpc>
+              <a:spcPct val="90000"/>
+            </a:lnSpc>
+            <a:spcBef>
+              <a:spcPct val="0"/>
+            </a:spcBef>
+            <a:spcAft>
+              <a:spcPct val="15000"/>
+            </a:spcAft>
+            <a:buChar char="•"/>
+          </a:pPr>
+          <a:r>
+            <a:rPr lang="en-US" sz="1300" kern="1200" dirty="0"/>
+            <a:t>Entities</a:t>
+          </a:r>
+        </a:p>
+        <a:p>
+          <a:pPr marL="114300" lvl="1" indent="-114300" algn="l" defTabSz="577850">
+            <a:lnSpc>
+              <a:spcPct val="90000"/>
+            </a:lnSpc>
+            <a:spcBef>
+              <a:spcPct val="0"/>
+            </a:spcBef>
+            <a:spcAft>
+              <a:spcPct val="15000"/>
+            </a:spcAft>
+            <a:buChar char="•"/>
+          </a:pPr>
+          <a:r>
+            <a:rPr lang="en-US" sz="1300" kern="1200" dirty="0"/>
+            <a:t>temporal</a:t>
+          </a:r>
+        </a:p>
+        <a:p>
+          <a:pPr marL="114300" lvl="1" indent="-114300" algn="l" defTabSz="577850">
+            <a:lnSpc>
+              <a:spcPct val="90000"/>
+            </a:lnSpc>
+            <a:spcBef>
+              <a:spcPct val="0"/>
+            </a:spcBef>
+            <a:spcAft>
+              <a:spcPct val="15000"/>
+            </a:spcAft>
+            <a:buChar char="•"/>
+          </a:pPr>
+          <a:r>
+            <a:rPr lang="en-US" sz="1300" kern="1200" dirty="0"/>
+            <a:t>Spatial</a:t>
+          </a:r>
+        </a:p>
+        <a:p>
+          <a:pPr marL="114300" lvl="1" indent="-114300" algn="l" defTabSz="577850">
+            <a:lnSpc>
+              <a:spcPct val="90000"/>
+            </a:lnSpc>
+            <a:spcBef>
+              <a:spcPct val="0"/>
+            </a:spcBef>
+            <a:spcAft>
+              <a:spcPct val="15000"/>
+            </a:spcAft>
+            <a:buChar char="•"/>
+          </a:pPr>
+          <a:r>
+            <a:rPr lang="en-US" sz="1300" kern="1200" dirty="0"/>
+            <a:t>…</a:t>
+          </a:r>
+        </a:p>
+      </dsp:txBody>
+      <dsp:txXfrm>
+        <a:off x="6380503" y="527250"/>
+        <a:ext cx="2183175" cy="1278095"/>
+      </dsp:txXfrm>
+    </dsp:sp>
+    <dsp:sp modelId="{680472FB-1DED-B043-9C18-8E9AFCBED6E9}">
+      <dsp:nvSpPr>
+        <dsp:cNvPr id="0" name=""/>
+        <dsp:cNvSpPr/>
+      </dsp:nvSpPr>
+      <dsp:spPr>
+        <a:xfrm>
+          <a:off x="8802559" y="885723"/>
+          <a:ext cx="479692" cy="561150"/>
+        </a:xfrm>
+        <a:prstGeom prst="rightArrow">
+          <a:avLst>
+            <a:gd name="adj1" fmla="val 60000"/>
+            <a:gd name="adj2" fmla="val 50000"/>
+          </a:avLst>
+        </a:prstGeom>
+        <a:solidFill>
+          <a:schemeClr val="accent6">
+            <a:lumMod val="50000"/>
+          </a:schemeClr>
+        </a:solidFill>
+        <a:ln>
+          <a:noFill/>
+        </a:ln>
+        <a:effectLst/>
+      </dsp:spPr>
+      <dsp:style>
+        <a:lnRef idx="0">
+          <a:scrgbClr r="0" g="0" b="0"/>
+        </a:lnRef>
+        <a:fillRef idx="1">
+          <a:scrgbClr r="0" g="0" b="0"/>
+        </a:fillRef>
+        <a:effectRef idx="0">
+          <a:scrgbClr r="0" g="0" b="0"/>
+        </a:effectRef>
+        <a:fontRef idx="minor">
+          <a:schemeClr val="lt1"/>
+        </a:fontRef>
+      </dsp:style>
+      <dsp:txBody>
+        <a:bodyPr spcFirstLastPara="0" vert="horz" wrap="square" lIns="0" tIns="0" rIns="0" bIns="0" numCol="1" spcCol="1270" anchor="ctr" anchorCtr="0">
+          <a:noAutofit/>
+        </a:bodyPr>
+        <a:lstStyle/>
+        <a:p>
+          <a:pPr marL="0" lvl="0" indent="0" algn="ctr" defTabSz="622300">
+            <a:lnSpc>
+              <a:spcPct val="90000"/>
+            </a:lnSpc>
+            <a:spcBef>
+              <a:spcPct val="0"/>
+            </a:spcBef>
+            <a:spcAft>
+              <a:spcPct val="35000"/>
+            </a:spcAft>
+            <a:buNone/>
+          </a:pPr>
+          <a:endParaRPr lang="en-US" sz="1400" kern="1200"/>
+        </a:p>
+      </dsp:txBody>
+      <dsp:txXfrm>
+        <a:off x="8802559" y="997953"/>
+        <a:ext cx="335784" cy="336690"/>
+      </dsp:txXfrm>
+    </dsp:sp>
+    <dsp:sp modelId="{CC8F3904-974E-2647-9B88-B6062079D1ED}">
+      <dsp:nvSpPr>
+        <dsp:cNvPr id="0" name=""/>
+        <dsp:cNvSpPr/>
+      </dsp:nvSpPr>
+      <dsp:spPr>
+        <a:xfrm>
+          <a:off x="9508522" y="487487"/>
+          <a:ext cx="2262701" cy="1357621"/>
+        </a:xfrm>
+        <a:prstGeom prst="roundRect">
+          <a:avLst>
+            <a:gd name="adj" fmla="val 10000"/>
+          </a:avLst>
+        </a:prstGeom>
+        <a:solidFill>
+          <a:schemeClr val="accent5">
+            <a:hueOff val="0"/>
+            <a:satOff val="0"/>
+            <a:lumOff val="0"/>
+            <a:alphaOff val="0"/>
+          </a:schemeClr>
+        </a:solidFill>
+        <a:ln w="25400" cap="flat" cmpd="sng" algn="ctr">
+          <a:solidFill>
+            <a:schemeClr val="lt1">
+              <a:hueOff val="0"/>
+              <a:satOff val="0"/>
+              <a:lumOff val="0"/>
+              <a:alphaOff val="0"/>
+            </a:schemeClr>
+          </a:solidFill>
+          <a:prstDash val="solid"/>
+        </a:ln>
+        <a:effectLst/>
+      </dsp:spPr>
+      <dsp:style>
+        <a:lnRef idx="2">
+          <a:scrgbClr r="0" g="0" b="0"/>
+        </a:lnRef>
+        <a:fillRef idx="1">
+          <a:scrgbClr r="0" g="0" b="0"/>
+        </a:fillRef>
+        <a:effectRef idx="0">
+          <a:scrgbClr r="0" g="0" b="0"/>
+        </a:effectRef>
+        <a:fontRef idx="minor">
+          <a:schemeClr val="lt1"/>
+        </a:fontRef>
+      </dsp:style>
+      <dsp:txBody>
+        <a:bodyPr spcFirstLastPara="0" vert="horz" wrap="square" lIns="64770" tIns="64770" rIns="64770" bIns="64770" numCol="1" spcCol="1270" anchor="t" anchorCtr="0">
+          <a:noAutofit/>
+        </a:bodyPr>
+        <a:lstStyle/>
+        <a:p>
+          <a:pPr marL="0" lvl="0" indent="0" algn="l" defTabSz="755650">
+            <a:lnSpc>
+              <a:spcPct val="90000"/>
+            </a:lnSpc>
+            <a:spcBef>
+              <a:spcPct val="0"/>
+            </a:spcBef>
+            <a:spcAft>
+              <a:spcPct val="35000"/>
+            </a:spcAft>
+            <a:buNone/>
+          </a:pPr>
+          <a:r>
+            <a:rPr lang="en-US" sz="1700" kern="1200" dirty="0"/>
+            <a:t>Modeling</a:t>
+          </a:r>
+        </a:p>
+        <a:p>
+          <a:pPr marL="114300" lvl="1" indent="-114300" algn="l" defTabSz="577850">
+            <a:lnSpc>
+              <a:spcPct val="90000"/>
+            </a:lnSpc>
+            <a:spcBef>
+              <a:spcPct val="0"/>
+            </a:spcBef>
+            <a:spcAft>
+              <a:spcPct val="15000"/>
+            </a:spcAft>
+            <a:buChar char="•"/>
+          </a:pPr>
+          <a:r>
+            <a:rPr lang="en-US" sz="1300" kern="1200" dirty="0"/>
+            <a:t>Rows</a:t>
+          </a:r>
+        </a:p>
+        <a:p>
+          <a:pPr marL="114300" lvl="1" indent="-114300" algn="l" defTabSz="577850">
+            <a:lnSpc>
+              <a:spcPct val="90000"/>
+            </a:lnSpc>
+            <a:spcBef>
+              <a:spcPct val="0"/>
+            </a:spcBef>
+            <a:spcAft>
+              <a:spcPct val="15000"/>
+            </a:spcAft>
+            <a:buChar char="•"/>
+          </a:pPr>
+          <a:r>
+            <a:rPr lang="en-US" sz="1300" kern="1200" dirty="0"/>
+            <a:t>Labels</a:t>
+          </a:r>
+        </a:p>
+        <a:p>
+          <a:pPr marL="114300" lvl="1" indent="-114300" algn="l" defTabSz="577850">
+            <a:lnSpc>
+              <a:spcPct val="90000"/>
+            </a:lnSpc>
+            <a:spcBef>
+              <a:spcPct val="0"/>
+            </a:spcBef>
+            <a:spcAft>
+              <a:spcPct val="15000"/>
+            </a:spcAft>
+            <a:buChar char="•"/>
+          </a:pPr>
+          <a:r>
+            <a:rPr lang="en-US" sz="1300" kern="1200" dirty="0"/>
+            <a:t>Features</a:t>
+          </a:r>
+        </a:p>
+        <a:p>
+          <a:pPr marL="114300" lvl="1" indent="-114300" algn="l" defTabSz="577850">
+            <a:lnSpc>
+              <a:spcPct val="90000"/>
+            </a:lnSpc>
+            <a:spcBef>
+              <a:spcPct val="0"/>
+            </a:spcBef>
+            <a:spcAft>
+              <a:spcPct val="15000"/>
+            </a:spcAft>
+            <a:buChar char="•"/>
+          </a:pPr>
+          <a:r>
+            <a:rPr lang="en-US" sz="1300" kern="1200" dirty="0"/>
+            <a:t>Models</a:t>
+          </a:r>
+        </a:p>
+      </dsp:txBody>
+      <dsp:txXfrm>
+        <a:off x="9548285" y="527250"/>
+        <a:ext cx="2183175" cy="1278095"/>
+      </dsp:txXfrm>
+    </dsp:sp>
+    <dsp:sp modelId="{5383FDA3-64FA-604A-8CAF-995772572DB0}">
+      <dsp:nvSpPr>
+        <dsp:cNvPr id="0" name=""/>
+        <dsp:cNvSpPr/>
+      </dsp:nvSpPr>
+      <dsp:spPr>
+        <a:xfrm rot="5400000">
+          <a:off x="10400027" y="2003497"/>
+          <a:ext cx="479692" cy="561150"/>
+        </a:xfrm>
+        <a:prstGeom prst="rightArrow">
+          <a:avLst>
+            <a:gd name="adj1" fmla="val 60000"/>
+            <a:gd name="adj2" fmla="val 50000"/>
+          </a:avLst>
+        </a:prstGeom>
+        <a:solidFill>
+          <a:schemeClr val="accent5">
+            <a:hueOff val="0"/>
+            <a:satOff val="0"/>
+            <a:lumOff val="0"/>
+            <a:alphaOff val="0"/>
+          </a:schemeClr>
+        </a:solidFill>
+        <a:ln>
+          <a:noFill/>
+        </a:ln>
+        <a:effectLst/>
+      </dsp:spPr>
+      <dsp:style>
+        <a:lnRef idx="0">
+          <a:scrgbClr r="0" g="0" b="0"/>
+        </a:lnRef>
+        <a:fillRef idx="1">
+          <a:scrgbClr r="0" g="0" b="0"/>
+        </a:fillRef>
+        <a:effectRef idx="0">
+          <a:scrgbClr r="0" g="0" b="0"/>
+        </a:effectRef>
+        <a:fontRef idx="minor">
+          <a:schemeClr val="lt1"/>
+        </a:fontRef>
+      </dsp:style>
+      <dsp:txBody>
+        <a:bodyPr spcFirstLastPara="0" vert="horz" wrap="square" lIns="0" tIns="0" rIns="0" bIns="0" numCol="1" spcCol="1270" anchor="ctr" anchorCtr="0">
+          <a:noAutofit/>
+        </a:bodyPr>
+        <a:lstStyle/>
+        <a:p>
+          <a:pPr marL="0" lvl="0" indent="0" algn="ctr" defTabSz="622300">
+            <a:lnSpc>
+              <a:spcPct val="90000"/>
+            </a:lnSpc>
+            <a:spcBef>
+              <a:spcPct val="0"/>
+            </a:spcBef>
+            <a:spcAft>
+              <a:spcPct val="35000"/>
+            </a:spcAft>
+            <a:buNone/>
+          </a:pPr>
+          <a:endParaRPr lang="en-US" sz="1400" kern="1200"/>
+        </a:p>
+      </dsp:txBody>
+      <dsp:txXfrm rot="-5400000">
+        <a:off x="10471528" y="2044226"/>
+        <a:ext cx="336690" cy="335784"/>
+      </dsp:txXfrm>
+    </dsp:sp>
+    <dsp:sp modelId="{F11F753D-D453-BC4F-BACE-C4F8A11ECEA5}">
+      <dsp:nvSpPr>
+        <dsp:cNvPr id="0" name=""/>
+        <dsp:cNvSpPr/>
+      </dsp:nvSpPr>
+      <dsp:spPr>
+        <a:xfrm>
+          <a:off x="9508522" y="2750189"/>
+          <a:ext cx="2262701" cy="1357621"/>
+        </a:xfrm>
+        <a:prstGeom prst="roundRect">
+          <a:avLst>
+            <a:gd name="adj" fmla="val 10000"/>
+          </a:avLst>
+        </a:prstGeom>
+        <a:solidFill>
+          <a:srgbClr val="00B0F0"/>
+        </a:solidFill>
+        <a:ln w="25400" cap="flat" cmpd="sng" algn="ctr">
+          <a:solidFill>
+            <a:schemeClr val="lt1">
+              <a:hueOff val="0"/>
+              <a:satOff val="0"/>
+              <a:lumOff val="0"/>
+              <a:alphaOff val="0"/>
+            </a:schemeClr>
+          </a:solidFill>
+          <a:prstDash val="solid"/>
+        </a:ln>
+        <a:effectLst/>
+      </dsp:spPr>
+      <dsp:style>
+        <a:lnRef idx="2">
+          <a:scrgbClr r="0" g="0" b="0"/>
+        </a:lnRef>
+        <a:fillRef idx="1">
+          <a:scrgbClr r="0" g="0" b="0"/>
+        </a:fillRef>
+        <a:effectRef idx="0">
+          <a:scrgbClr r="0" g="0" b="0"/>
+        </a:effectRef>
+        <a:fontRef idx="minor">
+          <a:schemeClr val="lt1"/>
+        </a:fontRef>
+      </dsp:style>
+      <dsp:txBody>
+        <a:bodyPr spcFirstLastPara="0" vert="horz" wrap="square" lIns="64770" tIns="64770" rIns="64770" bIns="64770" numCol="1" spcCol="1270" anchor="t" anchorCtr="0">
+          <a:noAutofit/>
+        </a:bodyPr>
+        <a:lstStyle/>
+        <a:p>
+          <a:pPr marL="0" lvl="0" indent="0" algn="l" defTabSz="755650">
+            <a:lnSpc>
+              <a:spcPct val="90000"/>
+            </a:lnSpc>
+            <a:spcBef>
+              <a:spcPct val="0"/>
+            </a:spcBef>
+            <a:spcAft>
+              <a:spcPct val="35000"/>
+            </a:spcAft>
+            <a:buNone/>
+          </a:pPr>
+          <a:r>
+            <a:rPr lang="en-US" sz="1700" kern="1200" dirty="0"/>
+            <a:t>Model Selection</a:t>
+          </a:r>
+        </a:p>
+        <a:p>
+          <a:pPr marL="114300" lvl="1" indent="-114300" algn="l" defTabSz="577850">
+            <a:lnSpc>
+              <a:spcPct val="90000"/>
+            </a:lnSpc>
+            <a:spcBef>
+              <a:spcPct val="0"/>
+            </a:spcBef>
+            <a:spcAft>
+              <a:spcPct val="15000"/>
+            </a:spcAft>
+            <a:buChar char="•"/>
+          </a:pPr>
+          <a:r>
+            <a:rPr lang="en-US" sz="1300" kern="1200" dirty="0"/>
+            <a:t>Train-Test Splits</a:t>
+          </a:r>
+        </a:p>
+        <a:p>
+          <a:pPr marL="114300" lvl="1" indent="-114300" algn="l" defTabSz="577850">
+            <a:lnSpc>
+              <a:spcPct val="90000"/>
+            </a:lnSpc>
+            <a:spcBef>
+              <a:spcPct val="0"/>
+            </a:spcBef>
+            <a:spcAft>
+              <a:spcPct val="15000"/>
+            </a:spcAft>
+            <a:buChar char="•"/>
+          </a:pPr>
+          <a:r>
+            <a:rPr lang="en-US" sz="1300" kern="1200" dirty="0"/>
+            <a:t>Performance Metrics</a:t>
+          </a:r>
+        </a:p>
+      </dsp:txBody>
+      <dsp:txXfrm>
+        <a:off x="9548285" y="2789952"/>
+        <a:ext cx="2183175" cy="1278095"/>
+      </dsp:txXfrm>
+    </dsp:sp>
+    <dsp:sp modelId="{F8E19199-589F-1946-8222-73EA4584121E}">
+      <dsp:nvSpPr>
+        <dsp:cNvPr id="0" name=""/>
+        <dsp:cNvSpPr/>
+      </dsp:nvSpPr>
+      <dsp:spPr>
+        <a:xfrm rot="10800000">
+          <a:off x="8829712" y="3148424"/>
+          <a:ext cx="479692" cy="561150"/>
+        </a:xfrm>
+        <a:prstGeom prst="rightArrow">
+          <a:avLst>
+            <a:gd name="adj1" fmla="val 60000"/>
+            <a:gd name="adj2" fmla="val 50000"/>
+          </a:avLst>
+        </a:prstGeom>
+        <a:solidFill>
+          <a:srgbClr val="00B0F0"/>
+        </a:solidFill>
+        <a:ln>
+          <a:noFill/>
+        </a:ln>
+        <a:effectLst/>
+      </dsp:spPr>
+      <dsp:style>
+        <a:lnRef idx="0">
+          <a:scrgbClr r="0" g="0" b="0"/>
+        </a:lnRef>
+        <a:fillRef idx="1">
+          <a:scrgbClr r="0" g="0" b="0"/>
+        </a:fillRef>
+        <a:effectRef idx="0">
+          <a:scrgbClr r="0" g="0" b="0"/>
+        </a:effectRef>
+        <a:fontRef idx="minor">
+          <a:schemeClr val="lt1"/>
+        </a:fontRef>
+      </dsp:style>
+      <dsp:txBody>
+        <a:bodyPr spcFirstLastPara="0" vert="horz" wrap="square" lIns="0" tIns="0" rIns="0" bIns="0" numCol="1" spcCol="1270" anchor="ctr" anchorCtr="0">
+          <a:noAutofit/>
+        </a:bodyPr>
+        <a:lstStyle/>
+        <a:p>
+          <a:pPr marL="0" lvl="0" indent="0" algn="ctr" defTabSz="622300">
+            <a:lnSpc>
+              <a:spcPct val="90000"/>
+            </a:lnSpc>
+            <a:spcBef>
+              <a:spcPct val="0"/>
+            </a:spcBef>
+            <a:spcAft>
+              <a:spcPct val="35000"/>
+            </a:spcAft>
+            <a:buNone/>
+          </a:pPr>
+          <a:endParaRPr lang="en-US" sz="1400" kern="1200"/>
+        </a:p>
+      </dsp:txBody>
+      <dsp:txXfrm rot="10800000">
+        <a:off x="8973620" y="3260654"/>
+        <a:ext cx="335784" cy="336690"/>
+      </dsp:txXfrm>
+    </dsp:sp>
+    <dsp:sp modelId="{529FCC09-4687-E147-80E8-2EB7609DC9CF}">
+      <dsp:nvSpPr>
+        <dsp:cNvPr id="0" name=""/>
+        <dsp:cNvSpPr/>
+      </dsp:nvSpPr>
+      <dsp:spPr>
+        <a:xfrm>
+          <a:off x="6340740" y="2750189"/>
+          <a:ext cx="2262701" cy="1357621"/>
+        </a:xfrm>
+        <a:prstGeom prst="roundRect">
+          <a:avLst>
+            <a:gd name="adj" fmla="val 10000"/>
+          </a:avLst>
+        </a:prstGeom>
+        <a:solidFill>
+          <a:schemeClr val="tx1">
+            <a:lumMod val="65000"/>
+            <a:lumOff val="35000"/>
+          </a:schemeClr>
+        </a:solidFill>
+        <a:ln w="25400" cap="flat" cmpd="sng" algn="ctr">
+          <a:solidFill>
+            <a:schemeClr val="lt1">
+              <a:hueOff val="0"/>
+              <a:satOff val="0"/>
+              <a:lumOff val="0"/>
+              <a:alphaOff val="0"/>
+            </a:schemeClr>
+          </a:solidFill>
+          <a:prstDash val="solid"/>
+        </a:ln>
+        <a:effectLst/>
+      </dsp:spPr>
+      <dsp:style>
+        <a:lnRef idx="2">
+          <a:scrgbClr r="0" g="0" b="0"/>
+        </a:lnRef>
+        <a:fillRef idx="1">
+          <a:scrgbClr r="0" g="0" b="0"/>
+        </a:fillRef>
+        <a:effectRef idx="0">
+          <a:scrgbClr r="0" g="0" b="0"/>
+        </a:effectRef>
+        <a:fontRef idx="minor">
+          <a:schemeClr val="lt1"/>
+        </a:fontRef>
+      </dsp:style>
+      <dsp:txBody>
+        <a:bodyPr spcFirstLastPara="0" vert="horz" wrap="square" lIns="64770" tIns="64770" rIns="64770" bIns="64770" numCol="1" spcCol="1270" anchor="ctr" anchorCtr="0">
+          <a:noAutofit/>
+        </a:bodyPr>
+        <a:lstStyle/>
+        <a:p>
+          <a:pPr marL="0" lvl="0" indent="0" algn="ctr" defTabSz="755650">
+            <a:lnSpc>
+              <a:spcPct val="90000"/>
+            </a:lnSpc>
+            <a:spcBef>
+              <a:spcPct val="0"/>
+            </a:spcBef>
+            <a:spcAft>
+              <a:spcPct val="35000"/>
+            </a:spcAft>
+            <a:buNone/>
+          </a:pPr>
+          <a:r>
+            <a:rPr lang="en-US" sz="1700" kern="1200" dirty="0"/>
+            <a:t>Model Interpretation</a:t>
+          </a:r>
+        </a:p>
+      </dsp:txBody>
+      <dsp:txXfrm>
+        <a:off x="6380503" y="2789952"/>
+        <a:ext cx="2183175" cy="1278095"/>
+      </dsp:txXfrm>
+    </dsp:sp>
+    <dsp:sp modelId="{5381123D-2C93-3241-8E06-B77D04CAE8EC}">
+      <dsp:nvSpPr>
+        <dsp:cNvPr id="0" name=""/>
+        <dsp:cNvSpPr/>
+      </dsp:nvSpPr>
+      <dsp:spPr>
+        <a:xfrm rot="10800000">
+          <a:off x="5661929" y="3148424"/>
+          <a:ext cx="479692" cy="561150"/>
+        </a:xfrm>
+        <a:prstGeom prst="rightArrow">
+          <a:avLst>
+            <a:gd name="adj1" fmla="val 60000"/>
+            <a:gd name="adj2" fmla="val 50000"/>
+          </a:avLst>
+        </a:prstGeom>
+        <a:solidFill>
+          <a:schemeClr val="bg2"/>
+        </a:solidFill>
+        <a:ln>
+          <a:noFill/>
+        </a:ln>
+        <a:effectLst/>
+      </dsp:spPr>
+      <dsp:style>
+        <a:lnRef idx="0">
+          <a:scrgbClr r="0" g="0" b="0"/>
+        </a:lnRef>
+        <a:fillRef idx="1">
+          <a:scrgbClr r="0" g="0" b="0"/>
+        </a:fillRef>
+        <a:effectRef idx="0">
+          <a:scrgbClr r="0" g="0" b="0"/>
+        </a:effectRef>
+        <a:fontRef idx="minor">
+          <a:schemeClr val="lt1"/>
+        </a:fontRef>
+      </dsp:style>
+      <dsp:txBody>
+        <a:bodyPr spcFirstLastPara="0" vert="horz" wrap="square" lIns="0" tIns="0" rIns="0" bIns="0" numCol="1" spcCol="1270" anchor="ctr" anchorCtr="0">
+          <a:noAutofit/>
+        </a:bodyPr>
+        <a:lstStyle/>
+        <a:p>
+          <a:pPr marL="0" lvl="0" indent="0" algn="ctr" defTabSz="622300">
+            <a:lnSpc>
+              <a:spcPct val="90000"/>
+            </a:lnSpc>
+            <a:spcBef>
+              <a:spcPct val="0"/>
+            </a:spcBef>
+            <a:spcAft>
+              <a:spcPct val="35000"/>
+            </a:spcAft>
+            <a:buNone/>
+          </a:pPr>
+          <a:endParaRPr lang="en-US" sz="1400" kern="1200"/>
+        </a:p>
+      </dsp:txBody>
+      <dsp:txXfrm rot="10800000">
+        <a:off x="5805837" y="3260654"/>
+        <a:ext cx="335784" cy="336690"/>
+      </dsp:txXfrm>
+    </dsp:sp>
+    <dsp:sp modelId="{1850AAD1-4903-FE47-A71D-0B73E666CD99}">
+      <dsp:nvSpPr>
+        <dsp:cNvPr id="0" name=""/>
+        <dsp:cNvSpPr/>
+      </dsp:nvSpPr>
+      <dsp:spPr>
+        <a:xfrm>
+          <a:off x="3172957" y="2750189"/>
+          <a:ext cx="2262701" cy="1357621"/>
+        </a:xfrm>
+        <a:prstGeom prst="roundRect">
+          <a:avLst>
+            <a:gd name="adj" fmla="val 10000"/>
+          </a:avLst>
+        </a:prstGeom>
+        <a:solidFill>
+          <a:schemeClr val="accent3">
+            <a:hueOff val="0"/>
+            <a:satOff val="0"/>
+            <a:lumOff val="0"/>
+            <a:alphaOff val="0"/>
+          </a:schemeClr>
+        </a:solidFill>
+        <a:ln w="25400" cap="flat" cmpd="sng" algn="ctr">
+          <a:solidFill>
+            <a:schemeClr val="lt1">
+              <a:hueOff val="0"/>
+              <a:satOff val="0"/>
+              <a:lumOff val="0"/>
+              <a:alphaOff val="0"/>
+            </a:schemeClr>
+          </a:solidFill>
+          <a:prstDash val="solid"/>
+        </a:ln>
+        <a:effectLst/>
+      </dsp:spPr>
+      <dsp:style>
+        <a:lnRef idx="2">
+          <a:scrgbClr r="0" g="0" b="0"/>
+        </a:lnRef>
+        <a:fillRef idx="1">
+          <a:scrgbClr r="0" g="0" b="0"/>
+        </a:fillRef>
+        <a:effectRef idx="0">
+          <a:scrgbClr r="0" g="0" b="0"/>
+        </a:effectRef>
+        <a:fontRef idx="minor">
+          <a:schemeClr val="lt1"/>
+        </a:fontRef>
+      </dsp:style>
+      <dsp:txBody>
+        <a:bodyPr spcFirstLastPara="0" vert="horz" wrap="square" lIns="64770" tIns="64770" rIns="64770" bIns="64770" numCol="1" spcCol="1270" anchor="ctr" anchorCtr="0">
+          <a:noAutofit/>
+        </a:bodyPr>
+        <a:lstStyle/>
+        <a:p>
+          <a:pPr marL="0" lvl="0" indent="0" algn="ctr" defTabSz="755650">
+            <a:lnSpc>
+              <a:spcPct val="90000"/>
+            </a:lnSpc>
+            <a:spcBef>
+              <a:spcPct val="0"/>
+            </a:spcBef>
+            <a:spcAft>
+              <a:spcPct val="35000"/>
+            </a:spcAft>
+            <a:buNone/>
+          </a:pPr>
+          <a:r>
+            <a:rPr lang="en-US" sz="1700" kern="1200" dirty="0"/>
+            <a:t>Dealing with Bias and Fairness</a:t>
+          </a:r>
+        </a:p>
+      </dsp:txBody>
+      <dsp:txXfrm>
+        <a:off x="3212720" y="2789952"/>
+        <a:ext cx="2183175" cy="1278095"/>
+      </dsp:txXfrm>
+    </dsp:sp>
+    <dsp:sp modelId="{D7CE2DAE-ABF0-9641-AE1A-0DB79AEBD84A}">
+      <dsp:nvSpPr>
+        <dsp:cNvPr id="0" name=""/>
+        <dsp:cNvSpPr/>
+      </dsp:nvSpPr>
+      <dsp:spPr>
+        <a:xfrm rot="10800000">
+          <a:off x="2494147" y="3148424"/>
+          <a:ext cx="479692" cy="561150"/>
+        </a:xfrm>
+        <a:prstGeom prst="rightArrow">
+          <a:avLst>
+            <a:gd name="adj1" fmla="val 60000"/>
+            <a:gd name="adj2" fmla="val 50000"/>
+          </a:avLst>
+        </a:prstGeom>
+        <a:solidFill>
+          <a:schemeClr val="accent3">
+            <a:hueOff val="0"/>
+            <a:satOff val="0"/>
+            <a:lumOff val="0"/>
+            <a:alphaOff val="0"/>
+          </a:schemeClr>
+        </a:solidFill>
+        <a:ln>
+          <a:noFill/>
+        </a:ln>
+        <a:effectLst/>
+      </dsp:spPr>
+      <dsp:style>
+        <a:lnRef idx="0">
+          <a:scrgbClr r="0" g="0" b="0"/>
+        </a:lnRef>
+        <a:fillRef idx="1">
+          <a:scrgbClr r="0" g="0" b="0"/>
+        </a:fillRef>
+        <a:effectRef idx="0">
+          <a:scrgbClr r="0" g="0" b="0"/>
+        </a:effectRef>
+        <a:fontRef idx="minor">
+          <a:schemeClr val="lt1"/>
+        </a:fontRef>
+      </dsp:style>
+      <dsp:txBody>
+        <a:bodyPr spcFirstLastPara="0" vert="horz" wrap="square" lIns="0" tIns="0" rIns="0" bIns="0" numCol="1" spcCol="1270" anchor="ctr" anchorCtr="0">
+          <a:noAutofit/>
+        </a:bodyPr>
+        <a:lstStyle/>
+        <a:p>
+          <a:pPr marL="0" lvl="0" indent="0" algn="ctr" defTabSz="622300">
+            <a:lnSpc>
+              <a:spcPct val="90000"/>
+            </a:lnSpc>
+            <a:spcBef>
+              <a:spcPct val="0"/>
+            </a:spcBef>
+            <a:spcAft>
+              <a:spcPct val="35000"/>
+            </a:spcAft>
+            <a:buNone/>
+          </a:pPr>
+          <a:endParaRPr lang="en-US" sz="1400" kern="1200"/>
+        </a:p>
+      </dsp:txBody>
+      <dsp:txXfrm rot="10800000">
+        <a:off x="2638055" y="3260654"/>
+        <a:ext cx="335784" cy="336690"/>
+      </dsp:txXfrm>
+    </dsp:sp>
+    <dsp:sp modelId="{0538887E-FF31-324E-B401-E87E44AFF0AA}">
+      <dsp:nvSpPr>
+        <dsp:cNvPr id="0" name=""/>
+        <dsp:cNvSpPr/>
+      </dsp:nvSpPr>
+      <dsp:spPr>
+        <a:xfrm>
+          <a:off x="5175" y="2750189"/>
+          <a:ext cx="2262701" cy="1357621"/>
+        </a:xfrm>
+        <a:prstGeom prst="roundRect">
+          <a:avLst>
+            <a:gd name="adj" fmla="val 10000"/>
+          </a:avLst>
+        </a:prstGeom>
+        <a:solidFill>
+          <a:schemeClr val="accent6">
+            <a:lumMod val="50000"/>
+          </a:schemeClr>
+        </a:solidFill>
+        <a:ln w="25400" cap="flat" cmpd="sng" algn="ctr">
+          <a:solidFill>
+            <a:schemeClr val="lt1">
+              <a:hueOff val="0"/>
+              <a:satOff val="0"/>
+              <a:lumOff val="0"/>
+              <a:alphaOff val="0"/>
+            </a:schemeClr>
+          </a:solidFill>
+          <a:prstDash val="solid"/>
+        </a:ln>
+        <a:effectLst/>
+      </dsp:spPr>
+      <dsp:style>
+        <a:lnRef idx="2">
+          <a:scrgbClr r="0" g="0" b="0"/>
+        </a:lnRef>
+        <a:fillRef idx="1">
+          <a:scrgbClr r="0" g="0" b="0"/>
+        </a:fillRef>
+        <a:effectRef idx="0">
+          <a:scrgbClr r="0" g="0" b="0"/>
+        </a:effectRef>
+        <a:fontRef idx="minor">
+          <a:schemeClr val="lt1"/>
+        </a:fontRef>
+      </dsp:style>
+      <dsp:txBody>
+        <a:bodyPr spcFirstLastPara="0" vert="horz" wrap="square" lIns="64770" tIns="64770" rIns="64770" bIns="64770" numCol="1" spcCol="1270" anchor="ctr" anchorCtr="0">
+          <a:noAutofit/>
+        </a:bodyPr>
+        <a:lstStyle/>
+        <a:p>
+          <a:pPr marL="0" lvl="0" indent="0" algn="ctr" defTabSz="755650">
+            <a:lnSpc>
+              <a:spcPct val="90000"/>
+            </a:lnSpc>
+            <a:spcBef>
+              <a:spcPct val="0"/>
+            </a:spcBef>
+            <a:spcAft>
+              <a:spcPct val="35000"/>
+            </a:spcAft>
+            <a:buNone/>
+          </a:pPr>
+          <a:r>
+            <a:rPr lang="en-US" sz="1700" kern="1200" dirty="0"/>
+            <a:t>Field Trial Design</a:t>
+          </a:r>
+        </a:p>
+      </dsp:txBody>
+      <dsp:txXfrm>
+        <a:off x="44938" y="2789952"/>
+        <a:ext cx="2183175" cy="1278095"/>
+      </dsp:txXfrm>
+    </dsp:sp>
+    <dsp:sp modelId="{92EB25B1-D4AE-754E-BD44-115E26D1FF80}">
+      <dsp:nvSpPr>
+        <dsp:cNvPr id="0" name=""/>
+        <dsp:cNvSpPr/>
+      </dsp:nvSpPr>
+      <dsp:spPr>
+        <a:xfrm rot="5400000">
+          <a:off x="896679" y="4266199"/>
+          <a:ext cx="479692" cy="561150"/>
+        </a:xfrm>
+        <a:prstGeom prst="rightArrow">
+          <a:avLst>
+            <a:gd name="adj1" fmla="val 60000"/>
+            <a:gd name="adj2" fmla="val 50000"/>
+          </a:avLst>
+        </a:prstGeom>
+        <a:solidFill>
+          <a:schemeClr val="accent6">
+            <a:lumMod val="50000"/>
+          </a:schemeClr>
+        </a:solidFill>
+        <a:ln>
+          <a:noFill/>
+        </a:ln>
+        <a:effectLst/>
+      </dsp:spPr>
+      <dsp:style>
+        <a:lnRef idx="0">
+          <a:scrgbClr r="0" g="0" b="0"/>
+        </a:lnRef>
+        <a:fillRef idx="1">
+          <a:scrgbClr r="0" g="0" b="0"/>
+        </a:fillRef>
+        <a:effectRef idx="0">
+          <a:scrgbClr r="0" g="0" b="0"/>
+        </a:effectRef>
+        <a:fontRef idx="minor">
+          <a:schemeClr val="lt1"/>
+        </a:fontRef>
+      </dsp:style>
+      <dsp:txBody>
+        <a:bodyPr spcFirstLastPara="0" vert="horz" wrap="square" lIns="0" tIns="0" rIns="0" bIns="0" numCol="1" spcCol="1270" anchor="ctr" anchorCtr="0">
+          <a:noAutofit/>
+        </a:bodyPr>
+        <a:lstStyle/>
+        <a:p>
+          <a:pPr marL="0" lvl="0" indent="0" algn="ctr" defTabSz="622300">
+            <a:lnSpc>
+              <a:spcPct val="90000"/>
+            </a:lnSpc>
+            <a:spcBef>
+              <a:spcPct val="0"/>
+            </a:spcBef>
+            <a:spcAft>
+              <a:spcPct val="35000"/>
+            </a:spcAft>
+            <a:buNone/>
+          </a:pPr>
+          <a:endParaRPr lang="en-US" sz="1400" kern="1200"/>
+        </a:p>
+      </dsp:txBody>
+      <dsp:txXfrm rot="-5400000">
+        <a:off x="968180" y="4306928"/>
+        <a:ext cx="336690" cy="335784"/>
+      </dsp:txXfrm>
+    </dsp:sp>
+    <dsp:sp modelId="{C225C079-1737-3742-99A0-0A7B593214FB}">
+      <dsp:nvSpPr>
+        <dsp:cNvPr id="0" name=""/>
+        <dsp:cNvSpPr/>
+      </dsp:nvSpPr>
+      <dsp:spPr>
+        <a:xfrm>
+          <a:off x="5175" y="5012891"/>
+          <a:ext cx="2262701" cy="1357621"/>
+        </a:xfrm>
+        <a:prstGeom prst="roundRect">
+          <a:avLst>
+            <a:gd name="adj" fmla="val 10000"/>
+          </a:avLst>
+        </a:prstGeom>
+        <a:solidFill>
+          <a:schemeClr val="accent5">
+            <a:hueOff val="0"/>
+            <a:satOff val="0"/>
+            <a:lumOff val="0"/>
+            <a:alphaOff val="0"/>
+          </a:schemeClr>
+        </a:solidFill>
+        <a:ln w="25400" cap="flat" cmpd="sng" algn="ctr">
+          <a:solidFill>
+            <a:schemeClr val="lt1">
+              <a:hueOff val="0"/>
+              <a:satOff val="0"/>
+              <a:lumOff val="0"/>
+              <a:alphaOff val="0"/>
+            </a:schemeClr>
+          </a:solidFill>
+          <a:prstDash val="solid"/>
+        </a:ln>
+        <a:effectLst/>
+      </dsp:spPr>
+      <dsp:style>
+        <a:lnRef idx="2">
+          <a:scrgbClr r="0" g="0" b="0"/>
+        </a:lnRef>
+        <a:fillRef idx="1">
+          <a:scrgbClr r="0" g="0" b="0"/>
+        </a:fillRef>
+        <a:effectRef idx="0">
+          <a:scrgbClr r="0" g="0" b="0"/>
+        </a:effectRef>
+        <a:fontRef idx="minor">
+          <a:schemeClr val="lt1"/>
+        </a:fontRef>
+      </dsp:style>
+      <dsp:txBody>
+        <a:bodyPr spcFirstLastPara="0" vert="horz" wrap="square" lIns="64770" tIns="64770" rIns="64770" bIns="64770" numCol="1" spcCol="1270" anchor="ctr" anchorCtr="0">
+          <a:noAutofit/>
+        </a:bodyPr>
+        <a:lstStyle/>
+        <a:p>
+          <a:pPr marL="0" lvl="0" indent="0" algn="ctr" defTabSz="755650">
+            <a:lnSpc>
+              <a:spcPct val="90000"/>
+            </a:lnSpc>
+            <a:spcBef>
+              <a:spcPct val="0"/>
+            </a:spcBef>
+            <a:spcAft>
+              <a:spcPct val="35000"/>
+            </a:spcAft>
+            <a:buNone/>
+          </a:pPr>
+          <a:r>
+            <a:rPr lang="en-US" sz="1700" kern="1200" dirty="0"/>
+            <a:t>Deployment</a:t>
+          </a:r>
+        </a:p>
+      </dsp:txBody>
+      <dsp:txXfrm>
+        <a:off x="44938" y="5052654"/>
+        <a:ext cx="2183175" cy="1278095"/>
+      </dsp:txXfrm>
+    </dsp:sp>
+    <dsp:sp modelId="{C8297064-9915-AB4E-A9CB-FFEA8FC197B9}">
+      <dsp:nvSpPr>
+        <dsp:cNvPr id="0" name=""/>
+        <dsp:cNvSpPr/>
+      </dsp:nvSpPr>
+      <dsp:spPr>
+        <a:xfrm>
+          <a:off x="2466994" y="5411126"/>
+          <a:ext cx="479692" cy="561150"/>
+        </a:xfrm>
+        <a:prstGeom prst="rightArrow">
+          <a:avLst>
+            <a:gd name="adj1" fmla="val 60000"/>
+            <a:gd name="adj2" fmla="val 50000"/>
+          </a:avLst>
+        </a:prstGeom>
+        <a:solidFill>
+          <a:schemeClr val="accent5">
+            <a:hueOff val="0"/>
+            <a:satOff val="0"/>
+            <a:lumOff val="0"/>
+            <a:alphaOff val="0"/>
+          </a:schemeClr>
+        </a:solidFill>
+        <a:ln>
+          <a:noFill/>
+        </a:ln>
+        <a:effectLst/>
+      </dsp:spPr>
+      <dsp:style>
+        <a:lnRef idx="0">
+          <a:scrgbClr r="0" g="0" b="0"/>
+        </a:lnRef>
+        <a:fillRef idx="1">
+          <a:scrgbClr r="0" g="0" b="0"/>
+        </a:fillRef>
+        <a:effectRef idx="0">
+          <a:scrgbClr r="0" g="0" b="0"/>
+        </a:effectRef>
+        <a:fontRef idx="minor">
+          <a:schemeClr val="lt1"/>
+        </a:fontRef>
+      </dsp:style>
+      <dsp:txBody>
+        <a:bodyPr spcFirstLastPara="0" vert="horz" wrap="square" lIns="0" tIns="0" rIns="0" bIns="0" numCol="1" spcCol="1270" anchor="ctr" anchorCtr="0">
+          <a:noAutofit/>
+        </a:bodyPr>
+        <a:lstStyle/>
+        <a:p>
+          <a:pPr marL="0" lvl="0" indent="0" algn="ctr" defTabSz="622300">
+            <a:lnSpc>
+              <a:spcPct val="90000"/>
+            </a:lnSpc>
+            <a:spcBef>
+              <a:spcPct val="0"/>
+            </a:spcBef>
+            <a:spcAft>
+              <a:spcPct val="35000"/>
+            </a:spcAft>
+            <a:buNone/>
+          </a:pPr>
+          <a:endParaRPr lang="en-US" sz="1400" kern="1200"/>
+        </a:p>
+      </dsp:txBody>
+      <dsp:txXfrm>
+        <a:off x="2466994" y="5523356"/>
+        <a:ext cx="335784" cy="336690"/>
+      </dsp:txXfrm>
+    </dsp:sp>
+    <dsp:sp modelId="{098F0226-B690-1B45-B506-7C933BFB7998}">
+      <dsp:nvSpPr>
+        <dsp:cNvPr id="0" name=""/>
+        <dsp:cNvSpPr/>
+      </dsp:nvSpPr>
+      <dsp:spPr>
+        <a:xfrm>
+          <a:off x="3172957" y="5012891"/>
+          <a:ext cx="2262701" cy="1357621"/>
+        </a:xfrm>
+        <a:prstGeom prst="roundRect">
+          <a:avLst>
+            <a:gd name="adj" fmla="val 10000"/>
+          </a:avLst>
+        </a:prstGeom>
+        <a:solidFill>
+          <a:srgbClr val="00B0F0"/>
+        </a:solidFill>
+        <a:ln w="25400" cap="flat" cmpd="sng" algn="ctr">
+          <a:solidFill>
+            <a:schemeClr val="lt1">
+              <a:hueOff val="0"/>
+              <a:satOff val="0"/>
+              <a:lumOff val="0"/>
+              <a:alphaOff val="0"/>
+            </a:schemeClr>
+          </a:solidFill>
+          <a:prstDash val="solid"/>
+        </a:ln>
+        <a:effectLst/>
+      </dsp:spPr>
+      <dsp:style>
+        <a:lnRef idx="2">
+          <a:scrgbClr r="0" g="0" b="0"/>
+        </a:lnRef>
+        <a:fillRef idx="1">
+          <a:scrgbClr r="0" g="0" b="0"/>
+        </a:fillRef>
+        <a:effectRef idx="0">
+          <a:scrgbClr r="0" g="0" b="0"/>
+        </a:effectRef>
+        <a:fontRef idx="minor">
+          <a:schemeClr val="lt1"/>
+        </a:fontRef>
+      </dsp:style>
+      <dsp:txBody>
+        <a:bodyPr spcFirstLastPara="0" vert="horz" wrap="square" lIns="64770" tIns="64770" rIns="64770" bIns="64770" numCol="1" spcCol="1270" anchor="ctr" anchorCtr="0">
+          <a:noAutofit/>
+        </a:bodyPr>
+        <a:lstStyle/>
+        <a:p>
+          <a:pPr marL="0" lvl="0" indent="0" algn="ctr" defTabSz="755650">
+            <a:lnSpc>
+              <a:spcPct val="90000"/>
+            </a:lnSpc>
+            <a:spcBef>
+              <a:spcPct val="0"/>
+            </a:spcBef>
+            <a:spcAft>
+              <a:spcPct val="35000"/>
+            </a:spcAft>
+            <a:buNone/>
+          </a:pPr>
+          <a:r>
+            <a:rPr lang="en-US" sz="1700" kern="1200" dirty="0"/>
+            <a:t>Monitoring</a:t>
+          </a:r>
+        </a:p>
+      </dsp:txBody>
+      <dsp:txXfrm>
+        <a:off x="3212720" y="5052654"/>
+        <a:ext cx="2183175" cy="1278095"/>
+      </dsp:txXfrm>
+    </dsp:sp>
+  </dsp:spTree>
+</dsp:drawing>
+</file>
+
+<file path=ppt/diagrams/layout1.xml><?xml version="1.0" encoding="utf-8"?>
+<dgm:layoutDef xmlns:dgm="http://schemas.openxmlformats.org/drawingml/2006/diagram" xmlns:a="http://schemas.openxmlformats.org/drawingml/2006/main" uniqueId="urn:microsoft.com/office/officeart/2005/8/layout/process5">
+  <dgm:title val=""/>
+  <dgm:desc val=""/>
+  <dgm:catLst>
+    <dgm:cat type="process" pri="17000"/>
+  </dgm:catLst>
+  <dgm:sampData>
+    <dgm:dataModel>
+      <dgm:ptLst>
+        <dgm:pt modelId="0" type="doc"/>
+        <dgm:pt modelId="1">
+          <dgm:prSet phldr="1"/>
+        </dgm:pt>
+        <dgm:pt modelId="2">
+          <dgm:prSet phldr="1"/>
+        </dgm:pt>
+        <dgm:pt modelId="3">
+          <dgm:prSet phldr="1"/>
+        </dgm:pt>
+        <dgm:pt modelId="4">
+          <dgm:prSet phldr="1"/>
+        </dgm:pt>
+        <dgm:pt modelId="5">
+          <dgm:prSet phldr="1"/>
+        </dgm:pt>
+      </dgm:ptLst>
+      <dgm:cxnLst>
+        <dgm:cxn modelId="7" srcId="0" destId="1" srcOrd="0" destOrd="0"/>
+        <dgm:cxn modelId="8" srcId="0" destId="2" srcOrd="1" destOrd="0"/>
+        <dgm:cxn modelId="9" srcId="0" destId="3" srcOrd="2" destOrd="0"/>
+        <dgm:cxn modelId="10" srcId="0" destId="4" srcOrd="3" destOrd="0"/>
+        <dgm:cxn modelId="11" srcId="0" destId="5" srcOrd="4" destOrd="0"/>
+      </dgm:cxnLst>
+      <dgm:bg/>
+      <dgm:whole/>
+    </dgm:dataModel>
+  </dgm:sampData>
+  <dgm:styleData>
+    <dgm:dataModel>
+      <dgm:ptLst>
+        <dgm:pt modelId="0" type="doc"/>
+        <dgm:pt modelId="1"/>
+        <dgm:pt modelId="2"/>
+      </dgm:ptLst>
+      <dgm:cxnLst>
+        <dgm:cxn modelId="3" srcId="0" destId="1" srcOrd="0" destOrd="0"/>
+        <dgm:cxn modelId="4" srcId="0" destId="2" srcOrd="1" destOrd="0"/>
+      </dgm:cxnLst>
+      <dgm:bg/>
+      <dgm:whole/>
+    </dgm:dataModel>
+  </dgm:styleData>
+  <dgm:clrData>
+    <dgm:dataModel>
+      <dgm:ptLst>
+        <dgm:pt modelId="0" type="doc"/>
+        <dgm:pt modelId="1"/>
+        <dgm:pt modelId="2"/>
+        <dgm:pt modelId="3"/>
+        <dgm:pt modelId="4"/>
+      </dgm:ptLst>
+      <dgm:cxnLst>
+        <dgm:cxn modelId="5" srcId="0" destId="1" srcOrd="0" destOrd="0"/>
+        <dgm:cxn modelId="6" srcId="0" destId="2" srcOrd="1" destOrd="0"/>
+        <dgm:cxn modelId="7" srcId="0" destId="3" srcOrd="2" destOrd="0"/>
+        <dgm:cxn modelId="8" srcId="0" destId="4" srcOrd="3" destOrd="0"/>
+      </dgm:cxnLst>
+      <dgm:bg/>
+      <dgm:whole/>
+    </dgm:dataModel>
+  </dgm:clrData>
+  <dgm:layoutNode name="diagram">
+    <dgm:varLst>
+      <dgm:dir/>
+      <dgm:resizeHandles val="exact"/>
+    </dgm:varLst>
+    <dgm:choose name="Name0">
+      <dgm:if name="Name1" axis="self" func="var" arg="dir" op="equ" val="norm">
+        <dgm:alg type="snake">
+          <dgm:param type="grDir" val="tL"/>
+          <dgm:param type="flowDir" val="row"/>
+          <dgm:param type="contDir" val="revDir"/>
+          <dgm:param type="bkpt" val="endCnv"/>
+        </dgm:alg>
+      </dgm:if>
+      <dgm:else name="Name2">
+        <dgm:alg type="snake">
+          <dgm:param type="grDir" val="tR"/>
+          <dgm:param type="flowDir" val="row"/>
+          <dgm:param type="contDir" val="revDir"/>
+          <dgm:param type="bkpt" val="endCnv"/>
+        </dgm:alg>
+      </dgm:else>
+    </dgm:choose>
+    <dgm:shape xmlns:r="http://schemas.openxmlformats.org/officeDocument/2006/relationships" r:blip="">
+      <dgm:adjLst/>
+    </dgm:shape>
+    <dgm:presOf/>
+    <dgm:constrLst>
+      <dgm:constr type="w" for="ch" ptType="node" refType="w"/>
+      <dgm:constr type="w" for="ch" forName="sibTrans" refType="w" refFor="ch" refPtType="node" op="equ" fact="0.4"/>
+      <dgm:constr type="sp" refType="w" refFor="ch" refForName="sibTrans" op="equ"/>
+      <dgm:constr type="primFontSz" for="ch" ptType="node" op="equ" val="65"/>
+      <dgm:constr type="primFontSz" for="des" forName="connectorText" op="equ" val="55"/>
+      <dgm:constr type="primFontSz" for="des" forName="connectorText" refType="primFontSz" refFor="ch" refPtType="node" op="lte" fact="0.8"/>
+    </dgm:constrLst>
+    <dgm:ruleLst/>
+    <dgm:forEach name="nodesForEach" axis="ch" ptType="node">
+      <dgm:layoutNode name="node">
+        <dgm:varLst>
+          <dgm:bulletEnabled val="1"/>
+        </dgm:varLst>
+        <dgm:alg type="tx"/>
+        <dgm:shape xmlns:r="http://schemas.openxmlformats.org/officeDocument/2006/relationships" type="roundRect" r:blip="">
+          <dgm:adjLst>
+            <dgm:adj idx="1" val="0.1"/>
+          </dgm:adjLst>
+        </dgm:shape>
+        <dgm:presOf axis="desOrSelf" ptType="node"/>
+        <dgm:constrLst>
+          <dgm:constr type="h" refType="w" fact="0.6"/>
+          <dgm:constr type="tMarg" refType="primFontSz" fact="0.3"/>
+          <dgm:constr type="bMarg" refType="primFontSz" fact="0.3"/>
+          <dgm:constr type="lMarg" refType="primFontSz" fact="0.3"/>
+          <dgm:constr type="rMarg" refType="primFontSz" fact="0.3"/>
+        </dgm:constrLst>
+        <dgm:ruleLst>
+          <dgm:rule type="primFontSz" val="5" fact="NaN" max="NaN"/>
+        </dgm:ruleLst>
+      </dgm:layoutNode>
+      <dgm:forEach name="sibTransForEach" axis="followSib" ptType="sibTrans" cnt="1">
+        <dgm:layoutNode name="sibTrans">
+          <dgm:alg type="conn">
+            <dgm:param type="begPts" val="auto"/>
+            <dgm:param type="endPts" val="auto"/>
+          </dgm:alg>
+          <dgm:shape xmlns:r="http://schemas.openxmlformats.org/officeDocument/2006/relationships" type="conn" r:blip="">
+            <dgm:adjLst/>
+          </dgm:shape>
+          <dgm:presOf axis="self"/>
+          <dgm:constrLst>
+            <dgm:constr type="h" refType="w" fact="0.62"/>
+            <dgm:constr type="connDist"/>
+          </dgm:constrLst>
+          <dgm:ruleLst/>
+          <dgm:layoutNode name="connectorText">
+            <dgm:alg type="tx">
+              <dgm:param type="autoTxRot" val="upr"/>
+            </dgm:alg>
+            <dgm:shape xmlns:r="http://schemas.openxmlformats.org/officeDocument/2006/relationships" type="conn" r:blip="" hideGeom="1">
+              <dgm:adjLst/>
+            </dgm:shape>
+            <dgm:presOf axis="self"/>
+            <dgm:constrLst>
+              <dgm:constr type="lMarg"/>
+              <dgm:constr type="rMarg"/>
+              <dgm:constr type="tMarg"/>
+              <dgm:constr type="bMarg"/>
+            </dgm:constrLst>
+            <dgm:ruleLst>
+              <dgm:rule type="primFontSz" val="5" fact="NaN" max="NaN"/>
+            </dgm:ruleLst>
+          </dgm:layoutNode>
+        </dgm:layoutNode>
+      </dgm:forEach>
+    </dgm:forEach>
+  </dgm:layoutNode>
+</dgm:layoutDef>
+</file>
+
+<file path=ppt/diagrams/quickStyle1.xml><?xml version="1.0" encoding="utf-8"?>
+<dgm:styleDef xmlns:dgm="http://schemas.openxmlformats.org/drawingml/2006/diagram" xmlns:a="http://schemas.openxmlformats.org/drawingml/2006/main" uniqueId="urn:microsoft.com/office/officeart/2005/8/quickstyle/simple1">
+  <dgm:title val=""/>
+  <dgm:desc val=""/>
+  <dgm:catLst>
+    <dgm:cat type="simple" pri="10100"/>
+  </dgm:catLst>
+  <dgm:scene3d>
+    <a:camera prst="orthographicFront"/>
+    <a:lightRig rig="threePt" dir="t"/>
+  </dgm:scene3d>
+  <dgm:styleLbl name="node0">
+    <dgm:scene3d>
+      <a:camera prst="orthographicFront"/>
+      <a:lightRig rig="threePt" dir="t"/>
+    </dgm:scene3d>
+    <dgm:sp3d/>
+    <dgm:txPr/>
+    <dgm:style>
+      <a:lnRef idx="2">
+        <a:scrgbClr r="0" g="0" b="0"/>
+      </a:lnRef>
+      <a:fillRef idx="1">
+        <a:scrgbClr r="0" g="0" b="0"/>
+      </a:fillRef>
+      <a:effectRef idx="0">
+        <a:scrgbClr r="0" g="0" b="0"/>
+      </a:effectRef>
+      <a:fontRef idx="minor">
+        <a:schemeClr val="lt1"/>
+      </a:fontRef>
+    </dgm:style>
+  </dgm:styleLbl>
+  <dgm:styleLbl name="lnNode1">
+    <dgm:scene3d>
+      <a:camera prst="orthographicFront"/>
+      <a:lightRig rig="threePt" dir="t"/>
+    </dgm:scene3d>
+    <dgm:sp3d/>
+    <dgm:txPr/>
+    <dgm:style>
+      <a:lnRef idx="2">
+        <a:scrgbClr r="0" g="0" b="0"/>
+      </a:lnRef>
+      <a:fillRef idx="1">
+        <a:scrgbClr r="0" g="0" b="0"/>
+      </a:fillRef>
+      <a:effectRef idx="0">
+        <a:scrgbClr r="0" g="0" b="0"/>
+      </a:effectRef>
+      <a:fontRef idx="minor">
+        <a:schemeClr val="lt1"/>
+      </a:fontRef>
+    </dgm:style>
+  </dgm:styleLbl>
+  <dgm:styleLbl name="vennNode1">
+    <dgm:scene3d>
+      <a:camera prst="orthographicFront"/>
+      <a:lightRig rig="threePt" dir="t"/>
+    </dgm:scene3d>
+    <dgm:sp3d/>
+    <dgm:txPr/>
+    <dgm:style>
+      <a:lnRef idx="2">
+        <a:scrgbClr r="0" g="0" b="0"/>
+      </a:lnRef>
+      <a:fillRef idx="1">
+        <a:scrgbClr r="0" g="0" b="0"/>
+      </a:fillRef>
+      <a:effectRef idx="0">
+        <a:scrgbClr r="0" g="0" b="0"/>
+      </a:effectRef>
+      <a:fontRef idx="minor">
+        <a:schemeClr val="tx1"/>
+      </a:fontRef>
+    </dgm:style>
+  </dgm:styleLbl>
+  <dgm:styleLbl name="alignNode1">
+    <dgm:scene3d>
+      <a:camera prst="orthographicFront"/>
+      <a:lightRig rig="threePt" dir="t"/>
+    </dgm:scene3d>
+    <dgm:sp3d/>
+    <dgm:txPr/>
+    <dgm:style>
+      <a:lnRef idx="2">
+        <a:scrgbClr r="0" g="0" b="0"/>
+      </a:lnRef>
+      <a:fillRef idx="1">
+        <a:scrgbClr r="0" g="0" b="0"/>
+      </a:fillRef>
+      <a:effectRef idx="0">
+        <a:scrgbClr r="0" g="0" b="0"/>
+      </a:effectRef>
+      <a:fontRef idx="minor">
+        <a:schemeClr val="lt1"/>
+      </a:fontRef>
+    </dgm:style>
+  </dgm:styleLbl>
+  <dgm:styleLbl name="node1">
+    <dgm:scene3d>
+      <a:camera prst="orthographicFront"/>
+      <a:lightRig rig="threePt" dir="t"/>
+    </dgm:scene3d>
+    <dgm:sp3d/>
+    <dgm:txPr/>
+    <dgm:style>
+      <a:lnRef idx="2">
+        <a:scrgbClr r="0" g="0" b="0"/>
+      </a:lnRef>
+      <a:fillRef idx="1">
+        <a:scrgbClr r="0" g="0" b="0"/>
+      </a:fillRef>
+      <a:effectRef idx="0">
+        <a:scrgbClr r="0" g="0" b="0"/>
+      </a:effectRef>
+      <a:fontRef idx="minor">
+        <a:schemeClr val="lt1"/>
+      </a:fontRef>
+    </dgm:style>
+  </dgm:styleLbl>
+  <dgm:styleLbl name="node2">
+    <dgm:scene3d>
+      <a:camera prst="orthographicFront"/>
+      <a:lightRig rig="threePt" dir="t"/>
+    </dgm:scene3d>
+    <dgm:sp3d/>
+    <dgm:txPr/>
+    <dgm:style>
+      <a:lnRef idx="2">
+        <a:scrgbClr r="0" g="0" b="0"/>
+      </a:lnRef>
+      <a:fillRef idx="1">
+        <a:scrgbClr r="0" g="0" b="0"/>
+      </a:fillRef>
+      <a:effectRef idx="0">
+        <a:scrgbClr r="0" g="0" b="0"/>
+      </a:effectRef>
+      <a:fontRef idx="minor">
+        <a:schemeClr val="lt1"/>
+      </a:fontRef>
+    </dgm:style>
+  </dgm:styleLbl>
+  <dgm:styleLbl name="node3">
+    <dgm:scene3d>
+      <a:camera prst="orthographicFront"/>
+      <a:lightRig rig="threePt" dir="t"/>
+    </dgm:scene3d>
+    <dgm:sp3d/>
+    <dgm:txPr/>
+    <dgm:style>
+      <a:lnRef idx="2">
+        <a:scrgbClr r="0" g="0" b="0"/>
+      </a:lnRef>
+      <a:fillRef idx="1">
+        <a:scrgbClr r="0" g="0" b="0"/>
+      </a:fillRef>
+      <a:effectRef idx="0">
+        <a:scrgbClr r="0" g="0" b="0"/>
+      </a:effectRef>
+      <a:fontRef idx="minor">
+        <a:schemeClr val="lt1"/>
+      </a:fontRef>
+    </dgm:style>
+  </dgm:styleLbl>
+  <dgm:styleLbl name="node4">
+    <dgm:scene3d>
+      <a:camera prst="orthographicFront"/>
+      <a:lightRig rig="threePt" dir="t"/>
+    </dgm:scene3d>
+    <dgm:sp3d/>
+    <dgm:txPr/>
+    <dgm:style>
+      <a:lnRef idx="2">
+        <a:scrgbClr r="0" g="0" b="0"/>
+      </a:lnRef>
+      <a:fillRef idx="1">
+        <a:scrgbClr r="0" g="0" b="0"/>
+      </a:fillRef>
+      <a:effectRef idx="0">
+        <a:scrgbClr r="0" g="0" b="0"/>
+      </a:effectRef>
+      <a:fontRef idx="minor">
+        <a:schemeClr val="lt1"/>
+      </a:fontRef>
+    </dgm:style>
+  </dgm:styleLbl>
+  <dgm:styleLbl name="fgImgPlace1">
+    <dgm:scene3d>
+      <a:camera prst="orthographicFront"/>
+      <a:lightRig rig="threePt" dir="t"/>
+    </dgm:scene3d>
+    <dgm:sp3d/>
+    <dgm:txPr/>
+    <dgm:style>
+      <a:lnRef idx="2">
+        <a:scrgbClr r="0" g="0" b="0"/>
+      </a:lnRef>
+      <a:fillRef idx="1">
+        <a:scrgbClr r="0" g="0" b="0"/>
+      </a:fillRef>
+      <a:effectRef idx="0">
+        <a:scrgbClr r="0" g="0" b="0"/>
+      </a:effectRef>
+      <a:fontRef idx="minor"/>
+    </dgm:style>
+  </dgm:styleLbl>
+  <dgm:styleLbl name="alignImgPlace1">
+    <dgm:scene3d>
+      <a:camera prst="orthographicFront"/>
+      <a:lightRig rig="threePt" dir="t"/>
+    </dgm:scene3d>
+    <dgm:sp3d/>
+    <dgm:txPr/>
+    <dgm:style>
+      <a:lnRef idx="2">
+        <a:scrgbClr r="0" g="0" b="0"/>
+      </a:lnRef>
+      <a:fillRef idx="1">
+        <a:scrgbClr r="0" g="0" b="0"/>
+      </a:fillRef>
+      <a:effectRef idx="0">
+        <a:scrgbClr r="0" g="0" b="0"/>
+      </a:effectRef>
+      <a:fontRef idx="minor"/>
+    </dgm:style>
+  </dgm:styleLbl>
+  <dgm:styleLbl name="bgImgPlace1">
+    <dgm:scene3d>
+      <a:camera prst="orthographicFront"/>
+      <a:lightRig rig="threePt" dir="t"/>
+    </dgm:scene3d>
+    <dgm:sp3d/>
+    <dgm:txPr/>
+    <dgm:style>
+      <a:lnRef idx="2">
+        <a:scrgbClr r="0" g="0" b="0"/>
+      </a:lnRef>
+      <a:fillRef idx="1">
+        <a:scrgbClr r="0" g="0" b="0"/>
+      </a:fillRef>
+      <a:effectRef idx="0">
+        <a:scrgbClr r="0" g="0" b="0"/>
+      </a:effectRef>
+      <a:fontRef idx="minor"/>
+    </dgm:style>
+  </dgm:styleLbl>
+  <dgm:styleLbl name="sibTrans2D1">
+    <dgm:scene3d>
+      <a:camera prst="orthographicFront"/>
+      <a:lightRig rig="threePt" dir="t"/>
+    </dgm:scene3d>
+    <dgm:sp3d/>
+    <dgm:txPr/>
+    <dgm:style>
+      <a:lnRef idx="0">
+        <a:scrgbClr r="0" g="0" b="0"/>
+      </a:lnRef>
+      <a:fillRef idx="1">
+        <a:scrgbClr r="0" g="0" b="0"/>
+      </a:fillRef>
+      <a:effectRef idx="0">
+        <a:scrgbClr r="0" g="0" b="0"/>
+      </a:effectRef>
+      <a:fontRef idx="minor">
+        <a:schemeClr val="lt1"/>
+      </a:fontRef>
+    </dgm:style>
+  </dgm:styleLbl>
+  <dgm:styleLbl name="fgSibTrans2D1">
+    <dgm:scene3d>
+      <a:camera prst="orthographicFront"/>
+      <a:lightRig rig="threePt" dir="t"/>
+    </dgm:scene3d>
+    <dgm:sp3d/>
+    <dgm:txPr/>
+    <dgm:style>
+      <a:lnRef idx="0">
+        <a:scrgbClr r="0" g="0" b="0"/>
+      </a:lnRef>
+      <a:fillRef idx="1">
+        <a:scrgbClr r="0" g="0" b="0"/>
+      </a:fillRef>
+      <a:effectRef idx="0">
+        <a:scrgbClr r="0" g="0" b="0"/>
+      </a:effectRef>
+      <a:fontRef idx="minor">
+        <a:schemeClr val="lt1"/>
+      </a:fontRef>
+    </dgm:style>
+  </dgm:styleLbl>
+  <dgm:styleLbl name="bgSibTrans2D1">
+    <dgm:scene3d>
+      <a:camera prst="orthographicFront"/>
+      <a:lightRig rig="threePt" dir="t"/>
+    </dgm:scene3d>
+    <dgm:sp3d/>
+    <dgm:txPr/>
+    <dgm:style>
+      <a:lnRef idx="0">
+        <a:scrgbClr r="0" g="0" b="0"/>
+      </a:lnRef>
+      <a:fillRef idx="1">
+        <a:scrgbClr r="0" g="0" b="0"/>
+      </a:fillRef>
+      <a:effectRef idx="0">
+        <a:scrgbClr r="0" g="0" b="0"/>
+      </a:effectRef>
+      <a:fontRef idx="minor">
+        <a:schemeClr val="lt1"/>
+      </a:fontRef>
+    </dgm:style>
+  </dgm:styleLbl>
+  <dgm:styleLbl name="sibTrans1D1">
+    <dgm:scene3d>
+      <a:camera prst="orthographicFront"/>
+      <a:lightRig rig="threePt" dir="t"/>
+    </dgm:scene3d>
+    <dgm:sp3d/>
+    <dgm:txPr/>
+    <dgm:style>
+      <a:lnRef idx="1">
+        <a:scrgbClr r="0" g="0" b="0"/>
+      </a:lnRef>
+      <a:fillRef idx="0">
+        <a:scrgbClr r="0" g="0" b="0"/>
+      </a:fillRef>
+      <a:effectRef idx="0">
+        <a:scrgbClr r="0" g="0" b="0"/>
+      </a:effectRef>
+      <a:fontRef idx="minor"/>
+    </dgm:style>
+  </dgm:styleLbl>
+  <dgm:styleLbl name="callout">
+    <dgm:scene3d>
+      <a:camera prst="orthographicFront"/>
+      <a:lightRig rig="threePt" dir="t"/>
+    </dgm:scene3d>
+    <dgm:sp3d/>
+    <dgm:txPr/>
+    <dgm:style>
+      <a:lnRef idx="2">
+        <a:scrgbClr r="0" g="0" b="0"/>
+      </a:lnRef>
+      <a:fillRef idx="1">
+        <a:scrgbClr r="0" g="0" b="0"/>
+      </a:fillRef>
+      <a:effectRef idx="0">
+        <a:scrgbClr r="0" g="0" b="0"/>
+      </a:effectRef>
+      <a:fontRef idx="minor"/>
+    </dgm:style>
+  </dgm:styleLbl>
+  <dgm:styleLbl name="asst0">
+    <dgm:scene3d>
+      <a:camera prst="orthographicFront"/>
+      <a:lightRig rig="threePt" dir="t"/>
+    </dgm:scene3d>
+    <dgm:sp3d/>
+    <dgm:txPr/>
+    <dgm:style>
+      <a:lnRef idx="2">
+        <a:scrgbClr r="0" g="0" b="0"/>
+      </a:lnRef>
+      <a:fillRef idx="1">
+        <a:scrgbClr r="0" g="0" b="0"/>
+      </a:fillRef>
+      <a:effectRef idx="0">
+        <a:scrgbClr r="0" g="0" b="0"/>
+      </a:effectRef>
+      <a:fontRef idx="minor">
+        <a:schemeClr val="lt1"/>
+      </a:fontRef>
+    </dgm:style>
+  </dgm:styleLbl>
+  <dgm:styleLbl name="asst1">
+    <dgm:scene3d>
+      <a:camera prst="orthographicFront"/>
+      <a:lightRig rig="threePt" dir="t"/>
+    </dgm:scene3d>
+    <dgm:sp3d/>
+    <dgm:txPr/>
+    <dgm:style>
+      <a:lnRef idx="2">
+        <a:scrgbClr r="0" g="0" b="0"/>
+      </a:lnRef>
+      <a:fillRef idx="1">
+        <a:scrgbClr r="0" g="0" b="0"/>
+      </a:fillRef>
+      <a:effectRef idx="0">
+        <a:scrgbClr r="0" g="0" b="0"/>
+      </a:effectRef>
+      <a:fontRef idx="minor">
+        <a:schemeClr val="lt1"/>
+      </a:fontRef>
+    </dgm:style>
+  </dgm:styleLbl>
+  <dgm:styleLbl name="asst2">
+    <dgm:scene3d>
+      <a:camera prst="orthographicFront"/>
+      <a:lightRig rig="threePt" dir="t"/>
+    </dgm:scene3d>
+    <dgm:sp3d/>
+    <dgm:txPr/>
+    <dgm:style>
+      <a:lnRef idx="2">
+        <a:scrgbClr r="0" g="0" b="0"/>
+      </a:lnRef>
+      <a:fillRef idx="1">
+        <a:scrgbClr r="0" g="0" b="0"/>
+      </a:fillRef>
+      <a:effectRef idx="0">
+        <a:scrgbClr r="0" g="0" b="0"/>
+      </a:effectRef>
+      <a:fontRef idx="minor">
+        <a:schemeClr val="lt1"/>
+      </a:fontRef>
+    </dgm:style>
+  </dgm:styleLbl>
+  <dgm:styleLbl name="asst3">
+    <dgm:scene3d>
+      <a:camera prst="orthographicFront"/>
+      <a:lightRig rig="threePt" dir="t"/>
+    </dgm:scene3d>
+    <dgm:sp3d/>
+    <dgm:txPr/>
+    <dgm:style>
+      <a:lnRef idx="2">
+        <a:scrgbClr r="0" g="0" b="0"/>
+      </a:lnRef>
+      <a:fillRef idx="1">
+        <a:scrgbClr r="0" g="0" b="0"/>
+      </a:fillRef>
+      <a:effectRef idx="0">
+        <a:scrgbClr r="0" g="0" b="0"/>
+      </a:effectRef>
+      <a:fontRef idx="minor">
+        <a:schemeClr val="lt1"/>
+      </a:fontRef>
+    </dgm:style>
+  </dgm:styleLbl>
+  <dgm:styleLbl name="asst4">
+    <dgm:scene3d>
+      <a:camera prst="orthographicFront"/>
+      <a:lightRig rig="threePt" dir="t"/>
+    </dgm:scene3d>
+    <dgm:sp3d/>
+    <dgm:txPr/>
+    <dgm:style>
+      <a:lnRef idx="2">
+        <a:scrgbClr r="0" g="0" b="0"/>
+      </a:lnRef>
+      <a:fillRef idx="1">
+        <a:scrgbClr r="0" g="0" b="0"/>
+      </a:fillRef>
+      <a:effectRef idx="0">
+        <a:scrgbClr r="0" g="0" b="0"/>
+      </a:effectRef>
+      <a:fontRef idx="minor">
+        <a:schemeClr val="lt1"/>
+      </a:fontRef>
+    </dgm:style>
+  </dgm:styleLbl>
+  <dgm:styleLbl name="parChTrans2D1">
+    <dgm:scene3d>
+      <a:camera prst="orthographicFront"/>
+      <a:lightRig rig="threePt" dir="t"/>
+    </dgm:scene3d>
+    <dgm:sp3d/>
+    <dgm:txPr/>
+    <dgm:style>
+      <a:lnRef idx="2">
+        <a:scrgbClr r="0" g="0" b="0"/>
+      </a:lnRef>
+      <a:fillRef idx="1">
+        <a:scrgbClr r="0" g="0" b="0"/>
+      </a:fillRef>
+      <a:effectRef idx="0">
+        <a:scrgbClr r="0" g="0" b="0"/>
+      </a:effectRef>
+      <a:fontRef idx="minor">
+        <a:schemeClr val="lt1"/>
+      </a:fontRef>
+    </dgm:style>
+  </dgm:styleLbl>
+  <dgm:styleLbl name="parChTrans2D2">
+    <dgm:scene3d>
+      <a:camera prst="orthographicFront"/>
+      <a:lightRig rig="threePt" dir="t"/>
+    </dgm:scene3d>
+    <dgm:sp3d/>
+    <dgm:txPr/>
+    <dgm:style>
+      <a:lnRef idx="2">
+        <a:scrgbClr r="0" g="0" b="0"/>
+      </a:lnRef>
+      <a:fillRef idx="1">
+        <a:scrgbClr r="0" g="0" b="0"/>
+      </a:fillRef>
+      <a:effectRef idx="0">
+        <a:scrgbClr r="0" g="0" b="0"/>
+      </a:effectRef>
+      <a:fontRef idx="minor">
+        <a:schemeClr val="lt1"/>
+      </a:fontRef>
+    </dgm:style>
+  </dgm:styleLbl>
+  <dgm:styleLbl name="parChTrans2D3">
+    <dgm:scene3d>
+      <a:camera prst="orthographicFront"/>
+      <a:lightRig rig="threePt" dir="t"/>
+    </dgm:scene3d>
+    <dgm:sp3d/>
+    <dgm:txPr/>
+    <dgm:style>
+      <a:lnRef idx="2">
+        <a:scrgbClr r="0" g="0" b="0"/>
+      </a:lnRef>
+      <a:fillRef idx="1">
+        <a:scrgbClr r="0" g="0" b="0"/>
+      </a:fillRef>
+      <a:effectRef idx="0">
+        <a:scrgbClr r="0" g="0" b="0"/>
+      </a:effectRef>
+      <a:fontRef idx="minor">
+        <a:schemeClr val="lt1"/>
+      </a:fontRef>
+    </dgm:style>
+  </dgm:styleLbl>
+  <dgm:styleLbl name="parChTrans2D4">
+    <dgm:scene3d>
+      <a:camera prst="orthographicFront"/>
+      <a:lightRig rig="threePt" dir="t"/>
+    </dgm:scene3d>
+    <dgm:sp3d/>
+    <dgm:txPr/>
+    <dgm:style>
+      <a:lnRef idx="2">
+        <a:scrgbClr r="0" g="0" b="0"/>
+      </a:lnRef>
+      <a:fillRef idx="1">
+        <a:scrgbClr r="0" g="0" b="0"/>
+      </a:fillRef>
+      <a:effectRef idx="0">
+        <a:scrgbClr r="0" g="0" b="0"/>
+      </a:effectRef>
+      <a:fontRef idx="minor">
+        <a:schemeClr val="lt1"/>
+      </a:fontRef>
+    </dgm:style>
+  </dgm:styleLbl>
+  <dgm:styleLbl name="parChTrans1D1">
+    <dgm:scene3d>
+      <a:camera prst="orthographicFront"/>
+      <a:lightRig rig="threePt" dir="t"/>
+    </dgm:scene3d>
+    <dgm:sp3d/>
+    <dgm:txPr/>
+    <dgm:style>
+      <a:lnRef idx="2">
+        <a:scrgbClr r="0" g="0" b="0"/>
+      </a:lnRef>
+      <a:fillRef idx="0">
+        <a:scrgbClr r="0" g="0" b="0"/>
+      </a:fillRef>
+      <a:effectRef idx="0">
+        <a:scrgbClr r="0" g="0" b="0"/>
+      </a:effectRef>
+      <a:fontRef idx="minor"/>
+    </dgm:style>
+  </dgm:styleLbl>
+  <dgm:styleLbl name="parChTrans1D2">
+    <dgm:scene3d>
+      <a:camera prst="orthographicFront"/>
+      <a:lightRig rig="threePt" dir="t"/>
+    </dgm:scene3d>
+    <dgm:sp3d/>
+    <dgm:txPr/>
+    <dgm:style>
+      <a:lnRef idx="2">
+        <a:scrgbClr r="0" g="0" b="0"/>
+      </a:lnRef>
+      <a:fillRef idx="0">
+        <a:scrgbClr r="0" g="0" b="0"/>
+      </a:fillRef>
+      <a:effectRef idx="0">
+        <a:scrgbClr r="0" g="0" b="0"/>
+      </a:effectRef>
+      <a:fontRef idx="minor"/>
+    </dgm:style>
+  </dgm:styleLbl>
+  <dgm:styleLbl name="parChTrans1D3">
+    <dgm:scene3d>
+      <a:camera prst="orthographicFront"/>
+      <a:lightRig rig="threePt" dir="t"/>
+    </dgm:scene3d>
+    <dgm:sp3d/>
+    <dgm:txPr/>
+    <dgm:style>
+      <a:lnRef idx="2">
+        <a:scrgbClr r="0" g="0" b="0"/>
+      </a:lnRef>
+      <a:fillRef idx="0">
+        <a:scrgbClr r="0" g="0" b="0"/>
+      </a:fillRef>
+      <a:effectRef idx="0">
+        <a:scrgbClr r="0" g="0" b="0"/>
+      </a:effectRef>
+      <a:fontRef idx="minor"/>
+    </dgm:style>
+  </dgm:styleLbl>
+  <dgm:styleLbl name="parChTrans1D4">
+    <dgm:scene3d>
+      <a:camera prst="orthographicFront"/>
+      <a:lightRig rig="threePt" dir="t"/>
+    </dgm:scene3d>
+    <dgm:sp3d/>
+    <dgm:txPr/>
+    <dgm:style>
+      <a:lnRef idx="2">
+        <a:scrgbClr r="0" g="0" b="0"/>
+      </a:lnRef>
+      <a:fillRef idx="0">
+        <a:scrgbClr r="0" g="0" b="0"/>
+      </a:fillRef>
+      <a:effectRef idx="0">
+        <a:scrgbClr r="0" g="0" b="0"/>
+      </a:effectRef>
+      <a:fontRef idx="minor"/>
+    </dgm:style>
+  </dgm:styleLbl>
+  <dgm:styleLbl name="fgAcc1">
+    <dgm:scene3d>
+      <a:camera prst="orthographicFront"/>
+      <a:lightRig rig="threePt" dir="t"/>
+    </dgm:scene3d>
+    <dgm:sp3d/>
+    <dgm:txPr/>
+    <dgm:style>
+      <a:lnRef idx="2">
+        <a:scrgbClr r="0" g="0" b="0"/>
+      </a:lnRef>
+      <a:fillRef idx="1">
+        <a:scrgbClr r="0" g="0" b="0"/>
+      </a:fillRef>
+      <a:effectRef idx="0">
+        <a:scrgbClr r="0" g="0" b="0"/>
+      </a:effectRef>
+      <a:fontRef idx="minor"/>
+    </dgm:style>
+  </dgm:styleLbl>
+  <dgm:styleLbl name="conFgAcc1">
+    <dgm:scene3d>
+      <a:camera prst="orthographicFront"/>
+      <a:lightRig rig="threePt" dir="t"/>
+    </dgm:scene3d>
+    <dgm:sp3d/>
+    <dgm:txPr/>
+    <dgm:style>
+      <a:lnRef idx="2">
+        <a:scrgbClr r="0" g="0" b="0"/>
+      </a:lnRef>
+      <a:fillRef idx="1">
+        <a:scrgbClr r="0" g="0" b="0"/>
+      </a:fillRef>
+      <a:effectRef idx="0">
+        <a:scrgbClr r="0" g="0" b="0"/>
+      </a:effectRef>
+      <a:fontRef idx="minor"/>
+    </dgm:style>
+  </dgm:styleLbl>
+  <dgm:styleLbl name="alignAcc1">
+    <dgm:scene3d>
+      <a:camera prst="orthographicFront"/>
+      <a:lightRig rig="threePt" dir="t"/>
+    </dgm:scene3d>
+    <dgm:sp3d/>
+    <dgm:txPr/>
+    <dgm:style>
+      <a:lnRef idx="2">
+        <a:scrgbClr r="0" g="0" b="0"/>
+      </a:lnRef>
+      <a:fillRef idx="1">
+        <a:scrgbClr r="0" g="0" b="0"/>
+      </a:fillRef>
+      <a:effectRef idx="0">
+        <a:scrgbClr r="0" g="0" b="0"/>
+      </a:effectRef>
+      <a:fontRef idx="minor"/>
+    </dgm:style>
+  </dgm:styleLbl>
+  <dgm:styleLbl name="trAlignAcc1">
+    <dgm:scene3d>
+      <a:camera prst="orthographicFront"/>
+      <a:lightRig rig="threePt" dir="t"/>
+    </dgm:scene3d>
+    <dgm:sp3d/>
+    <dgm:txPr/>
+    <dgm:style>
+      <a:lnRef idx="1">
+        <a:scrgbClr r="0" g="0" b="0"/>
+      </a:lnRef>
+      <a:fillRef idx="1">
+        <a:scrgbClr r="0" g="0" b="0"/>
+      </a:fillRef>
+      <a:effectRef idx="0">
+        <a:scrgbClr r="0" g="0" b="0"/>
+      </a:effectRef>
+      <a:fontRef idx="minor"/>
+    </dgm:style>
+  </dgm:styleLbl>
+  <dgm:styleLbl name="bgAcc1">
+    <dgm:scene3d>
+      <a:camera prst="orthographicFront"/>
+      <a:lightRig rig="threePt" dir="t"/>
+    </dgm:scene3d>
+    <dgm:sp3d/>
+    <dgm:txPr/>
+    <dgm:style>
+      <a:lnRef idx="2">
+        <a:scrgbClr r="0" g="0" b="0"/>
+      </a:lnRef>
+      <a:fillRef idx="1">
+        <a:scrgbClr r="0" g="0" b="0"/>
+      </a:fillRef>
+      <a:effectRef idx="0">
+        <a:scrgbClr r="0" g="0" b="0"/>
+      </a:effectRef>
+      <a:fontRef idx="minor"/>
+    </dgm:style>
+  </dgm:styleLbl>
+  <dgm:styleLbl name="solidFgAcc1">
+    <dgm:scene3d>
+      <a:camera prst="orthographicFront"/>
+      <a:lightRig rig="threePt" dir="t"/>
+    </dgm:scene3d>
+    <dgm:sp3d/>
+    <dgm:txPr/>
+    <dgm:style>
+      <a:lnRef idx="2">
+        <a:scrgbClr r="0" g="0" b="0"/>
+      </a:lnRef>
+      <a:fillRef idx="1">
+        <a:scrgbClr r="0" g="0" b="0"/>
+      </a:fillRef>
+      <a:effectRef idx="0">
+        <a:scrgbClr r="0" g="0" b="0"/>
+      </a:effectRef>
+      <a:fontRef idx="minor"/>
+    </dgm:style>
+  </dgm:styleLbl>
+  <dgm:styleLbl name="solidAlignAcc1">
+    <dgm:scene3d>
+      <a:camera prst="orthographicFront"/>
+      <a:lightRig rig="threePt" dir="t"/>
+    </dgm:scene3d>
+    <dgm:sp3d/>
+    <dgm:txPr/>
+    <dgm:style>
+      <a:lnRef idx="2">
+        <a:scrgbClr r="0" g="0" b="0"/>
+      </a:lnRef>
+      <a:fillRef idx="1">
+        <a:scrgbClr r="0" g="0" b="0"/>
+      </a:fillRef>
+      <a:effectRef idx="0">
+        <a:scrgbClr r="0" g="0" b="0"/>
+      </a:effectRef>
+      <a:fontRef idx="minor"/>
+    </dgm:style>
+  </dgm:styleLbl>
+  <dgm:styleLbl name="solidBgAcc1">
+    <dgm:scene3d>
+      <a:camera prst="orthographicFront"/>
+      <a:lightRig rig="threePt" dir="t"/>
+    </dgm:scene3d>
+    <dgm:sp3d/>
+    <dgm:txPr/>
+    <dgm:style>
+      <a:lnRef idx="2">
+        <a:scrgbClr r="0" g="0" b="0"/>
+      </a:lnRef>
+      <a:fillRef idx="1">
+        <a:scrgbClr r="0" g="0" b="0"/>
+      </a:fillRef>
+      <a:effectRef idx="0">
+        <a:scrgbClr r="0" g="0" b="0"/>
+      </a:effectRef>
+      <a:fontRef idx="minor"/>
+    </dgm:style>
+  </dgm:styleLbl>
+  <dgm:styleLbl name="fgAccFollowNode1">
+    <dgm:scene3d>
+      <a:camera prst="orthographicFront"/>
+      <a:lightRig rig="threePt" dir="t"/>
+    </dgm:scene3d>
+    <dgm:sp3d/>
+    <dgm:txPr/>
+    <dgm:style>
+      <a:lnRef idx="2">
+        <a:scrgbClr r="0" g="0" b="0"/>
+      </a:lnRef>
+      <a:fillRef idx="1">
+        <a:scrgbClr r="0" g="0" b="0"/>
+      </a:fillRef>
+      <a:effectRef idx="0">
+        <a:scrgbClr r="0" g="0" b="0"/>
+      </a:effectRef>
+      <a:fontRef idx="minor"/>
+    </dgm:style>
+  </dgm:styleLbl>
+  <dgm:styleLbl name="alignAccFollowNode1">
+    <dgm:scene3d>
+      <a:camera prst="orthographicFront"/>
+      <a:lightRig rig="threePt" dir="t"/>
+    </dgm:scene3d>
+    <dgm:sp3d/>
+    <dgm:txPr/>
+    <dgm:style>
+      <a:lnRef idx="2">
+        <a:scrgbClr r="0" g="0" b="0"/>
+      </a:lnRef>
+      <a:fillRef idx="1">
+        <a:scrgbClr r="0" g="0" b="0"/>
+      </a:fillRef>
+      <a:effectRef idx="0">
+        <a:scrgbClr r="0" g="0" b="0"/>
+      </a:effectRef>
+      <a:fontRef idx="minor"/>
+    </dgm:style>
+  </dgm:styleLbl>
+  <dgm:styleLbl name="bgAccFollowNode1">
+    <dgm:scene3d>
+      <a:camera prst="orthographicFront"/>
+      <a:lightRig rig="threePt" dir="t"/>
+    </dgm:scene3d>
+    <dgm:sp3d/>
+    <dgm:txPr/>
+    <dgm:style>
+      <a:lnRef idx="2">
+        <a:scrgbClr r="0" g="0" b="0"/>
+      </a:lnRef>
+      <a:fillRef idx="1">
+        <a:scrgbClr r="0" g="0" b="0"/>
+      </a:fillRef>
+      <a:effectRef idx="0">
+        <a:scrgbClr r="0" g="0" b="0"/>
+      </a:effectRef>
+      <a:fontRef idx="minor"/>
+    </dgm:style>
+  </dgm:styleLbl>
+  <dgm:styleLbl name="fgAcc0">
+    <dgm:scene3d>
+      <a:camera prst="orthographicFront"/>
+      <a:lightRig rig="threePt" dir="t"/>
+    </dgm:scene3d>
+    <dgm:sp3d/>
+    <dgm:txPr/>
+    <dgm:style>
+      <a:lnRef idx="2">
+        <a:scrgbClr r="0" g="0" b="0"/>
+      </a:lnRef>
+      <a:fillRef idx="1">
+        <a:scrgbClr r="0" g="0" b="0"/>
+      </a:fillRef>
+      <a:effectRef idx="0">
+        <a:scrgbClr r="0" g="0" b="0"/>
+      </a:effectRef>
+      <a:fontRef idx="minor"/>
+    </dgm:style>
+  </dgm:styleLbl>
+  <dgm:styleLbl name="fgAcc2">
+    <dgm:scene3d>
+      <a:camera prst="orthographicFront"/>
+      <a:lightRig rig="threePt" dir="t"/>
+    </dgm:scene3d>
+    <dgm:sp3d/>
+    <dgm:txPr/>
+    <dgm:style>
+      <a:lnRef idx="2">
+        <a:scrgbClr r="0" g="0" b="0"/>
+      </a:lnRef>
+      <a:fillRef idx="1">
+        <a:scrgbClr r="0" g="0" b="0"/>
+      </a:fillRef>
+      <a:effectRef idx="0">
+        <a:scrgbClr r="0" g="0" b="0"/>
+      </a:effectRef>
+      <a:fontRef idx="minor"/>
+    </dgm:style>
+  </dgm:styleLbl>
+  <dgm:styleLbl name="fgAcc3">
+    <dgm:scene3d>
+      <a:camera prst="orthographicFront"/>
+      <a:lightRig rig="threePt" dir="t"/>
+    </dgm:scene3d>
+    <dgm:sp3d/>
+    <dgm:txPr/>
+    <dgm:style>
+      <a:lnRef idx="2">
+        <a:scrgbClr r="0" g="0" b="0"/>
+      </a:lnRef>
+      <a:fillRef idx="1">
+        <a:scrgbClr r="0" g="0" b="0"/>
+      </a:fillRef>
+      <a:effectRef idx="0">
+        <a:scrgbClr r="0" g="0" b="0"/>
+      </a:effectRef>
+      <a:fontRef idx="minor"/>
+    </dgm:style>
+  </dgm:styleLbl>
+  <dgm:styleLbl name="fgAcc4">
+    <dgm:scene3d>
+      <a:camera prst="orthographicFront"/>
+      <a:lightRig rig="threePt" dir="t"/>
+    </dgm:scene3d>
+    <dgm:sp3d/>
+    <dgm:txPr/>
+    <dgm:style>
+      <a:lnRef idx="2">
+        <a:scrgbClr r="0" g="0" b="0"/>
+      </a:lnRef>
+      <a:fillRef idx="1">
+        <a:scrgbClr r="0" g="0" b="0"/>
+      </a:fillRef>
+      <a:effectRef idx="0">
+        <a:scrgbClr r="0" g="0" b="0"/>
+      </a:effectRef>
+      <a:fontRef idx="minor"/>
+    </dgm:style>
+  </dgm:styleLbl>
+  <dgm:styleLbl name="bgShp">
+    <dgm:scene3d>
+      <a:camera prst="orthographicFront"/>
+      <a:lightRig rig="threePt" dir="t"/>
+    </dgm:scene3d>
+    <dgm:sp3d/>
+    <dgm:txPr/>
+    <dgm:style>
+      <a:lnRef idx="0">
+        <a:scrgbClr r="0" g="0" b="0"/>
+      </a:lnRef>
+      <a:fillRef idx="1">
+        <a:scrgbClr r="0" g="0" b="0"/>
+      </a:fillRef>
+      <a:effectRef idx="0">
+        <a:scrgbClr r="0" g="0" b="0"/>
+      </a:effectRef>
+      <a:fontRef idx="minor"/>
+    </dgm:style>
+  </dgm:styleLbl>
+  <dgm:styleLbl name="dkBgShp">
+    <dgm:scene3d>
+      <a:camera prst="orthographicFront"/>
+      <a:lightRig rig="threePt" dir="t"/>
+    </dgm:scene3d>
+    <dgm:sp3d/>
+    <dgm:txPr/>
+    <dgm:style>
+      <a:lnRef idx="0">
+        <a:scrgbClr r="0" g="0" b="0"/>
+      </a:lnRef>
+      <a:fillRef idx="1">
+        <a:scrgbClr r="0" g="0" b="0"/>
+      </a:fillRef>
+      <a:effectRef idx="0">
+        <a:scrgbClr r="0" g="0" b="0"/>
+      </a:effectRef>
+      <a:fontRef idx="minor"/>
+    </dgm:style>
+  </dgm:styleLbl>
+  <dgm:styleLbl name="trBgShp">
+    <dgm:scene3d>
+      <a:camera prst="orthographicFront"/>
+      <a:lightRig rig="threePt" dir="t"/>
+    </dgm:scene3d>
+    <dgm:sp3d/>
+    <dgm:txPr/>
+    <dgm:style>
+      <a:lnRef idx="0">
+        <a:scrgbClr r="0" g="0" b="0"/>
+      </a:lnRef>
+      <a:fillRef idx="1">
+        <a:scrgbClr r="0" g="0" b="0"/>
+      </a:fillRef>
+      <a:effectRef idx="0">
+        <a:scrgbClr r="0" g="0" b="0"/>
+      </a:effectRef>
+      <a:fontRef idx="minor"/>
+    </dgm:style>
+  </dgm:styleLbl>
+  <dgm:styleLbl name="fgShp">
+    <dgm:scene3d>
+      <a:camera prst="orthographicFront"/>
+      <a:lightRig rig="threePt" dir="t"/>
+    </dgm:scene3d>
+    <dgm:sp3d/>
+    <dgm:txPr/>
+    <dgm:style>
+      <a:lnRef idx="2">
+        <a:scrgbClr r="0" g="0" b="0"/>
+      </a:lnRef>
+      <a:fillRef idx="1">
+        <a:scrgbClr r="0" g="0" b="0"/>
+      </a:fillRef>
+      <a:effectRef idx="0">
+        <a:scrgbClr r="0" g="0" b="0"/>
+      </a:effectRef>
+      <a:fontRef idx="minor"/>
+    </dgm:style>
+  </dgm:styleLbl>
+  <dgm:styleLbl name="revTx">
+    <dgm:scene3d>
+      <a:camera prst="orthographicFront"/>
+      <a:lightRig rig="threePt" dir="t"/>
+    </dgm:scene3d>
+    <dgm:sp3d/>
+    <dgm:txPr/>
+    <dgm:style>
+      <a:lnRef idx="0">
+        <a:scrgbClr r="0" g="0" b="0"/>
+      </a:lnRef>
+      <a:fillRef idx="0">
+        <a:scrgbClr r="0" g="0" b="0"/>
+      </a:fillRef>
+      <a:effectRef idx="0">
+        <a:scrgbClr r="0" g="0" b="0"/>
+      </a:effectRef>
+      <a:fontRef idx="minor"/>
+    </dgm:style>
+  </dgm:styleLbl>
+</dgm:styleDef>
 </file>
 
 <file path=ppt/notesMasters/notesMaster1.xml><?xml version="1.0" encoding="utf-8"?>
@@ -2410,6 +7416,244 @@
 </p:sldLayout>
 </file>
 
+<file path=ppt/slideLayouts/slideLayout4.xml><?xml version="1.0" encoding="utf-8"?>
+<p:sldLayout xmlns:a="http://schemas.openxmlformats.org/drawingml/2006/main" xmlns:r="http://schemas.openxmlformats.org/officeDocument/2006/relationships" xmlns:p="http://schemas.openxmlformats.org/presentationml/2006/main" matchingName="Section header" type="secHead">
+  <p:cSld name="Section header">
+    <p:spTree>
+      <p:nvGrpSpPr>
+        <p:cNvPr id="1" name="Shape 17"/>
+        <p:cNvGrpSpPr/>
+        <p:nvPr/>
+      </p:nvGrpSpPr>
+      <p:grpSpPr>
+        <a:xfrm>
+          <a:off x="0" y="0"/>
+          <a:ext cx="0" cy="0"/>
+          <a:chOff x="0" y="0"/>
+          <a:chExt cx="0" cy="0"/>
+        </a:xfrm>
+      </p:grpSpPr>
+      <p:sp>
+        <p:nvSpPr>
+          <p:cNvPr id="18" name="Google Shape;18;g6dad9273e7_0_8"/>
+          <p:cNvSpPr txBox="1">
+            <a:spLocks noGrp="1"/>
+          </p:cNvSpPr>
+          <p:nvPr>
+            <p:ph type="title"/>
+          </p:nvPr>
+        </p:nvSpPr>
+        <p:spPr>
+          <a:xfrm>
+            <a:off x="415600" y="2867800"/>
+            <a:ext cx="11360700" cy="1122300"/>
+          </a:xfrm>
+          <a:prstGeom prst="rect">
+            <a:avLst/>
+          </a:prstGeom>
+        </p:spPr>
+        <p:txBody>
+          <a:bodyPr spcFirstLastPara="1" wrap="square" lIns="121900" tIns="121900" rIns="121900" bIns="121900" anchor="ctr" anchorCtr="0">
+            <a:noAutofit/>
+          </a:bodyPr>
+          <a:lstStyle>
+            <a:lvl1pPr lvl="0" algn="ctr">
+              <a:spcBef>
+                <a:spcPts val="0"/>
+              </a:spcBef>
+              <a:spcAft>
+                <a:spcPts val="0"/>
+              </a:spcAft>
+              <a:buSzPts val="4800"/>
+              <a:buNone/>
+              <a:defRPr sz="4800"/>
+            </a:lvl1pPr>
+            <a:lvl2pPr lvl="1" algn="ctr">
+              <a:spcBef>
+                <a:spcPts val="0"/>
+              </a:spcBef>
+              <a:spcAft>
+                <a:spcPts val="0"/>
+              </a:spcAft>
+              <a:buSzPts val="4800"/>
+              <a:buNone/>
+              <a:defRPr sz="4800"/>
+            </a:lvl2pPr>
+            <a:lvl3pPr lvl="2" algn="ctr">
+              <a:spcBef>
+                <a:spcPts val="0"/>
+              </a:spcBef>
+              <a:spcAft>
+                <a:spcPts val="0"/>
+              </a:spcAft>
+              <a:buSzPts val="4800"/>
+              <a:buNone/>
+              <a:defRPr sz="4800"/>
+            </a:lvl3pPr>
+            <a:lvl4pPr lvl="3" algn="ctr">
+              <a:spcBef>
+                <a:spcPts val="0"/>
+              </a:spcBef>
+              <a:spcAft>
+                <a:spcPts val="0"/>
+              </a:spcAft>
+              <a:buSzPts val="4800"/>
+              <a:buNone/>
+              <a:defRPr sz="4800"/>
+            </a:lvl4pPr>
+            <a:lvl5pPr lvl="4" algn="ctr">
+              <a:spcBef>
+                <a:spcPts val="0"/>
+              </a:spcBef>
+              <a:spcAft>
+                <a:spcPts val="0"/>
+              </a:spcAft>
+              <a:buSzPts val="4800"/>
+              <a:buNone/>
+              <a:defRPr sz="4800"/>
+            </a:lvl5pPr>
+            <a:lvl6pPr lvl="5" algn="ctr">
+              <a:spcBef>
+                <a:spcPts val="0"/>
+              </a:spcBef>
+              <a:spcAft>
+                <a:spcPts val="0"/>
+              </a:spcAft>
+              <a:buSzPts val="4800"/>
+              <a:buNone/>
+              <a:defRPr sz="4800"/>
+            </a:lvl6pPr>
+            <a:lvl7pPr lvl="6" algn="ctr">
+              <a:spcBef>
+                <a:spcPts val="0"/>
+              </a:spcBef>
+              <a:spcAft>
+                <a:spcPts val="0"/>
+              </a:spcAft>
+              <a:buSzPts val="4800"/>
+              <a:buNone/>
+              <a:defRPr sz="4800"/>
+            </a:lvl7pPr>
+            <a:lvl8pPr lvl="7" algn="ctr">
+              <a:spcBef>
+                <a:spcPts val="0"/>
+              </a:spcBef>
+              <a:spcAft>
+                <a:spcPts val="0"/>
+              </a:spcAft>
+              <a:buSzPts val="4800"/>
+              <a:buNone/>
+              <a:defRPr sz="4800"/>
+            </a:lvl8pPr>
+            <a:lvl9pPr lvl="8" algn="ctr">
+              <a:spcBef>
+                <a:spcPts val="0"/>
+              </a:spcBef>
+              <a:spcAft>
+                <a:spcPts val="0"/>
+              </a:spcAft>
+              <a:buSzPts val="4800"/>
+              <a:buNone/>
+              <a:defRPr sz="4800"/>
+            </a:lvl9pPr>
+          </a:lstStyle>
+          <a:p>
+            <a:endParaRPr/>
+          </a:p>
+        </p:txBody>
+      </p:sp>
+      <p:sp>
+        <p:nvSpPr>
+          <p:cNvPr id="19" name="Google Shape;19;g6dad9273e7_0_8"/>
+          <p:cNvSpPr txBox="1">
+            <a:spLocks noGrp="1"/>
+          </p:cNvSpPr>
+          <p:nvPr>
+            <p:ph type="sldNum" idx="12"/>
+          </p:nvPr>
+        </p:nvSpPr>
+        <p:spPr>
+          <a:xfrm>
+            <a:off x="11296610" y="6217622"/>
+            <a:ext cx="731700" cy="524700"/>
+          </a:xfrm>
+          <a:prstGeom prst="rect">
+            <a:avLst/>
+          </a:prstGeom>
+        </p:spPr>
+        <p:txBody>
+          <a:bodyPr spcFirstLastPara="1" wrap="square" lIns="121900" tIns="121900" rIns="121900" bIns="121900" anchor="ctr" anchorCtr="0">
+            <a:noAutofit/>
+          </a:bodyPr>
+          <a:lstStyle>
+            <a:lvl1pPr lvl="0">
+              <a:buNone/>
+              <a:defRPr/>
+            </a:lvl1pPr>
+            <a:lvl2pPr lvl="1">
+              <a:buNone/>
+              <a:defRPr/>
+            </a:lvl2pPr>
+            <a:lvl3pPr lvl="2">
+              <a:buNone/>
+              <a:defRPr/>
+            </a:lvl3pPr>
+            <a:lvl4pPr lvl="3">
+              <a:buNone/>
+              <a:defRPr/>
+            </a:lvl4pPr>
+            <a:lvl5pPr lvl="4">
+              <a:buNone/>
+              <a:defRPr/>
+            </a:lvl5pPr>
+            <a:lvl6pPr lvl="5">
+              <a:buNone/>
+              <a:defRPr/>
+            </a:lvl6pPr>
+            <a:lvl7pPr lvl="6">
+              <a:buNone/>
+              <a:defRPr/>
+            </a:lvl7pPr>
+            <a:lvl8pPr lvl="7">
+              <a:buNone/>
+              <a:defRPr/>
+            </a:lvl8pPr>
+            <a:lvl9pPr lvl="8">
+              <a:buNone/>
+              <a:defRPr/>
+            </a:lvl9pPr>
+          </a:lstStyle>
+          <a:p>
+            <a:pPr marL="0" lvl="0" indent="0" algn="r" rtl="0">
+              <a:spcBef>
+                <a:spcPts val="0"/>
+              </a:spcBef>
+              <a:spcAft>
+                <a:spcPts val="0"/>
+              </a:spcAft>
+              <a:buNone/>
+            </a:pPr>
+            <a:fld id="{00000000-1234-1234-1234-123412341234}" type="slidenum">
+              <a:rPr lang="en-US"/>
+              <a:t>‹#›</a:t>
+            </a:fld>
+            <a:endParaRPr/>
+          </a:p>
+        </p:txBody>
+      </p:sp>
+    </p:spTree>
+    <p:extLst>
+      <p:ext uri="{BB962C8B-B14F-4D97-AF65-F5344CB8AC3E}">
+        <p14:creationId xmlns:p14="http://schemas.microsoft.com/office/powerpoint/2010/main" val="766420172"/>
+      </p:ext>
+    </p:extLst>
+  </p:cSld>
+  <p:clrMapOvr>
+    <a:masterClrMapping/>
+  </p:clrMapOvr>
+</p:sldLayout>
+</file>
+
 <file path=ppt/slideMasters/slideMaster1.xml><?xml version="1.0" encoding="utf-8"?>
 <p:sldMaster xmlns:a="http://schemas.openxmlformats.org/drawingml/2006/main" xmlns:r="http://schemas.openxmlformats.org/officeDocument/2006/relationships" xmlns:p="http://schemas.openxmlformats.org/presentationml/2006/main">
   <p:cSld name="simple-light-2">
@@ -2980,6 +8224,7 @@
     <p:sldLayoutId id="2147483649" r:id="rId1"/>
     <p:sldLayoutId id="2147483661" r:id="rId2"/>
     <p:sldLayoutId id="2147483659" r:id="rId3"/>
+    <p:sldLayoutId id="2147483662" r:id="rId4"/>
   </p:sldLayoutIdLst>
   <p:hf sldNum="0" hdr="0" ftr="0" dt="0"/>
   <p:txStyles>
@@ -3991,6 +9236,135 @@
       </p:grpSpPr>
       <p:sp>
         <p:nvSpPr>
+          <p:cNvPr id="2" name="Title 1">
+            <a:extLst>
+              <a:ext uri="{FF2B5EF4-FFF2-40B4-BE49-F238E27FC236}">
+                <a16:creationId xmlns:a16="http://schemas.microsoft.com/office/drawing/2014/main" id="{94CF2A94-A63F-6149-AA28-2E35B60E3D3E}"/>
+              </a:ext>
+            </a:extLst>
+          </p:cNvPr>
+          <p:cNvSpPr>
+            <a:spLocks noGrp="1"/>
+          </p:cNvSpPr>
+          <p:nvPr>
+            <p:ph type="title"/>
+          </p:nvPr>
+        </p:nvSpPr>
+        <p:spPr/>
+        <p:txBody>
+          <a:bodyPr/>
+          <a:lstStyle/>
+          <a:p>
+            <a:endParaRPr lang="en-US"/>
+          </a:p>
+        </p:txBody>
+      </p:sp>
+      <p:graphicFrame>
+        <p:nvGraphicFramePr>
+          <p:cNvPr id="3" name="Diagram 2">
+            <a:extLst>
+              <a:ext uri="{FF2B5EF4-FFF2-40B4-BE49-F238E27FC236}">
+                <a16:creationId xmlns:a16="http://schemas.microsoft.com/office/drawing/2014/main" id="{8E902576-68A9-6E48-B0FE-5B1889953DC8}"/>
+              </a:ext>
+            </a:extLst>
+          </p:cNvPr>
+          <p:cNvGraphicFramePr/>
+          <p:nvPr/>
+        </p:nvGraphicFramePr>
+        <p:xfrm>
+          <a:off x="180467" y="0"/>
+          <a:ext cx="11776400" cy="6858000"/>
+        </p:xfrm>
+        <a:graphic>
+          <a:graphicData uri="http://schemas.openxmlformats.org/drawingml/2006/diagram">
+            <dgm:relIds xmlns:dgm="http://schemas.openxmlformats.org/drawingml/2006/diagram" xmlns:r="http://schemas.openxmlformats.org/officeDocument/2006/relationships" r:dm="rId2" r:lo="rId3" r:qs="rId4" r:cs="rId5"/>
+          </a:graphicData>
+        </a:graphic>
+      </p:graphicFrame>
+      <p:sp>
+        <p:nvSpPr>
+          <p:cNvPr id="4" name="Rectangle 3">
+            <a:extLst>
+              <a:ext uri="{FF2B5EF4-FFF2-40B4-BE49-F238E27FC236}">
+                <a16:creationId xmlns:a16="http://schemas.microsoft.com/office/drawing/2014/main" id="{E2C99BF2-C81A-5246-89D3-E49BCDCAD699}"/>
+              </a:ext>
+            </a:extLst>
+          </p:cNvPr>
+          <p:cNvSpPr/>
+          <p:nvPr/>
+        </p:nvSpPr>
+        <p:spPr>
+          <a:xfrm>
+            <a:off x="9553197" y="274320"/>
+            <a:ext cx="2534195" cy="1789611"/>
+          </a:xfrm>
+          <a:prstGeom prst="rect">
+            <a:avLst/>
+          </a:prstGeom>
+          <a:noFill/>
+          <a:ln w="76200">
+            <a:solidFill>
+              <a:srgbClr val="C00000"/>
+            </a:solidFill>
+          </a:ln>
+        </p:spPr>
+        <p:style>
+          <a:lnRef idx="2">
+            <a:schemeClr val="accent1">
+              <a:shade val="50000"/>
+            </a:schemeClr>
+          </a:lnRef>
+          <a:fillRef idx="1">
+            <a:schemeClr val="accent1"/>
+          </a:fillRef>
+          <a:effectRef idx="0">
+            <a:schemeClr val="accent1"/>
+          </a:effectRef>
+          <a:fontRef idx="minor">
+            <a:schemeClr val="lt1"/>
+          </a:fontRef>
+        </p:style>
+        <p:txBody>
+          <a:bodyPr rtlCol="0" anchor="ctr"/>
+          <a:lstStyle/>
+          <a:p>
+            <a:pPr algn="ctr"/>
+            <a:endParaRPr lang="en-US"/>
+          </a:p>
+        </p:txBody>
+      </p:sp>
+    </p:spTree>
+    <p:extLst>
+      <p:ext uri="{BB962C8B-B14F-4D97-AF65-F5344CB8AC3E}">
+        <p14:creationId xmlns:p14="http://schemas.microsoft.com/office/powerpoint/2010/main" val="283478415"/>
+      </p:ext>
+    </p:extLst>
+  </p:cSld>
+  <p:clrMapOvr>
+    <a:masterClrMapping/>
+  </p:clrMapOvr>
+</p:sld>
+</file>
+
+<file path=ppt/slides/slide5.xml><?xml version="1.0" encoding="utf-8"?>
+<p:sld xmlns:a="http://schemas.openxmlformats.org/drawingml/2006/main" xmlns:r="http://schemas.openxmlformats.org/officeDocument/2006/relationships" xmlns:p="http://schemas.openxmlformats.org/presentationml/2006/main">
+  <p:cSld>
+    <p:spTree>
+      <p:nvGrpSpPr>
+        <p:cNvPr id="1" name=""/>
+        <p:cNvGrpSpPr/>
+        <p:nvPr/>
+      </p:nvGrpSpPr>
+      <p:grpSpPr>
+        <a:xfrm>
+          <a:off x="0" y="0"/>
+          <a:ext cx="0" cy="0"/>
+          <a:chOff x="0" y="0"/>
+          <a:chExt cx="0" cy="0"/>
+        </a:xfrm>
+      </p:grpSpPr>
+      <p:sp>
+        <p:nvSpPr>
           <p:cNvPr id="3" name="Title 2">
             <a:extLst>
               <a:ext uri="{FF2B5EF4-FFF2-40B4-BE49-F238E27FC236}">
@@ -4030,7 +9404,7 @@
 </p:sld>
 </file>
 
-<file path=ppt/slides/slide5.xml><?xml version="1.0" encoding="utf-8"?>
+<file path=ppt/slides/slide6.xml><?xml version="1.0" encoding="utf-8"?>
 <p:sld xmlns:a="http://schemas.openxmlformats.org/drawingml/2006/main" xmlns:r="http://schemas.openxmlformats.org/officeDocument/2006/relationships" xmlns:p="http://schemas.openxmlformats.org/presentationml/2006/main">
   <p:cSld>
     <p:spTree>
@@ -4144,7 +9518,7 @@
 </p:sld>
 </file>
 
-<file path=ppt/slides/slide6.xml><?xml version="1.0" encoding="utf-8"?>
+<file path=ppt/slides/slide7.xml><?xml version="1.0" encoding="utf-8"?>
 <p:sld xmlns:a="http://schemas.openxmlformats.org/drawingml/2006/main" xmlns:r="http://schemas.openxmlformats.org/officeDocument/2006/relationships" xmlns:p="http://schemas.openxmlformats.org/presentationml/2006/main">
   <p:cSld>
     <p:spTree>
@@ -4258,7 +9632,7 @@
 </p:sld>
 </file>
 
-<file path=ppt/slides/slide7.xml><?xml version="1.0" encoding="utf-8"?>
+<file path=ppt/slides/slide8.xml><?xml version="1.0" encoding="utf-8"?>
 <p:sld xmlns:a="http://schemas.openxmlformats.org/drawingml/2006/main" xmlns:r="http://schemas.openxmlformats.org/officeDocument/2006/relationships" xmlns:p="http://schemas.openxmlformats.org/presentationml/2006/main">
   <p:cSld>
     <p:spTree>

--- a/03 - Data Exploration, Analytical Formulation, and Baselines/formulation-discussion.pptx
+++ b/03 - Data Exploration, Analytical Formulation, and Baselines/formulation-discussion.pptx
@@ -253,7 +253,7 @@
       <p15:sldGuideLst xmlns:p15="http://schemas.microsoft.com/office/powerpoint/2012/main"/>
     </p:ext>
     <p:ext uri="http://customooxmlschemas.google.com/">
-      <go:slidesCustomData xmlns:go="http://customooxmlschemas.google.com/" xmlns:p15="http://schemas.microsoft.com/office/powerpoint/2012/main" xmlns:p14="http://schemas.microsoft.com/office/powerpoint/2010/main" xmlns:com="http://schemas.openxmlformats.org/drawingml/2006/compatibility" xmlns:pvml="urn:schemas-microsoft-com:office:powerpoint" xmlns:v="urn:schemas-microsoft-com:vml" xmlns:o="urn:schemas-microsoft-com:office:office" xmlns:dgm="http://schemas.openxmlformats.org/drawingml/2006/diagram" xmlns:c="http://schemas.openxmlformats.org/drawingml/2006/chart" xmlns:mv="urn:schemas-microsoft-com:mac:vml" xmlns:mc="http://schemas.openxmlformats.org/markup-compatibility/2006" xmlns="" r:id="rId30" roundtripDataSignature="AMtx7mjFyVUGRZWio+dc9dxzYsimUxNJbg=="/>
+      <go:slidesCustomData xmlns="" xmlns:mc="http://schemas.openxmlformats.org/markup-compatibility/2006" xmlns:mv="urn:schemas-microsoft-com:mac:vml" xmlns:c="http://schemas.openxmlformats.org/drawingml/2006/chart" xmlns:dgm="http://schemas.openxmlformats.org/drawingml/2006/diagram" xmlns:o="urn:schemas-microsoft-com:office:office" xmlns:v="urn:schemas-microsoft-com:vml" xmlns:pvml="urn:schemas-microsoft-com:office:powerpoint" xmlns:com="http://schemas.openxmlformats.org/drawingml/2006/compatibility" xmlns:p14="http://schemas.microsoft.com/office/powerpoint/2010/main" xmlns:p15="http://schemas.microsoft.com/office/powerpoint/2012/main" xmlns:go="http://customooxmlschemas.google.com/" r:id="rId30" roundtripDataSignature="AMtx7mjFyVUGRZWio+dc9dxzYsimUxNJbg=="/>
     </p:ext>
   </p:extLst>
 </p:presentation>
@@ -9423,61 +9423,6 @@
       </p:grpSpPr>
       <p:sp>
         <p:nvSpPr>
-          <p:cNvPr id="2" name="Text Placeholder 1">
-            <a:extLst>
-              <a:ext uri="{FF2B5EF4-FFF2-40B4-BE49-F238E27FC236}">
-                <a16:creationId xmlns:a16="http://schemas.microsoft.com/office/drawing/2014/main" id="{4F90177E-EDBA-BC41-B606-574933A1A307}"/>
-              </a:ext>
-            </a:extLst>
-          </p:cNvPr>
-          <p:cNvSpPr>
-            <a:spLocks noGrp="1"/>
-          </p:cNvSpPr>
-          <p:nvPr>
-            <p:ph type="body" idx="1"/>
-          </p:nvPr>
-        </p:nvSpPr>
-        <p:spPr/>
-        <p:txBody>
-          <a:bodyPr/>
-          <a:lstStyle/>
-          <a:p>
-            <a:pPr marL="114300" indent="0" algn="ctr">
-              <a:buNone/>
-            </a:pPr>
-            <a:r>
-              <a:rPr lang="en-US" sz="4800" dirty="0">
-                <a:solidFill>
-                  <a:schemeClr val="tx1"/>
-                </a:solidFill>
-              </a:rPr>
-              <a:t>Analytical Formulation</a:t>
-            </a:r>
-            <a:br>
-              <a:rPr lang="en-US" sz="4800" dirty="0">
-                <a:solidFill>
-                  <a:schemeClr val="tx1"/>
-                </a:solidFill>
-              </a:rPr>
-            </a:br>
-            <a:r>
-              <a:rPr lang="en-US" sz="4800" dirty="0">
-                <a:solidFill>
-                  <a:schemeClr val="tx1"/>
-                </a:solidFill>
-              </a:rPr>
-              <a:t>in the Obermeyer Paper</a:t>
-            </a:r>
-            <a:endParaRPr lang="en-US" dirty="0">
-              <a:solidFill>
-                <a:schemeClr val="tx1"/>
-              </a:solidFill>
-            </a:endParaRPr>
-          </a:p>
-        </p:txBody>
-      </p:sp>
-      <p:sp>
-        <p:nvSpPr>
           <p:cNvPr id="3" name="Title 2">
             <a:extLst>
               <a:ext uri="{FF2B5EF4-FFF2-40B4-BE49-F238E27FC236}">
@@ -9502,6 +9447,86 @@
               <a:rPr lang="en-US" dirty="0"/>
               <a:t>BREAKOUT SESSION</a:t>
             </a:r>
+          </a:p>
+        </p:txBody>
+      </p:sp>
+      <p:pic>
+        <p:nvPicPr>
+          <p:cNvPr id="6" name="Picture 5">
+            <a:extLst>
+              <a:ext uri="{FF2B5EF4-FFF2-40B4-BE49-F238E27FC236}">
+                <a16:creationId xmlns:a16="http://schemas.microsoft.com/office/drawing/2014/main" id="{DD7C8A1F-AE56-5146-B94D-D4E3FEFBC845}"/>
+              </a:ext>
+            </a:extLst>
+          </p:cNvPr>
+          <p:cNvPicPr>
+            <a:picLocks noChangeAspect="1"/>
+          </p:cNvPicPr>
+          <p:nvPr/>
+        </p:nvPicPr>
+        <p:blipFill>
+          <a:blip r:embed="rId2"/>
+          <a:stretch>
+            <a:fillRect/>
+          </a:stretch>
+        </p:blipFill>
+        <p:spPr>
+          <a:xfrm>
+            <a:off x="1524000" y="1676572"/>
+            <a:ext cx="9144000" cy="3035300"/>
+          </a:xfrm>
+          <a:prstGeom prst="rect">
+            <a:avLst/>
+          </a:prstGeom>
+        </p:spPr>
+      </p:pic>
+      <p:sp>
+        <p:nvSpPr>
+          <p:cNvPr id="7" name="Rectangle 6">
+            <a:extLst>
+              <a:ext uri="{FF2B5EF4-FFF2-40B4-BE49-F238E27FC236}">
+                <a16:creationId xmlns:a16="http://schemas.microsoft.com/office/drawing/2014/main" id="{E588B97A-4F87-8F48-962D-730E499FD613}"/>
+              </a:ext>
+            </a:extLst>
+          </p:cNvPr>
+          <p:cNvSpPr/>
+          <p:nvPr/>
+        </p:nvSpPr>
+        <p:spPr>
+          <a:xfrm>
+            <a:off x="3182382" y="5437543"/>
+            <a:ext cx="5827236" cy="646331"/>
+          </a:xfrm>
+          <a:prstGeom prst="rect">
+            <a:avLst/>
+          </a:prstGeom>
+        </p:spPr>
+        <p:txBody>
+          <a:bodyPr wrap="none">
+            <a:spAutoFit/>
+          </a:bodyPr>
+          <a:lstStyle/>
+          <a:p>
+            <a:r>
+              <a:rPr lang="en-US" sz="3600" dirty="0">
+                <a:solidFill>
+                  <a:srgbClr val="0070C0"/>
+                </a:solidFill>
+                <a:hlinkClick r:id="rId3">
+                  <a:extLst>
+                    <a:ext uri="{A12FA001-AC4F-418D-AE19-62706E023703}">
+                      <ahyp:hlinkClr xmlns:ahyp="http://schemas.microsoft.com/office/drawing/2018/hyperlinkcolor" val="tx"/>
+                    </a:ext>
+                  </a:extLst>
+                </a:hlinkClick>
+              </a:rPr>
+              <a:t>http://bit.ly/mlpp-health-bias</a:t>
+            </a:r>
+            <a:endParaRPr lang="en-US" sz="3600" dirty="0">
+              <a:solidFill>
+                <a:srgbClr val="0070C0"/>
+              </a:solidFill>
+            </a:endParaRPr>
           </a:p>
         </p:txBody>
       </p:sp>
@@ -9580,7 +9605,7 @@
                   <a:schemeClr val="tx1"/>
                 </a:solidFill>
               </a:rPr>
-              <a:t>in Your Class Project</a:t>
+              <a:t>of Donors Choose Project</a:t>
             </a:r>
             <a:endParaRPr lang="en-US" dirty="0">
               <a:solidFill>
@@ -9614,7 +9639,7 @@
             <a:pPr algn="ctr"/>
             <a:r>
               <a:rPr lang="en-US" dirty="0"/>
-              <a:t>PROJECT BREAKOUT</a:t>
+              <a:t>EXAMPLE</a:t>
             </a:r>
           </a:p>
         </p:txBody>

--- a/03 - Data Exploration, Analytical Formulation, and Baselines/formulation-discussion.pptx
+++ b/03 - Data Exploration, Analytical Formulation, and Baselines/formulation-discussion.pptx
@@ -9137,7 +9137,15 @@
             <a:pPr lvl="1"/>
             <a:r>
               <a:rPr lang="en-US" dirty="0"/>
-              <a:t>Video + Reading for ML Pipelines (for Tuesday)</a:t>
+              <a:t>Review slides on </a:t>
+            </a:r>
+            <a:r>
+              <a:rPr lang="en-US" dirty="0" err="1"/>
+              <a:t>github</a:t>
+            </a:r>
+            <a:r>
+              <a:rPr lang="en-US" dirty="0"/>
+              <a:t> + Reading for ML Pipelines (for Tuesday)</a:t>
             </a:r>
             <a:br>
               <a:rPr lang="en-US" dirty="0"/>
@@ -9715,7 +9723,15 @@
             <a:pPr lvl="1"/>
             <a:r>
               <a:rPr lang="en-US" dirty="0"/>
-              <a:t>Video + Reading for ML Pipelines (for Tuesday)</a:t>
+              <a:t>Review slides on </a:t>
+            </a:r>
+            <a:r>
+              <a:rPr lang="en-US" dirty="0" err="1"/>
+              <a:t>github</a:t>
+            </a:r>
+            <a:r>
+              <a:rPr lang="en-US" dirty="0"/>
+              <a:t> + Reading for ML Pipelines (for Tuesday)</a:t>
             </a:r>
             <a:br>
               <a:rPr lang="en-US" dirty="0"/>

--- a/03 - Data Exploration, Analytical Formulation, and Baselines/formulation-discussion.pptx
+++ b/03 - Data Exploration, Analytical Formulation, and Baselines/formulation-discussion.pptx
@@ -253,7 +253,7 @@
       <p15:sldGuideLst xmlns:p15="http://schemas.microsoft.com/office/powerpoint/2012/main"/>
     </p:ext>
     <p:ext uri="http://customooxmlschemas.google.com/">
-      <go:slidesCustomData xmlns="" xmlns:mc="http://schemas.openxmlformats.org/markup-compatibility/2006" xmlns:mv="urn:schemas-microsoft-com:mac:vml" xmlns:c="http://schemas.openxmlformats.org/drawingml/2006/chart" xmlns:dgm="http://schemas.openxmlformats.org/drawingml/2006/diagram" xmlns:o="urn:schemas-microsoft-com:office:office" xmlns:v="urn:schemas-microsoft-com:vml" xmlns:pvml="urn:schemas-microsoft-com:office:powerpoint" xmlns:com="http://schemas.openxmlformats.org/drawingml/2006/compatibility" xmlns:p14="http://schemas.microsoft.com/office/powerpoint/2010/main" xmlns:p15="http://schemas.microsoft.com/office/powerpoint/2012/main" xmlns:go="http://customooxmlschemas.google.com/" r:id="rId30" roundtripDataSignature="AMtx7mjFyVUGRZWio+dc9dxzYsimUxNJbg=="/>
+      <go:slidesCustomData xmlns:go="http://customooxmlschemas.google.com/" xmlns:p15="http://schemas.microsoft.com/office/powerpoint/2012/main" xmlns:p14="http://schemas.microsoft.com/office/powerpoint/2010/main" xmlns:com="http://schemas.openxmlformats.org/drawingml/2006/compatibility" xmlns:pvml="urn:schemas-microsoft-com:office:powerpoint" xmlns:v="urn:schemas-microsoft-com:vml" xmlns:o="urn:schemas-microsoft-com:office:office" xmlns:dgm="http://schemas.openxmlformats.org/drawingml/2006/diagram" xmlns:c="http://schemas.openxmlformats.org/drawingml/2006/chart" xmlns:mv="urn:schemas-microsoft-com:mac:vml" xmlns:mc="http://schemas.openxmlformats.org/markup-compatibility/2006" xmlns="" r:id="rId30" roundtripDataSignature="AMtx7mjFyVUGRZWio+dc9dxzYsimUxNJbg=="/>
     </p:ext>
   </p:extLst>
 </p:presentation>
@@ -9056,7 +9056,7 @@
                   <a:schemeClr val="tx1"/>
                 </a:solidFill>
               </a:rPr>
-              <a:t>Short Quiz on Video/Reading</a:t>
+              <a:t>Short Quiz on Video and Reading</a:t>
             </a:r>
             <a:endParaRPr lang="en-US" dirty="0">
               <a:solidFill>
@@ -9145,7 +9145,7 @@
             </a:r>
             <a:r>
               <a:rPr lang="en-US" dirty="0"/>
-              <a:t> + Reading for ML Pipelines (for Tuesday)</a:t>
+              <a:t> for ML Pipelines (for Tuesday)</a:t>
             </a:r>
             <a:br>
               <a:rPr lang="en-US" dirty="0"/>
@@ -9568,94 +9568,39 @@
           <a:chExt cx="0" cy="0"/>
         </a:xfrm>
       </p:grpSpPr>
-      <p:sp>
-        <p:nvSpPr>
-          <p:cNvPr id="2" name="Text Placeholder 1">
+      <p:pic>
+        <p:nvPicPr>
+          <p:cNvPr id="6" name="Picture 5">
             <a:extLst>
               <a:ext uri="{FF2B5EF4-FFF2-40B4-BE49-F238E27FC236}">
-                <a16:creationId xmlns:a16="http://schemas.microsoft.com/office/drawing/2014/main" id="{4F90177E-EDBA-BC41-B606-574933A1A307}"/>
+                <a16:creationId xmlns:a16="http://schemas.microsoft.com/office/drawing/2014/main" id="{D815327F-2A1E-4D4C-8B82-3E0A05F0C899}"/>
               </a:ext>
             </a:extLst>
           </p:cNvPr>
-          <p:cNvSpPr>
-            <a:spLocks noGrp="1"/>
-          </p:cNvSpPr>
-          <p:nvPr>
-            <p:ph type="body" idx="1"/>
-          </p:nvPr>
-        </p:nvSpPr>
-        <p:spPr/>
-        <p:txBody>
-          <a:bodyPr/>
-          <a:lstStyle/>
-          <a:p>
-            <a:pPr marL="114300" indent="0" algn="ctr">
-              <a:buNone/>
-            </a:pPr>
-            <a:r>
-              <a:rPr lang="en-US" sz="4800" dirty="0">
-                <a:solidFill>
-                  <a:schemeClr val="tx1"/>
-                </a:solidFill>
-              </a:rPr>
-              <a:t>Analytical Formulation</a:t>
-            </a:r>
-            <a:br>
-              <a:rPr lang="en-US" sz="4800" dirty="0">
-                <a:solidFill>
-                  <a:schemeClr val="tx1"/>
-                </a:solidFill>
-              </a:rPr>
-            </a:br>
-            <a:r>
-              <a:rPr lang="en-US" sz="4800" dirty="0">
-                <a:solidFill>
-                  <a:schemeClr val="tx1"/>
-                </a:solidFill>
-              </a:rPr>
-              <a:t>of Donors Choose Project</a:t>
-            </a:r>
-            <a:endParaRPr lang="en-US" dirty="0">
-              <a:solidFill>
-                <a:schemeClr val="tx1"/>
-              </a:solidFill>
-            </a:endParaRPr>
-          </a:p>
-        </p:txBody>
-      </p:sp>
-      <p:sp>
-        <p:nvSpPr>
-          <p:cNvPr id="3" name="Title 2">
-            <a:extLst>
-              <a:ext uri="{FF2B5EF4-FFF2-40B4-BE49-F238E27FC236}">
-                <a16:creationId xmlns:a16="http://schemas.microsoft.com/office/drawing/2014/main" id="{FC4F2F47-A164-2C41-A1CD-CFD1AFCBE708}"/>
-              </a:ext>
-            </a:extLst>
-          </p:cNvPr>
-          <p:cNvSpPr>
-            <a:spLocks noGrp="1"/>
-          </p:cNvSpPr>
-          <p:nvPr>
-            <p:ph type="title"/>
-          </p:nvPr>
-        </p:nvSpPr>
-        <p:spPr/>
-        <p:txBody>
-          <a:bodyPr/>
-          <a:lstStyle/>
-          <a:p>
-            <a:pPr algn="ctr"/>
-            <a:r>
-              <a:rPr lang="en-US" dirty="0"/>
-              <a:t>EXAMPLE</a:t>
-            </a:r>
-          </a:p>
-        </p:txBody>
-      </p:sp>
+          <p:cNvPicPr>
+            <a:picLocks noChangeAspect="1"/>
+          </p:cNvPicPr>
+          <p:nvPr/>
+        </p:nvPicPr>
+        <p:blipFill rotWithShape="1">
+          <a:blip r:embed="rId2"/>
+          <a:srcRect l="1569"/>
+          <a:stretch/>
+        </p:blipFill>
+        <p:spPr>
+          <a:xfrm>
+            <a:off x="1506070" y="0"/>
+            <a:ext cx="9273963" cy="6858000"/>
+          </a:xfrm>
+          <a:prstGeom prst="rect">
+            <a:avLst/>
+          </a:prstGeom>
+        </p:spPr>
+      </p:pic>
     </p:spTree>
     <p:extLst>
       <p:ext uri="{BB962C8B-B14F-4D97-AF65-F5344CB8AC3E}">
-        <p14:creationId xmlns:p14="http://schemas.microsoft.com/office/powerpoint/2010/main" val="9829890"/>
+        <p14:creationId xmlns:p14="http://schemas.microsoft.com/office/powerpoint/2010/main" val="3679215505"/>
       </p:ext>
     </p:extLst>
   </p:cSld>
@@ -9699,7 +9644,7 @@
           <a:p>
             <a:r>
               <a:rPr lang="en-US" dirty="0"/>
-              <a:t>Due tomorrow: ACS data loading assignment</a:t>
+              <a:t>Due tomorrow: ACS data assignment</a:t>
             </a:r>
             <a:br>
               <a:rPr lang="en-US" dirty="0"/>

--- a/03 - Data Exploration, Analytical Formulation, and Baselines/formulation-discussion.pptx
+++ b/03 - Data Exploration, Analytical Formulation, and Baselines/formulation-discussion.pptx
@@ -253,7 +253,7 @@
       <p15:sldGuideLst xmlns:p15="http://schemas.microsoft.com/office/powerpoint/2012/main"/>
     </p:ext>
     <p:ext uri="http://customooxmlschemas.google.com/">
-      <go:slidesCustomData xmlns:go="http://customooxmlschemas.google.com/" xmlns:p15="http://schemas.microsoft.com/office/powerpoint/2012/main" xmlns:p14="http://schemas.microsoft.com/office/powerpoint/2010/main" xmlns:com="http://schemas.openxmlformats.org/drawingml/2006/compatibility" xmlns:pvml="urn:schemas-microsoft-com:office:powerpoint" xmlns:v="urn:schemas-microsoft-com:vml" xmlns:o="urn:schemas-microsoft-com:office:office" xmlns:dgm="http://schemas.openxmlformats.org/drawingml/2006/diagram" xmlns:c="http://schemas.openxmlformats.org/drawingml/2006/chart" xmlns:mv="urn:schemas-microsoft-com:mac:vml" xmlns:mc="http://schemas.openxmlformats.org/markup-compatibility/2006" xmlns="" r:id="rId30" roundtripDataSignature="AMtx7mjFyVUGRZWio+dc9dxzYsimUxNJbg=="/>
+      <go:slidesCustomData xmlns="" xmlns:mc="http://schemas.openxmlformats.org/markup-compatibility/2006" xmlns:mv="urn:schemas-microsoft-com:mac:vml" xmlns:c="http://schemas.openxmlformats.org/drawingml/2006/chart" xmlns:dgm="http://schemas.openxmlformats.org/drawingml/2006/diagram" xmlns:o="urn:schemas-microsoft-com:office:office" xmlns:v="urn:schemas-microsoft-com:vml" xmlns:pvml="urn:schemas-microsoft-com:office:powerpoint" xmlns:com="http://schemas.openxmlformats.org/drawingml/2006/compatibility" xmlns:p14="http://schemas.microsoft.com/office/powerpoint/2010/main" xmlns:p15="http://schemas.microsoft.com/office/powerpoint/2012/main" xmlns:go="http://customooxmlschemas.google.com/" r:id="rId30" roundtripDataSignature="AMtx7mjFyVUGRZWio+dc9dxzYsimUxNJbg=="/>
     </p:ext>
   </p:extLst>
 </p:presentation>
@@ -9589,8 +9589,8 @@
         </p:blipFill>
         <p:spPr>
           <a:xfrm>
-            <a:off x="1506070" y="0"/>
-            <a:ext cx="9273963" cy="6858000"/>
+            <a:off x="1701568" y="247630"/>
+            <a:ext cx="8788863" cy="6499274"/>
           </a:xfrm>
           <a:prstGeom prst="rect">
             <a:avLst/>
@@ -9676,7 +9676,7 @@
             </a:r>
             <a:r>
               <a:rPr lang="en-US" dirty="0"/>
-              <a:t> + Reading for ML Pipelines (for Tuesday)</a:t>
+              <a:t> for ML Pipelines (for Tuesday)</a:t>
             </a:r>
             <a:br>
               <a:rPr lang="en-US" dirty="0"/>
